--- a/presentations/SAGE_II_session5_VS.pptx
+++ b/presentations/SAGE_II_session5_VS.pptx
@@ -4,28 +4,29 @@
   <p:sldMasterIdLst>
     <p:sldMasterId id="2147483648" r:id="rId2"/>
     <p:sldMasterId id="2147483661" r:id="rId3"/>
+    <p:sldMasterId id="2147483674" r:id="rId4"/>
   </p:sldMasterIdLst>
   <p:sldIdLst>
-    <p:sldId id="256" r:id="rId4"/>
-    <p:sldId id="257" r:id="rId5"/>
-    <p:sldId id="258" r:id="rId6"/>
-    <p:sldId id="259" r:id="rId7"/>
-    <p:sldId id="260" r:id="rId8"/>
-    <p:sldId id="261" r:id="rId9"/>
-    <p:sldId id="262" r:id="rId10"/>
-    <p:sldId id="263" r:id="rId11"/>
-    <p:sldId id="264" r:id="rId12"/>
-    <p:sldId id="265" r:id="rId13"/>
-    <p:sldId id="266" r:id="rId14"/>
-    <p:sldId id="267" r:id="rId15"/>
-    <p:sldId id="268" r:id="rId16"/>
-    <p:sldId id="269" r:id="rId17"/>
-    <p:sldId id="270" r:id="rId18"/>
-    <p:sldId id="271" r:id="rId19"/>
-    <p:sldId id="272" r:id="rId20"/>
-    <p:sldId id="273" r:id="rId21"/>
-    <p:sldId id="274" r:id="rId22"/>
-    <p:sldId id="275" r:id="rId23"/>
+    <p:sldId id="256" r:id="rId5"/>
+    <p:sldId id="257" r:id="rId6"/>
+    <p:sldId id="258" r:id="rId7"/>
+    <p:sldId id="259" r:id="rId8"/>
+    <p:sldId id="260" r:id="rId9"/>
+    <p:sldId id="261" r:id="rId10"/>
+    <p:sldId id="262" r:id="rId11"/>
+    <p:sldId id="263" r:id="rId12"/>
+    <p:sldId id="264" r:id="rId13"/>
+    <p:sldId id="265" r:id="rId14"/>
+    <p:sldId id="266" r:id="rId15"/>
+    <p:sldId id="267" r:id="rId16"/>
+    <p:sldId id="268" r:id="rId17"/>
+    <p:sldId id="269" r:id="rId18"/>
+    <p:sldId id="270" r:id="rId19"/>
+    <p:sldId id="271" r:id="rId20"/>
+    <p:sldId id="272" r:id="rId21"/>
+    <p:sldId id="273" r:id="rId22"/>
+    <p:sldId id="274" r:id="rId23"/>
+    <p:sldId id="275" r:id="rId24"/>
   </p:sldIdLst>
   <p:sldSz cx="10080625" cy="5670550"/>
   <p:notesSz cx="7559675" cy="10691812"/>
@@ -1979,6 +1980,351 @@
 </p:sldLayout>
 </file>
 
+<file path=ppt/slideLayouts/slideLayout25.xml><?xml version="1.0" encoding="utf-8"?>
+<p:sldLayout xmlns:a="http://schemas.openxmlformats.org/drawingml/2006/main" xmlns:p="http://schemas.openxmlformats.org/presentationml/2006/main" xmlns:r="http://schemas.openxmlformats.org/officeDocument/2006/relationships" xmlns:p14="http://schemas.microsoft.com/office/powerpoint/2010/main" xmlns:p15="http://schemas.microsoft.com/office/powerpoint/2012/main" xmlns:mc="http://schemas.openxmlformats.org/markup-compatibility/2006" type="blank" preserve="1">
+  <p:cSld name="Blank Slide">
+    <p:spTree>
+      <p:nvGrpSpPr>
+        <p:cNvPr id="1" name=""/>
+        <p:cNvGrpSpPr/>
+        <p:nvPr/>
+      </p:nvGrpSpPr>
+      <p:grpSpPr>
+        <a:xfrm>
+          <a:off x="0" y="0"/>
+          <a:ext cx="0" cy="0"/>
+          <a:chOff x="0" y="0"/>
+          <a:chExt cx="0" cy="0"/>
+        </a:xfrm>
+      </p:grpSpPr>
+    </p:spTree>
+  </p:cSld>
+</p:sldLayout>
+</file>
+
+<file path=ppt/slideLayouts/slideLayout26.xml><?xml version="1.0" encoding="utf-8"?>
+<p:sldLayout xmlns:a="http://schemas.openxmlformats.org/drawingml/2006/main" xmlns:p="http://schemas.openxmlformats.org/presentationml/2006/main" xmlns:r="http://schemas.openxmlformats.org/officeDocument/2006/relationships" xmlns:p14="http://schemas.microsoft.com/office/powerpoint/2010/main" xmlns:p15="http://schemas.microsoft.com/office/powerpoint/2012/main" xmlns:mc="http://schemas.openxmlformats.org/markup-compatibility/2006" type="tx" preserve="1">
+  <p:cSld name="Title Slide">
+    <p:spTree>
+      <p:nvGrpSpPr>
+        <p:cNvPr id="1" name=""/>
+        <p:cNvGrpSpPr/>
+        <p:nvPr/>
+      </p:nvGrpSpPr>
+      <p:grpSpPr>
+        <a:xfrm>
+          <a:off x="0" y="0"/>
+          <a:ext cx="0" cy="0"/>
+          <a:chOff x="0" y="0"/>
+          <a:chExt cx="0" cy="0"/>
+        </a:xfrm>
+      </p:grpSpPr>
+      <p:sp>
+        <p:nvSpPr>
+          <p:cNvPr id="78" name="PlaceHolder 1"/>
+          <p:cNvSpPr>
+            <a:spLocks noGrp="1"/>
+          </p:cNvSpPr>
+          <p:nvPr>
+            <p:ph type="title"/>
+          </p:nvPr>
+        </p:nvSpPr>
+        <p:spPr>
+          <a:xfrm>
+            <a:off x="504000" y="226080"/>
+            <a:ext cx="9072000" cy="946440"/>
+          </a:xfrm>
+          <a:prstGeom prst="rect">
+            <a:avLst/>
+          </a:prstGeom>
+        </p:spPr>
+        <p:txBody>
+          <a:bodyPr lIns="0" rIns="0" tIns="0" bIns="0" anchor="ctr"/>
+          <a:p>
+            <a:pPr algn="ctr"/>
+            <a:endParaRPr b="0" lang="en-AU" sz="4400" spc="-1" strike="noStrike">
+              <a:latin typeface="Arial"/>
+            </a:endParaRPr>
+          </a:p>
+        </p:txBody>
+      </p:sp>
+      <p:sp>
+        <p:nvSpPr>
+          <p:cNvPr id="79" name="PlaceHolder 2"/>
+          <p:cNvSpPr>
+            <a:spLocks noGrp="1"/>
+          </p:cNvSpPr>
+          <p:nvPr>
+            <p:ph type="subTitle"/>
+          </p:nvPr>
+        </p:nvSpPr>
+        <p:spPr>
+          <a:xfrm>
+            <a:off x="504000" y="1326600"/>
+            <a:ext cx="9072000" cy="3288600"/>
+          </a:xfrm>
+          <a:prstGeom prst="rect">
+            <a:avLst/>
+          </a:prstGeom>
+        </p:spPr>
+        <p:txBody>
+          <a:bodyPr lIns="0" rIns="0" tIns="0" bIns="0" anchor="ctr"/>
+          <a:p>
+            <a:pPr algn="ctr"/>
+            <a:endParaRPr b="0" lang="en-AU" sz="3200" spc="-1" strike="noStrike">
+              <a:latin typeface="Arial"/>
+            </a:endParaRPr>
+          </a:p>
+        </p:txBody>
+      </p:sp>
+    </p:spTree>
+  </p:cSld>
+</p:sldLayout>
+</file>
+
+<file path=ppt/slideLayouts/slideLayout27.xml><?xml version="1.0" encoding="utf-8"?>
+<p:sldLayout xmlns:a="http://schemas.openxmlformats.org/drawingml/2006/main" xmlns:p="http://schemas.openxmlformats.org/presentationml/2006/main" xmlns:r="http://schemas.openxmlformats.org/officeDocument/2006/relationships" xmlns:p14="http://schemas.microsoft.com/office/powerpoint/2010/main" xmlns:p15="http://schemas.microsoft.com/office/powerpoint/2012/main" xmlns:mc="http://schemas.openxmlformats.org/markup-compatibility/2006" type="obj" preserve="1">
+  <p:cSld name="Title, Content">
+    <p:spTree>
+      <p:nvGrpSpPr>
+        <p:cNvPr id="1" name=""/>
+        <p:cNvGrpSpPr/>
+        <p:nvPr/>
+      </p:nvGrpSpPr>
+      <p:grpSpPr>
+        <a:xfrm>
+          <a:off x="0" y="0"/>
+          <a:ext cx="0" cy="0"/>
+          <a:chOff x="0" y="0"/>
+          <a:chExt cx="0" cy="0"/>
+        </a:xfrm>
+      </p:grpSpPr>
+      <p:sp>
+        <p:nvSpPr>
+          <p:cNvPr id="80" name="PlaceHolder 1"/>
+          <p:cNvSpPr>
+            <a:spLocks noGrp="1"/>
+          </p:cNvSpPr>
+          <p:nvPr>
+            <p:ph type="title"/>
+          </p:nvPr>
+        </p:nvSpPr>
+        <p:spPr>
+          <a:xfrm>
+            <a:off x="504000" y="226080"/>
+            <a:ext cx="9072000" cy="946440"/>
+          </a:xfrm>
+          <a:prstGeom prst="rect">
+            <a:avLst/>
+          </a:prstGeom>
+        </p:spPr>
+        <p:txBody>
+          <a:bodyPr lIns="0" rIns="0" tIns="0" bIns="0" anchor="ctr"/>
+          <a:p>
+            <a:pPr algn="ctr"/>
+            <a:endParaRPr b="0" lang="en-AU" sz="4400" spc="-1" strike="noStrike">
+              <a:latin typeface="Arial"/>
+            </a:endParaRPr>
+          </a:p>
+        </p:txBody>
+      </p:sp>
+      <p:sp>
+        <p:nvSpPr>
+          <p:cNvPr id="81" name="PlaceHolder 2"/>
+          <p:cNvSpPr>
+            <a:spLocks noGrp="1"/>
+          </p:cNvSpPr>
+          <p:nvPr>
+            <p:ph type="body"/>
+          </p:nvPr>
+        </p:nvSpPr>
+        <p:spPr>
+          <a:xfrm>
+            <a:off x="504000" y="1326600"/>
+            <a:ext cx="9072000" cy="3288600"/>
+          </a:xfrm>
+          <a:prstGeom prst="rect">
+            <a:avLst/>
+          </a:prstGeom>
+        </p:spPr>
+        <p:txBody>
+          <a:bodyPr lIns="0" rIns="0" tIns="0" bIns="0">
+            <a:normAutofit/>
+          </a:bodyPr>
+          <a:p>
+            <a:endParaRPr b="0" lang="en-AU" sz="3200" spc="-1" strike="noStrike">
+              <a:latin typeface="Arial"/>
+            </a:endParaRPr>
+          </a:p>
+        </p:txBody>
+      </p:sp>
+    </p:spTree>
+  </p:cSld>
+</p:sldLayout>
+</file>
+
+<file path=ppt/slideLayouts/slideLayout28.xml><?xml version="1.0" encoding="utf-8"?>
+<p:sldLayout xmlns:a="http://schemas.openxmlformats.org/drawingml/2006/main" xmlns:p="http://schemas.openxmlformats.org/presentationml/2006/main" xmlns:r="http://schemas.openxmlformats.org/officeDocument/2006/relationships" xmlns:p14="http://schemas.microsoft.com/office/powerpoint/2010/main" xmlns:p15="http://schemas.microsoft.com/office/powerpoint/2012/main" xmlns:mc="http://schemas.openxmlformats.org/markup-compatibility/2006" type="twoObj" preserve="1">
+  <p:cSld name="Title, 2 Content">
+    <p:spTree>
+      <p:nvGrpSpPr>
+        <p:cNvPr id="1" name=""/>
+        <p:cNvGrpSpPr/>
+        <p:nvPr/>
+      </p:nvGrpSpPr>
+      <p:grpSpPr>
+        <a:xfrm>
+          <a:off x="0" y="0"/>
+          <a:ext cx="0" cy="0"/>
+          <a:chOff x="0" y="0"/>
+          <a:chExt cx="0" cy="0"/>
+        </a:xfrm>
+      </p:grpSpPr>
+      <p:sp>
+        <p:nvSpPr>
+          <p:cNvPr id="82" name="PlaceHolder 1"/>
+          <p:cNvSpPr>
+            <a:spLocks noGrp="1"/>
+          </p:cNvSpPr>
+          <p:nvPr>
+            <p:ph type="title"/>
+          </p:nvPr>
+        </p:nvSpPr>
+        <p:spPr>
+          <a:xfrm>
+            <a:off x="504000" y="226080"/>
+            <a:ext cx="9072000" cy="946440"/>
+          </a:xfrm>
+          <a:prstGeom prst="rect">
+            <a:avLst/>
+          </a:prstGeom>
+        </p:spPr>
+        <p:txBody>
+          <a:bodyPr lIns="0" rIns="0" tIns="0" bIns="0" anchor="ctr"/>
+          <a:p>
+            <a:pPr algn="ctr"/>
+            <a:endParaRPr b="0" lang="en-AU" sz="4400" spc="-1" strike="noStrike">
+              <a:latin typeface="Arial"/>
+            </a:endParaRPr>
+          </a:p>
+        </p:txBody>
+      </p:sp>
+      <p:sp>
+        <p:nvSpPr>
+          <p:cNvPr id="83" name="PlaceHolder 2"/>
+          <p:cNvSpPr>
+            <a:spLocks noGrp="1"/>
+          </p:cNvSpPr>
+          <p:nvPr>
+            <p:ph type="body"/>
+          </p:nvPr>
+        </p:nvSpPr>
+        <p:spPr>
+          <a:xfrm>
+            <a:off x="504000" y="1326600"/>
+            <a:ext cx="4426920" cy="3288600"/>
+          </a:xfrm>
+          <a:prstGeom prst="rect">
+            <a:avLst/>
+          </a:prstGeom>
+        </p:spPr>
+        <p:txBody>
+          <a:bodyPr lIns="0" rIns="0" tIns="0" bIns="0">
+            <a:normAutofit/>
+          </a:bodyPr>
+          <a:p>
+            <a:endParaRPr b="0" lang="en-AU" sz="3200" spc="-1" strike="noStrike">
+              <a:latin typeface="Arial"/>
+            </a:endParaRPr>
+          </a:p>
+        </p:txBody>
+      </p:sp>
+      <p:sp>
+        <p:nvSpPr>
+          <p:cNvPr id="84" name="PlaceHolder 3"/>
+          <p:cNvSpPr>
+            <a:spLocks noGrp="1"/>
+          </p:cNvSpPr>
+          <p:nvPr>
+            <p:ph type="body"/>
+          </p:nvPr>
+        </p:nvSpPr>
+        <p:spPr>
+          <a:xfrm>
+            <a:off x="5152680" y="1326600"/>
+            <a:ext cx="4426920" cy="3288600"/>
+          </a:xfrm>
+          <a:prstGeom prst="rect">
+            <a:avLst/>
+          </a:prstGeom>
+        </p:spPr>
+        <p:txBody>
+          <a:bodyPr lIns="0" rIns="0" tIns="0" bIns="0">
+            <a:normAutofit/>
+          </a:bodyPr>
+          <a:p>
+            <a:endParaRPr b="0" lang="en-AU" sz="3200" spc="-1" strike="noStrike">
+              <a:latin typeface="Arial"/>
+            </a:endParaRPr>
+          </a:p>
+        </p:txBody>
+      </p:sp>
+    </p:spTree>
+  </p:cSld>
+</p:sldLayout>
+</file>
+
+<file path=ppt/slideLayouts/slideLayout29.xml><?xml version="1.0" encoding="utf-8"?>
+<p:sldLayout xmlns:a="http://schemas.openxmlformats.org/drawingml/2006/main" xmlns:p="http://schemas.openxmlformats.org/presentationml/2006/main" xmlns:r="http://schemas.openxmlformats.org/officeDocument/2006/relationships" xmlns:p14="http://schemas.microsoft.com/office/powerpoint/2010/main" xmlns:p15="http://schemas.microsoft.com/office/powerpoint/2012/main" xmlns:mc="http://schemas.openxmlformats.org/markup-compatibility/2006" type="titleOnly" preserve="1">
+  <p:cSld name="Title Only">
+    <p:spTree>
+      <p:nvGrpSpPr>
+        <p:cNvPr id="1" name=""/>
+        <p:cNvGrpSpPr/>
+        <p:nvPr/>
+      </p:nvGrpSpPr>
+      <p:grpSpPr>
+        <a:xfrm>
+          <a:off x="0" y="0"/>
+          <a:ext cx="0" cy="0"/>
+          <a:chOff x="0" y="0"/>
+          <a:chExt cx="0" cy="0"/>
+        </a:xfrm>
+      </p:grpSpPr>
+      <p:sp>
+        <p:nvSpPr>
+          <p:cNvPr id="85" name="PlaceHolder 1"/>
+          <p:cNvSpPr>
+            <a:spLocks noGrp="1"/>
+          </p:cNvSpPr>
+          <p:nvPr>
+            <p:ph type="title"/>
+          </p:nvPr>
+        </p:nvSpPr>
+        <p:spPr>
+          <a:xfrm>
+            <a:off x="504000" y="226080"/>
+            <a:ext cx="9072000" cy="946440"/>
+          </a:xfrm>
+          <a:prstGeom prst="rect">
+            <a:avLst/>
+          </a:prstGeom>
+        </p:spPr>
+        <p:txBody>
+          <a:bodyPr lIns="0" rIns="0" tIns="0" bIns="0" anchor="ctr"/>
+          <a:p>
+            <a:pPr algn="ctr"/>
+            <a:endParaRPr b="0" lang="en-AU" sz="4400" spc="-1" strike="noStrike">
+              <a:latin typeface="Arial"/>
+            </a:endParaRPr>
+          </a:p>
+        </p:txBody>
+      </p:sp>
+    </p:spTree>
+  </p:cSld>
+</p:sldLayout>
+</file>
+
 <file path=ppt/slideLayouts/slideLayout3.xml><?xml version="1.0" encoding="utf-8"?>
 <p:sldLayout xmlns:a="http://schemas.openxmlformats.org/drawingml/2006/main" xmlns:p="http://schemas.openxmlformats.org/presentationml/2006/main" xmlns:r="http://schemas.openxmlformats.org/officeDocument/2006/relationships" xmlns:p14="http://schemas.microsoft.com/office/powerpoint/2010/main" xmlns:p15="http://schemas.microsoft.com/office/powerpoint/2012/main" xmlns:mc="http://schemas.openxmlformats.org/markup-compatibility/2006" type="obj" preserve="1">
   <p:cSld name="Title, Content">
@@ -2039,6 +2385,993 @@
           <a:xfrm>
             <a:off x="504000" y="1326600"/>
             <a:ext cx="9072000" cy="3288600"/>
+          </a:xfrm>
+          <a:prstGeom prst="rect">
+            <a:avLst/>
+          </a:prstGeom>
+        </p:spPr>
+        <p:txBody>
+          <a:bodyPr lIns="0" rIns="0" tIns="0" bIns="0">
+            <a:normAutofit/>
+          </a:bodyPr>
+          <a:p>
+            <a:endParaRPr b="0" lang="en-AU" sz="3200" spc="-1" strike="noStrike">
+              <a:latin typeface="Arial"/>
+            </a:endParaRPr>
+          </a:p>
+        </p:txBody>
+      </p:sp>
+    </p:spTree>
+  </p:cSld>
+</p:sldLayout>
+</file>
+
+<file path=ppt/slideLayouts/slideLayout30.xml><?xml version="1.0" encoding="utf-8"?>
+<p:sldLayout xmlns:a="http://schemas.openxmlformats.org/drawingml/2006/main" xmlns:p="http://schemas.openxmlformats.org/presentationml/2006/main" xmlns:r="http://schemas.openxmlformats.org/officeDocument/2006/relationships" xmlns:p14="http://schemas.microsoft.com/office/powerpoint/2010/main" xmlns:p15="http://schemas.microsoft.com/office/powerpoint/2012/main" xmlns:mc="http://schemas.openxmlformats.org/markup-compatibility/2006" type="objOnly" preserve="1">
+  <p:cSld name="Centered Text">
+    <p:spTree>
+      <p:nvGrpSpPr>
+        <p:cNvPr id="1" name=""/>
+        <p:cNvGrpSpPr/>
+        <p:nvPr/>
+      </p:nvGrpSpPr>
+      <p:grpSpPr>
+        <a:xfrm>
+          <a:off x="0" y="0"/>
+          <a:ext cx="0" cy="0"/>
+          <a:chOff x="0" y="0"/>
+          <a:chExt cx="0" cy="0"/>
+        </a:xfrm>
+      </p:grpSpPr>
+      <p:sp>
+        <p:nvSpPr>
+          <p:cNvPr id="86" name="PlaceHolder 1"/>
+          <p:cNvSpPr>
+            <a:spLocks noGrp="1"/>
+          </p:cNvSpPr>
+          <p:nvPr>
+            <p:ph type="subTitle"/>
+          </p:nvPr>
+        </p:nvSpPr>
+        <p:spPr>
+          <a:xfrm>
+            <a:off x="504000" y="226080"/>
+            <a:ext cx="9072000" cy="4388400"/>
+          </a:xfrm>
+          <a:prstGeom prst="rect">
+            <a:avLst/>
+          </a:prstGeom>
+        </p:spPr>
+        <p:txBody>
+          <a:bodyPr lIns="0" rIns="0" tIns="0" bIns="0" anchor="ctr"/>
+          <a:p>
+            <a:pPr algn="ctr"/>
+            <a:endParaRPr b="0" lang="en-AU" sz="3200" spc="-1" strike="noStrike">
+              <a:latin typeface="Arial"/>
+            </a:endParaRPr>
+          </a:p>
+        </p:txBody>
+      </p:sp>
+    </p:spTree>
+  </p:cSld>
+</p:sldLayout>
+</file>
+
+<file path=ppt/slideLayouts/slideLayout31.xml><?xml version="1.0" encoding="utf-8"?>
+<p:sldLayout xmlns:a="http://schemas.openxmlformats.org/drawingml/2006/main" xmlns:p="http://schemas.openxmlformats.org/presentationml/2006/main" xmlns:r="http://schemas.openxmlformats.org/officeDocument/2006/relationships" xmlns:p14="http://schemas.microsoft.com/office/powerpoint/2010/main" xmlns:p15="http://schemas.microsoft.com/office/powerpoint/2012/main" xmlns:mc="http://schemas.openxmlformats.org/markup-compatibility/2006" type="twoObjAndObj" preserve="1">
+  <p:cSld name="Title, 2 Content and Content">
+    <p:spTree>
+      <p:nvGrpSpPr>
+        <p:cNvPr id="1" name=""/>
+        <p:cNvGrpSpPr/>
+        <p:nvPr/>
+      </p:nvGrpSpPr>
+      <p:grpSpPr>
+        <a:xfrm>
+          <a:off x="0" y="0"/>
+          <a:ext cx="0" cy="0"/>
+          <a:chOff x="0" y="0"/>
+          <a:chExt cx="0" cy="0"/>
+        </a:xfrm>
+      </p:grpSpPr>
+      <p:sp>
+        <p:nvSpPr>
+          <p:cNvPr id="87" name="PlaceHolder 1"/>
+          <p:cNvSpPr>
+            <a:spLocks noGrp="1"/>
+          </p:cNvSpPr>
+          <p:nvPr>
+            <p:ph type="title"/>
+          </p:nvPr>
+        </p:nvSpPr>
+        <p:spPr>
+          <a:xfrm>
+            <a:off x="504000" y="226080"/>
+            <a:ext cx="9072000" cy="946440"/>
+          </a:xfrm>
+          <a:prstGeom prst="rect">
+            <a:avLst/>
+          </a:prstGeom>
+        </p:spPr>
+        <p:txBody>
+          <a:bodyPr lIns="0" rIns="0" tIns="0" bIns="0" anchor="ctr"/>
+          <a:p>
+            <a:pPr algn="ctr"/>
+            <a:endParaRPr b="0" lang="en-AU" sz="4400" spc="-1" strike="noStrike">
+              <a:latin typeface="Arial"/>
+            </a:endParaRPr>
+          </a:p>
+        </p:txBody>
+      </p:sp>
+      <p:sp>
+        <p:nvSpPr>
+          <p:cNvPr id="88" name="PlaceHolder 2"/>
+          <p:cNvSpPr>
+            <a:spLocks noGrp="1"/>
+          </p:cNvSpPr>
+          <p:nvPr>
+            <p:ph type="body"/>
+          </p:nvPr>
+        </p:nvSpPr>
+        <p:spPr>
+          <a:xfrm>
+            <a:off x="504000" y="1326600"/>
+            <a:ext cx="4426920" cy="1568520"/>
+          </a:xfrm>
+          <a:prstGeom prst="rect">
+            <a:avLst/>
+          </a:prstGeom>
+        </p:spPr>
+        <p:txBody>
+          <a:bodyPr lIns="0" rIns="0" tIns="0" bIns="0">
+            <a:normAutofit/>
+          </a:bodyPr>
+          <a:p>
+            <a:endParaRPr b="0" lang="en-AU" sz="3200" spc="-1" strike="noStrike">
+              <a:latin typeface="Arial"/>
+            </a:endParaRPr>
+          </a:p>
+        </p:txBody>
+      </p:sp>
+      <p:sp>
+        <p:nvSpPr>
+          <p:cNvPr id="89" name="PlaceHolder 3"/>
+          <p:cNvSpPr>
+            <a:spLocks noGrp="1"/>
+          </p:cNvSpPr>
+          <p:nvPr>
+            <p:ph type="body"/>
+          </p:nvPr>
+        </p:nvSpPr>
+        <p:spPr>
+          <a:xfrm>
+            <a:off x="5152680" y="1326600"/>
+            <a:ext cx="4426920" cy="3288600"/>
+          </a:xfrm>
+          <a:prstGeom prst="rect">
+            <a:avLst/>
+          </a:prstGeom>
+        </p:spPr>
+        <p:txBody>
+          <a:bodyPr lIns="0" rIns="0" tIns="0" bIns="0">
+            <a:normAutofit/>
+          </a:bodyPr>
+          <a:p>
+            <a:endParaRPr b="0" lang="en-AU" sz="3200" spc="-1" strike="noStrike">
+              <a:latin typeface="Arial"/>
+            </a:endParaRPr>
+          </a:p>
+        </p:txBody>
+      </p:sp>
+      <p:sp>
+        <p:nvSpPr>
+          <p:cNvPr id="90" name="PlaceHolder 4"/>
+          <p:cNvSpPr>
+            <a:spLocks noGrp="1"/>
+          </p:cNvSpPr>
+          <p:nvPr>
+            <p:ph type="body"/>
+          </p:nvPr>
+        </p:nvSpPr>
+        <p:spPr>
+          <a:xfrm>
+            <a:off x="504000" y="3044520"/>
+            <a:ext cx="4426920" cy="1568520"/>
+          </a:xfrm>
+          <a:prstGeom prst="rect">
+            <a:avLst/>
+          </a:prstGeom>
+        </p:spPr>
+        <p:txBody>
+          <a:bodyPr lIns="0" rIns="0" tIns="0" bIns="0">
+            <a:normAutofit/>
+          </a:bodyPr>
+          <a:p>
+            <a:endParaRPr b="0" lang="en-AU" sz="3200" spc="-1" strike="noStrike">
+              <a:latin typeface="Arial"/>
+            </a:endParaRPr>
+          </a:p>
+        </p:txBody>
+      </p:sp>
+    </p:spTree>
+  </p:cSld>
+</p:sldLayout>
+</file>
+
+<file path=ppt/slideLayouts/slideLayout32.xml><?xml version="1.0" encoding="utf-8"?>
+<p:sldLayout xmlns:a="http://schemas.openxmlformats.org/drawingml/2006/main" xmlns:p="http://schemas.openxmlformats.org/presentationml/2006/main" xmlns:r="http://schemas.openxmlformats.org/officeDocument/2006/relationships" xmlns:p14="http://schemas.microsoft.com/office/powerpoint/2010/main" xmlns:p15="http://schemas.microsoft.com/office/powerpoint/2012/main" xmlns:mc="http://schemas.openxmlformats.org/markup-compatibility/2006" type="objAndTwoObj" preserve="1">
+  <p:cSld name="Title Content and 2 Content">
+    <p:spTree>
+      <p:nvGrpSpPr>
+        <p:cNvPr id="1" name=""/>
+        <p:cNvGrpSpPr/>
+        <p:nvPr/>
+      </p:nvGrpSpPr>
+      <p:grpSpPr>
+        <a:xfrm>
+          <a:off x="0" y="0"/>
+          <a:ext cx="0" cy="0"/>
+          <a:chOff x="0" y="0"/>
+          <a:chExt cx="0" cy="0"/>
+        </a:xfrm>
+      </p:grpSpPr>
+      <p:sp>
+        <p:nvSpPr>
+          <p:cNvPr id="91" name="PlaceHolder 1"/>
+          <p:cNvSpPr>
+            <a:spLocks noGrp="1"/>
+          </p:cNvSpPr>
+          <p:nvPr>
+            <p:ph type="title"/>
+          </p:nvPr>
+        </p:nvSpPr>
+        <p:spPr>
+          <a:xfrm>
+            <a:off x="504000" y="226080"/>
+            <a:ext cx="9072000" cy="946440"/>
+          </a:xfrm>
+          <a:prstGeom prst="rect">
+            <a:avLst/>
+          </a:prstGeom>
+        </p:spPr>
+        <p:txBody>
+          <a:bodyPr lIns="0" rIns="0" tIns="0" bIns="0" anchor="ctr"/>
+          <a:p>
+            <a:pPr algn="ctr"/>
+            <a:endParaRPr b="0" lang="en-AU" sz="4400" spc="-1" strike="noStrike">
+              <a:latin typeface="Arial"/>
+            </a:endParaRPr>
+          </a:p>
+        </p:txBody>
+      </p:sp>
+      <p:sp>
+        <p:nvSpPr>
+          <p:cNvPr id="92" name="PlaceHolder 2"/>
+          <p:cNvSpPr>
+            <a:spLocks noGrp="1"/>
+          </p:cNvSpPr>
+          <p:nvPr>
+            <p:ph type="body"/>
+          </p:nvPr>
+        </p:nvSpPr>
+        <p:spPr>
+          <a:xfrm>
+            <a:off x="504000" y="1326600"/>
+            <a:ext cx="4426920" cy="3288600"/>
+          </a:xfrm>
+          <a:prstGeom prst="rect">
+            <a:avLst/>
+          </a:prstGeom>
+        </p:spPr>
+        <p:txBody>
+          <a:bodyPr lIns="0" rIns="0" tIns="0" bIns="0">
+            <a:normAutofit/>
+          </a:bodyPr>
+          <a:p>
+            <a:endParaRPr b="0" lang="en-AU" sz="3200" spc="-1" strike="noStrike">
+              <a:latin typeface="Arial"/>
+            </a:endParaRPr>
+          </a:p>
+        </p:txBody>
+      </p:sp>
+      <p:sp>
+        <p:nvSpPr>
+          <p:cNvPr id="93" name="PlaceHolder 3"/>
+          <p:cNvSpPr>
+            <a:spLocks noGrp="1"/>
+          </p:cNvSpPr>
+          <p:nvPr>
+            <p:ph type="body"/>
+          </p:nvPr>
+        </p:nvSpPr>
+        <p:spPr>
+          <a:xfrm>
+            <a:off x="5152680" y="1326600"/>
+            <a:ext cx="4426920" cy="1568520"/>
+          </a:xfrm>
+          <a:prstGeom prst="rect">
+            <a:avLst/>
+          </a:prstGeom>
+        </p:spPr>
+        <p:txBody>
+          <a:bodyPr lIns="0" rIns="0" tIns="0" bIns="0">
+            <a:normAutofit/>
+          </a:bodyPr>
+          <a:p>
+            <a:endParaRPr b="0" lang="en-AU" sz="3200" spc="-1" strike="noStrike">
+              <a:latin typeface="Arial"/>
+            </a:endParaRPr>
+          </a:p>
+        </p:txBody>
+      </p:sp>
+      <p:sp>
+        <p:nvSpPr>
+          <p:cNvPr id="94" name="PlaceHolder 4"/>
+          <p:cNvSpPr>
+            <a:spLocks noGrp="1"/>
+          </p:cNvSpPr>
+          <p:nvPr>
+            <p:ph type="body"/>
+          </p:nvPr>
+        </p:nvSpPr>
+        <p:spPr>
+          <a:xfrm>
+            <a:off x="5152680" y="3044520"/>
+            <a:ext cx="4426920" cy="1568520"/>
+          </a:xfrm>
+          <a:prstGeom prst="rect">
+            <a:avLst/>
+          </a:prstGeom>
+        </p:spPr>
+        <p:txBody>
+          <a:bodyPr lIns="0" rIns="0" tIns="0" bIns="0">
+            <a:normAutofit/>
+          </a:bodyPr>
+          <a:p>
+            <a:endParaRPr b="0" lang="en-AU" sz="3200" spc="-1" strike="noStrike">
+              <a:latin typeface="Arial"/>
+            </a:endParaRPr>
+          </a:p>
+        </p:txBody>
+      </p:sp>
+    </p:spTree>
+  </p:cSld>
+</p:sldLayout>
+</file>
+
+<file path=ppt/slideLayouts/slideLayout33.xml><?xml version="1.0" encoding="utf-8"?>
+<p:sldLayout xmlns:a="http://schemas.openxmlformats.org/drawingml/2006/main" xmlns:p="http://schemas.openxmlformats.org/presentationml/2006/main" xmlns:r="http://schemas.openxmlformats.org/officeDocument/2006/relationships" xmlns:p14="http://schemas.microsoft.com/office/powerpoint/2010/main" xmlns:p15="http://schemas.microsoft.com/office/powerpoint/2012/main" xmlns:mc="http://schemas.openxmlformats.org/markup-compatibility/2006" type="twoObjOverTx" preserve="1">
+  <p:cSld name="Title, 2 Content over Content">
+    <p:spTree>
+      <p:nvGrpSpPr>
+        <p:cNvPr id="1" name=""/>
+        <p:cNvGrpSpPr/>
+        <p:nvPr/>
+      </p:nvGrpSpPr>
+      <p:grpSpPr>
+        <a:xfrm>
+          <a:off x="0" y="0"/>
+          <a:ext cx="0" cy="0"/>
+          <a:chOff x="0" y="0"/>
+          <a:chExt cx="0" cy="0"/>
+        </a:xfrm>
+      </p:grpSpPr>
+      <p:sp>
+        <p:nvSpPr>
+          <p:cNvPr id="95" name="PlaceHolder 1"/>
+          <p:cNvSpPr>
+            <a:spLocks noGrp="1"/>
+          </p:cNvSpPr>
+          <p:nvPr>
+            <p:ph type="title"/>
+          </p:nvPr>
+        </p:nvSpPr>
+        <p:spPr>
+          <a:xfrm>
+            <a:off x="504000" y="226080"/>
+            <a:ext cx="9072000" cy="946440"/>
+          </a:xfrm>
+          <a:prstGeom prst="rect">
+            <a:avLst/>
+          </a:prstGeom>
+        </p:spPr>
+        <p:txBody>
+          <a:bodyPr lIns="0" rIns="0" tIns="0" bIns="0" anchor="ctr"/>
+          <a:p>
+            <a:pPr algn="ctr"/>
+            <a:endParaRPr b="0" lang="en-AU" sz="4400" spc="-1" strike="noStrike">
+              <a:latin typeface="Arial"/>
+            </a:endParaRPr>
+          </a:p>
+        </p:txBody>
+      </p:sp>
+      <p:sp>
+        <p:nvSpPr>
+          <p:cNvPr id="96" name="PlaceHolder 2"/>
+          <p:cNvSpPr>
+            <a:spLocks noGrp="1"/>
+          </p:cNvSpPr>
+          <p:nvPr>
+            <p:ph type="body"/>
+          </p:nvPr>
+        </p:nvSpPr>
+        <p:spPr>
+          <a:xfrm>
+            <a:off x="504000" y="1326600"/>
+            <a:ext cx="4426920" cy="1568520"/>
+          </a:xfrm>
+          <a:prstGeom prst="rect">
+            <a:avLst/>
+          </a:prstGeom>
+        </p:spPr>
+        <p:txBody>
+          <a:bodyPr lIns="0" rIns="0" tIns="0" bIns="0">
+            <a:normAutofit/>
+          </a:bodyPr>
+          <a:p>
+            <a:endParaRPr b="0" lang="en-AU" sz="3200" spc="-1" strike="noStrike">
+              <a:latin typeface="Arial"/>
+            </a:endParaRPr>
+          </a:p>
+        </p:txBody>
+      </p:sp>
+      <p:sp>
+        <p:nvSpPr>
+          <p:cNvPr id="97" name="PlaceHolder 3"/>
+          <p:cNvSpPr>
+            <a:spLocks noGrp="1"/>
+          </p:cNvSpPr>
+          <p:nvPr>
+            <p:ph type="body"/>
+          </p:nvPr>
+        </p:nvSpPr>
+        <p:spPr>
+          <a:xfrm>
+            <a:off x="5152680" y="1326600"/>
+            <a:ext cx="4426920" cy="1568520"/>
+          </a:xfrm>
+          <a:prstGeom prst="rect">
+            <a:avLst/>
+          </a:prstGeom>
+        </p:spPr>
+        <p:txBody>
+          <a:bodyPr lIns="0" rIns="0" tIns="0" bIns="0">
+            <a:normAutofit/>
+          </a:bodyPr>
+          <a:p>
+            <a:endParaRPr b="0" lang="en-AU" sz="3200" spc="-1" strike="noStrike">
+              <a:latin typeface="Arial"/>
+            </a:endParaRPr>
+          </a:p>
+        </p:txBody>
+      </p:sp>
+      <p:sp>
+        <p:nvSpPr>
+          <p:cNvPr id="98" name="PlaceHolder 4"/>
+          <p:cNvSpPr>
+            <a:spLocks noGrp="1"/>
+          </p:cNvSpPr>
+          <p:nvPr>
+            <p:ph type="body"/>
+          </p:nvPr>
+        </p:nvSpPr>
+        <p:spPr>
+          <a:xfrm>
+            <a:off x="504000" y="3044520"/>
+            <a:ext cx="9072000" cy="1568520"/>
+          </a:xfrm>
+          <a:prstGeom prst="rect">
+            <a:avLst/>
+          </a:prstGeom>
+        </p:spPr>
+        <p:txBody>
+          <a:bodyPr lIns="0" rIns="0" tIns="0" bIns="0">
+            <a:normAutofit/>
+          </a:bodyPr>
+          <a:p>
+            <a:endParaRPr b="0" lang="en-AU" sz="3200" spc="-1" strike="noStrike">
+              <a:latin typeface="Arial"/>
+            </a:endParaRPr>
+          </a:p>
+        </p:txBody>
+      </p:sp>
+    </p:spTree>
+  </p:cSld>
+</p:sldLayout>
+</file>
+
+<file path=ppt/slideLayouts/slideLayout34.xml><?xml version="1.0" encoding="utf-8"?>
+<p:sldLayout xmlns:a="http://schemas.openxmlformats.org/drawingml/2006/main" xmlns:p="http://schemas.openxmlformats.org/presentationml/2006/main" xmlns:r="http://schemas.openxmlformats.org/officeDocument/2006/relationships" xmlns:p14="http://schemas.microsoft.com/office/powerpoint/2010/main" xmlns:p15="http://schemas.microsoft.com/office/powerpoint/2012/main" xmlns:mc="http://schemas.openxmlformats.org/markup-compatibility/2006" type="objOverTx" preserve="1">
+  <p:cSld name="Title, Content over Content">
+    <p:spTree>
+      <p:nvGrpSpPr>
+        <p:cNvPr id="1" name=""/>
+        <p:cNvGrpSpPr/>
+        <p:nvPr/>
+      </p:nvGrpSpPr>
+      <p:grpSpPr>
+        <a:xfrm>
+          <a:off x="0" y="0"/>
+          <a:ext cx="0" cy="0"/>
+          <a:chOff x="0" y="0"/>
+          <a:chExt cx="0" cy="0"/>
+        </a:xfrm>
+      </p:grpSpPr>
+      <p:sp>
+        <p:nvSpPr>
+          <p:cNvPr id="99" name="PlaceHolder 1"/>
+          <p:cNvSpPr>
+            <a:spLocks noGrp="1"/>
+          </p:cNvSpPr>
+          <p:nvPr>
+            <p:ph type="title"/>
+          </p:nvPr>
+        </p:nvSpPr>
+        <p:spPr>
+          <a:xfrm>
+            <a:off x="504000" y="226080"/>
+            <a:ext cx="9072000" cy="946440"/>
+          </a:xfrm>
+          <a:prstGeom prst="rect">
+            <a:avLst/>
+          </a:prstGeom>
+        </p:spPr>
+        <p:txBody>
+          <a:bodyPr lIns="0" rIns="0" tIns="0" bIns="0" anchor="ctr"/>
+          <a:p>
+            <a:pPr algn="ctr"/>
+            <a:endParaRPr b="0" lang="en-AU" sz="4400" spc="-1" strike="noStrike">
+              <a:latin typeface="Arial"/>
+            </a:endParaRPr>
+          </a:p>
+        </p:txBody>
+      </p:sp>
+      <p:sp>
+        <p:nvSpPr>
+          <p:cNvPr id="100" name="PlaceHolder 2"/>
+          <p:cNvSpPr>
+            <a:spLocks noGrp="1"/>
+          </p:cNvSpPr>
+          <p:nvPr>
+            <p:ph type="body"/>
+          </p:nvPr>
+        </p:nvSpPr>
+        <p:spPr>
+          <a:xfrm>
+            <a:off x="504000" y="1326600"/>
+            <a:ext cx="9072000" cy="1568520"/>
+          </a:xfrm>
+          <a:prstGeom prst="rect">
+            <a:avLst/>
+          </a:prstGeom>
+        </p:spPr>
+        <p:txBody>
+          <a:bodyPr lIns="0" rIns="0" tIns="0" bIns="0">
+            <a:normAutofit/>
+          </a:bodyPr>
+          <a:p>
+            <a:endParaRPr b="0" lang="en-AU" sz="3200" spc="-1" strike="noStrike">
+              <a:latin typeface="Arial"/>
+            </a:endParaRPr>
+          </a:p>
+        </p:txBody>
+      </p:sp>
+      <p:sp>
+        <p:nvSpPr>
+          <p:cNvPr id="101" name="PlaceHolder 3"/>
+          <p:cNvSpPr>
+            <a:spLocks noGrp="1"/>
+          </p:cNvSpPr>
+          <p:nvPr>
+            <p:ph type="body"/>
+          </p:nvPr>
+        </p:nvSpPr>
+        <p:spPr>
+          <a:xfrm>
+            <a:off x="504000" y="3044520"/>
+            <a:ext cx="9072000" cy="1568520"/>
+          </a:xfrm>
+          <a:prstGeom prst="rect">
+            <a:avLst/>
+          </a:prstGeom>
+        </p:spPr>
+        <p:txBody>
+          <a:bodyPr lIns="0" rIns="0" tIns="0" bIns="0">
+            <a:normAutofit/>
+          </a:bodyPr>
+          <a:p>
+            <a:endParaRPr b="0" lang="en-AU" sz="3200" spc="-1" strike="noStrike">
+              <a:latin typeface="Arial"/>
+            </a:endParaRPr>
+          </a:p>
+        </p:txBody>
+      </p:sp>
+    </p:spTree>
+  </p:cSld>
+</p:sldLayout>
+</file>
+
+<file path=ppt/slideLayouts/slideLayout35.xml><?xml version="1.0" encoding="utf-8"?>
+<p:sldLayout xmlns:a="http://schemas.openxmlformats.org/drawingml/2006/main" xmlns:p="http://schemas.openxmlformats.org/presentationml/2006/main" xmlns:r="http://schemas.openxmlformats.org/officeDocument/2006/relationships" xmlns:p14="http://schemas.microsoft.com/office/powerpoint/2010/main" xmlns:p15="http://schemas.microsoft.com/office/powerpoint/2012/main" xmlns:mc="http://schemas.openxmlformats.org/markup-compatibility/2006" type="fourObj" preserve="1">
+  <p:cSld name="Title, 4 Content">
+    <p:spTree>
+      <p:nvGrpSpPr>
+        <p:cNvPr id="1" name=""/>
+        <p:cNvGrpSpPr/>
+        <p:nvPr/>
+      </p:nvGrpSpPr>
+      <p:grpSpPr>
+        <a:xfrm>
+          <a:off x="0" y="0"/>
+          <a:ext cx="0" cy="0"/>
+          <a:chOff x="0" y="0"/>
+          <a:chExt cx="0" cy="0"/>
+        </a:xfrm>
+      </p:grpSpPr>
+      <p:sp>
+        <p:nvSpPr>
+          <p:cNvPr id="102" name="PlaceHolder 1"/>
+          <p:cNvSpPr>
+            <a:spLocks noGrp="1"/>
+          </p:cNvSpPr>
+          <p:nvPr>
+            <p:ph type="title"/>
+          </p:nvPr>
+        </p:nvSpPr>
+        <p:spPr>
+          <a:xfrm>
+            <a:off x="504000" y="226080"/>
+            <a:ext cx="9072000" cy="946440"/>
+          </a:xfrm>
+          <a:prstGeom prst="rect">
+            <a:avLst/>
+          </a:prstGeom>
+        </p:spPr>
+        <p:txBody>
+          <a:bodyPr lIns="0" rIns="0" tIns="0" bIns="0" anchor="ctr"/>
+          <a:p>
+            <a:pPr algn="ctr"/>
+            <a:endParaRPr b="0" lang="en-AU" sz="4400" spc="-1" strike="noStrike">
+              <a:latin typeface="Arial"/>
+            </a:endParaRPr>
+          </a:p>
+        </p:txBody>
+      </p:sp>
+      <p:sp>
+        <p:nvSpPr>
+          <p:cNvPr id="103" name="PlaceHolder 2"/>
+          <p:cNvSpPr>
+            <a:spLocks noGrp="1"/>
+          </p:cNvSpPr>
+          <p:nvPr>
+            <p:ph type="body"/>
+          </p:nvPr>
+        </p:nvSpPr>
+        <p:spPr>
+          <a:xfrm>
+            <a:off x="504000" y="1326600"/>
+            <a:ext cx="4426920" cy="1568520"/>
+          </a:xfrm>
+          <a:prstGeom prst="rect">
+            <a:avLst/>
+          </a:prstGeom>
+        </p:spPr>
+        <p:txBody>
+          <a:bodyPr lIns="0" rIns="0" tIns="0" bIns="0">
+            <a:normAutofit/>
+          </a:bodyPr>
+          <a:p>
+            <a:endParaRPr b="0" lang="en-AU" sz="3200" spc="-1" strike="noStrike">
+              <a:latin typeface="Arial"/>
+            </a:endParaRPr>
+          </a:p>
+        </p:txBody>
+      </p:sp>
+      <p:sp>
+        <p:nvSpPr>
+          <p:cNvPr id="104" name="PlaceHolder 3"/>
+          <p:cNvSpPr>
+            <a:spLocks noGrp="1"/>
+          </p:cNvSpPr>
+          <p:nvPr>
+            <p:ph type="body"/>
+          </p:nvPr>
+        </p:nvSpPr>
+        <p:spPr>
+          <a:xfrm>
+            <a:off x="5152680" y="1326600"/>
+            <a:ext cx="4426920" cy="1568520"/>
+          </a:xfrm>
+          <a:prstGeom prst="rect">
+            <a:avLst/>
+          </a:prstGeom>
+        </p:spPr>
+        <p:txBody>
+          <a:bodyPr lIns="0" rIns="0" tIns="0" bIns="0">
+            <a:normAutofit/>
+          </a:bodyPr>
+          <a:p>
+            <a:endParaRPr b="0" lang="en-AU" sz="3200" spc="-1" strike="noStrike">
+              <a:latin typeface="Arial"/>
+            </a:endParaRPr>
+          </a:p>
+        </p:txBody>
+      </p:sp>
+      <p:sp>
+        <p:nvSpPr>
+          <p:cNvPr id="105" name="PlaceHolder 4"/>
+          <p:cNvSpPr>
+            <a:spLocks noGrp="1"/>
+          </p:cNvSpPr>
+          <p:nvPr>
+            <p:ph type="body"/>
+          </p:nvPr>
+        </p:nvSpPr>
+        <p:spPr>
+          <a:xfrm>
+            <a:off x="504000" y="3044520"/>
+            <a:ext cx="4426920" cy="1568520"/>
+          </a:xfrm>
+          <a:prstGeom prst="rect">
+            <a:avLst/>
+          </a:prstGeom>
+        </p:spPr>
+        <p:txBody>
+          <a:bodyPr lIns="0" rIns="0" tIns="0" bIns="0">
+            <a:normAutofit/>
+          </a:bodyPr>
+          <a:p>
+            <a:endParaRPr b="0" lang="en-AU" sz="3200" spc="-1" strike="noStrike">
+              <a:latin typeface="Arial"/>
+            </a:endParaRPr>
+          </a:p>
+        </p:txBody>
+      </p:sp>
+      <p:sp>
+        <p:nvSpPr>
+          <p:cNvPr id="106" name="PlaceHolder 5"/>
+          <p:cNvSpPr>
+            <a:spLocks noGrp="1"/>
+          </p:cNvSpPr>
+          <p:nvPr>
+            <p:ph type="body"/>
+          </p:nvPr>
+        </p:nvSpPr>
+        <p:spPr>
+          <a:xfrm>
+            <a:off x="5152680" y="3044520"/>
+            <a:ext cx="4426920" cy="1568520"/>
+          </a:xfrm>
+          <a:prstGeom prst="rect">
+            <a:avLst/>
+          </a:prstGeom>
+        </p:spPr>
+        <p:txBody>
+          <a:bodyPr lIns="0" rIns="0" tIns="0" bIns="0">
+            <a:normAutofit/>
+          </a:bodyPr>
+          <a:p>
+            <a:endParaRPr b="0" lang="en-AU" sz="3200" spc="-1" strike="noStrike">
+              <a:latin typeface="Arial"/>
+            </a:endParaRPr>
+          </a:p>
+        </p:txBody>
+      </p:sp>
+    </p:spTree>
+  </p:cSld>
+</p:sldLayout>
+</file>
+
+<file path=ppt/slideLayouts/slideLayout36.xml><?xml version="1.0" encoding="utf-8"?>
+<p:sldLayout xmlns:a="http://schemas.openxmlformats.org/drawingml/2006/main" xmlns:p="http://schemas.openxmlformats.org/presentationml/2006/main" xmlns:r="http://schemas.openxmlformats.org/officeDocument/2006/relationships" xmlns:p14="http://schemas.microsoft.com/office/powerpoint/2010/main" xmlns:p15="http://schemas.microsoft.com/office/powerpoint/2012/main" xmlns:mc="http://schemas.openxmlformats.org/markup-compatibility/2006" type="blank" preserve="1">
+  <p:cSld name="Title, 6 Content">
+    <p:spTree>
+      <p:nvGrpSpPr>
+        <p:cNvPr id="1" name=""/>
+        <p:cNvGrpSpPr/>
+        <p:nvPr/>
+      </p:nvGrpSpPr>
+      <p:grpSpPr>
+        <a:xfrm>
+          <a:off x="0" y="0"/>
+          <a:ext cx="0" cy="0"/>
+          <a:chOff x="0" y="0"/>
+          <a:chExt cx="0" cy="0"/>
+        </a:xfrm>
+      </p:grpSpPr>
+      <p:sp>
+        <p:nvSpPr>
+          <p:cNvPr id="107" name="PlaceHolder 1"/>
+          <p:cNvSpPr>
+            <a:spLocks noGrp="1"/>
+          </p:cNvSpPr>
+          <p:nvPr>
+            <p:ph type="title"/>
+          </p:nvPr>
+        </p:nvSpPr>
+        <p:spPr>
+          <a:xfrm>
+            <a:off x="504000" y="226080"/>
+            <a:ext cx="9072000" cy="946440"/>
+          </a:xfrm>
+          <a:prstGeom prst="rect">
+            <a:avLst/>
+          </a:prstGeom>
+        </p:spPr>
+        <p:txBody>
+          <a:bodyPr lIns="0" rIns="0" tIns="0" bIns="0" anchor="ctr"/>
+          <a:p>
+            <a:pPr algn="ctr"/>
+            <a:endParaRPr b="0" lang="en-AU" sz="4400" spc="-1" strike="noStrike">
+              <a:latin typeface="Arial"/>
+            </a:endParaRPr>
+          </a:p>
+        </p:txBody>
+      </p:sp>
+      <p:sp>
+        <p:nvSpPr>
+          <p:cNvPr id="108" name="PlaceHolder 2"/>
+          <p:cNvSpPr>
+            <a:spLocks noGrp="1"/>
+          </p:cNvSpPr>
+          <p:nvPr>
+            <p:ph type="body"/>
+          </p:nvPr>
+        </p:nvSpPr>
+        <p:spPr>
+          <a:xfrm>
+            <a:off x="504000" y="1326600"/>
+            <a:ext cx="2921040" cy="1568520"/>
+          </a:xfrm>
+          <a:prstGeom prst="rect">
+            <a:avLst/>
+          </a:prstGeom>
+        </p:spPr>
+        <p:txBody>
+          <a:bodyPr lIns="0" rIns="0" tIns="0" bIns="0">
+            <a:normAutofit/>
+          </a:bodyPr>
+          <a:p>
+            <a:endParaRPr b="0" lang="en-AU" sz="3200" spc="-1" strike="noStrike">
+              <a:latin typeface="Arial"/>
+            </a:endParaRPr>
+          </a:p>
+        </p:txBody>
+      </p:sp>
+      <p:sp>
+        <p:nvSpPr>
+          <p:cNvPr id="109" name="PlaceHolder 3"/>
+          <p:cNvSpPr>
+            <a:spLocks noGrp="1"/>
+          </p:cNvSpPr>
+          <p:nvPr>
+            <p:ph type="body"/>
+          </p:nvPr>
+        </p:nvSpPr>
+        <p:spPr>
+          <a:xfrm>
+            <a:off x="3571560" y="1326600"/>
+            <a:ext cx="2921040" cy="1568520"/>
+          </a:xfrm>
+          <a:prstGeom prst="rect">
+            <a:avLst/>
+          </a:prstGeom>
+        </p:spPr>
+        <p:txBody>
+          <a:bodyPr lIns="0" rIns="0" tIns="0" bIns="0">
+            <a:normAutofit/>
+          </a:bodyPr>
+          <a:p>
+            <a:endParaRPr b="0" lang="en-AU" sz="3200" spc="-1" strike="noStrike">
+              <a:latin typeface="Arial"/>
+            </a:endParaRPr>
+          </a:p>
+        </p:txBody>
+      </p:sp>
+      <p:sp>
+        <p:nvSpPr>
+          <p:cNvPr id="110" name="PlaceHolder 4"/>
+          <p:cNvSpPr>
+            <a:spLocks noGrp="1"/>
+          </p:cNvSpPr>
+          <p:nvPr>
+            <p:ph type="body"/>
+          </p:nvPr>
+        </p:nvSpPr>
+        <p:spPr>
+          <a:xfrm>
+            <a:off x="6639120" y="1326600"/>
+            <a:ext cx="2921040" cy="1568520"/>
+          </a:xfrm>
+          <a:prstGeom prst="rect">
+            <a:avLst/>
+          </a:prstGeom>
+        </p:spPr>
+        <p:txBody>
+          <a:bodyPr lIns="0" rIns="0" tIns="0" bIns="0">
+            <a:normAutofit/>
+          </a:bodyPr>
+          <a:p>
+            <a:endParaRPr b="0" lang="en-AU" sz="3200" spc="-1" strike="noStrike">
+              <a:latin typeface="Arial"/>
+            </a:endParaRPr>
+          </a:p>
+        </p:txBody>
+      </p:sp>
+      <p:sp>
+        <p:nvSpPr>
+          <p:cNvPr id="111" name="PlaceHolder 5"/>
+          <p:cNvSpPr>
+            <a:spLocks noGrp="1"/>
+          </p:cNvSpPr>
+          <p:nvPr>
+            <p:ph type="body"/>
+          </p:nvPr>
+        </p:nvSpPr>
+        <p:spPr>
+          <a:xfrm>
+            <a:off x="504000" y="3044520"/>
+            <a:ext cx="2921040" cy="1568520"/>
+          </a:xfrm>
+          <a:prstGeom prst="rect">
+            <a:avLst/>
+          </a:prstGeom>
+        </p:spPr>
+        <p:txBody>
+          <a:bodyPr lIns="0" rIns="0" tIns="0" bIns="0">
+            <a:normAutofit/>
+          </a:bodyPr>
+          <a:p>
+            <a:endParaRPr b="0" lang="en-AU" sz="3200" spc="-1" strike="noStrike">
+              <a:latin typeface="Arial"/>
+            </a:endParaRPr>
+          </a:p>
+        </p:txBody>
+      </p:sp>
+      <p:sp>
+        <p:nvSpPr>
+          <p:cNvPr id="112" name="PlaceHolder 6"/>
+          <p:cNvSpPr>
+            <a:spLocks noGrp="1"/>
+          </p:cNvSpPr>
+          <p:nvPr>
+            <p:ph type="body"/>
+          </p:nvPr>
+        </p:nvSpPr>
+        <p:spPr>
+          <a:xfrm>
+            <a:off x="3571560" y="3044520"/>
+            <a:ext cx="2921040" cy="1568520"/>
+          </a:xfrm>
+          <a:prstGeom prst="rect">
+            <a:avLst/>
+          </a:prstGeom>
+        </p:spPr>
+        <p:txBody>
+          <a:bodyPr lIns="0" rIns="0" tIns="0" bIns="0">
+            <a:normAutofit/>
+          </a:bodyPr>
+          <a:p>
+            <a:endParaRPr b="0" lang="en-AU" sz="3200" spc="-1" strike="noStrike">
+              <a:latin typeface="Arial"/>
+            </a:endParaRPr>
+          </a:p>
+        </p:txBody>
+      </p:sp>
+      <p:sp>
+        <p:nvSpPr>
+          <p:cNvPr id="113" name="PlaceHolder 7"/>
+          <p:cNvSpPr>
+            <a:spLocks noGrp="1"/>
+          </p:cNvSpPr>
+          <p:nvPr>
+            <p:ph type="body"/>
+          </p:nvPr>
+        </p:nvSpPr>
+        <p:spPr>
+          <a:xfrm>
+            <a:off x="6639120" y="3044520"/>
+            <a:ext cx="2921040" cy="1568520"/>
           </a:xfrm>
           <a:prstGeom prst="rect">
             <a:avLst/>
@@ -3198,6 +4531,256 @@
 </p:sldMaster>
 </file>
 
+<file path=ppt/slideMasters/slideMaster3.xml><?xml version="1.0" encoding="utf-8"?>
+<p:sldMaster xmlns:a="http://schemas.openxmlformats.org/drawingml/2006/main" xmlns:p="http://schemas.openxmlformats.org/presentationml/2006/main" xmlns:r="http://schemas.openxmlformats.org/officeDocument/2006/relationships" xmlns:p14="http://schemas.microsoft.com/office/powerpoint/2010/main" xmlns:p15="http://schemas.microsoft.com/office/powerpoint/2012/main" xmlns:mc="http://schemas.openxmlformats.org/markup-compatibility/2006">
+  <p:cSld>
+    <p:spTree>
+      <p:nvGrpSpPr>
+        <p:cNvPr id="1" name=""/>
+        <p:cNvGrpSpPr/>
+        <p:nvPr/>
+      </p:nvGrpSpPr>
+      <p:grpSpPr>
+        <a:xfrm>
+          <a:off x="0" y="0"/>
+          <a:ext cx="0" cy="0"/>
+          <a:chOff x="0" y="0"/>
+          <a:chExt cx="0" cy="0"/>
+        </a:xfrm>
+      </p:grpSpPr>
+      <p:sp>
+        <p:nvSpPr>
+          <p:cNvPr id="76" name="PlaceHolder 1"/>
+          <p:cNvSpPr>
+            <a:spLocks noGrp="1"/>
+          </p:cNvSpPr>
+          <p:nvPr>
+            <p:ph type="title"/>
+          </p:nvPr>
+        </p:nvSpPr>
+        <p:spPr>
+          <a:xfrm>
+            <a:off x="504000" y="226080"/>
+            <a:ext cx="9071640" cy="946080"/>
+          </a:xfrm>
+          <a:prstGeom prst="rect">
+            <a:avLst/>
+          </a:prstGeom>
+        </p:spPr>
+        <p:txBody>
+          <a:bodyPr lIns="0" rIns="0" tIns="0" bIns="0" anchor="ctr"/>
+          <a:p>
+            <a:r>
+              <a:rPr b="0" lang="en-AU" sz="1800" spc="-1" strike="noStrike">
+                <a:latin typeface="Arial"/>
+              </a:rPr>
+              <a:t>Click to edit the title text format</a:t>
+            </a:r>
+            <a:endParaRPr b="0" lang="en-AU" sz="1800" spc="-1" strike="noStrike">
+              <a:latin typeface="Arial"/>
+            </a:endParaRPr>
+          </a:p>
+        </p:txBody>
+      </p:sp>
+      <p:sp>
+        <p:nvSpPr>
+          <p:cNvPr id="77" name="PlaceHolder 2"/>
+          <p:cNvSpPr>
+            <a:spLocks noGrp="1"/>
+          </p:cNvSpPr>
+          <p:nvPr>
+            <p:ph type="body"/>
+          </p:nvPr>
+        </p:nvSpPr>
+        <p:spPr>
+          <a:xfrm>
+            <a:off x="504000" y="1326600"/>
+            <a:ext cx="9072000" cy="3288600"/>
+          </a:xfrm>
+          <a:prstGeom prst="rect">
+            <a:avLst/>
+          </a:prstGeom>
+        </p:spPr>
+        <p:txBody>
+          <a:bodyPr lIns="0" rIns="0" tIns="0" bIns="0">
+            <a:normAutofit/>
+          </a:bodyPr>
+          <a:p>
+            <a:pPr marL="432000" indent="-324000">
+              <a:spcBef>
+                <a:spcPts val="1417"/>
+              </a:spcBef>
+              <a:buClr>
+                <a:srgbClr val="000000"/>
+              </a:buClr>
+              <a:buSzPct val="45000"/>
+              <a:buFont typeface="Wingdings" charset="2"/>
+              <a:buChar char=""/>
+            </a:pPr>
+            <a:r>
+              <a:rPr b="0" lang="en-AU" sz="3200" spc="-1" strike="noStrike">
+                <a:latin typeface="Arial"/>
+              </a:rPr>
+              <a:t>Click to edit the outline text format</a:t>
+            </a:r>
+            <a:endParaRPr b="0" lang="en-AU" sz="3200" spc="-1" strike="noStrike">
+              <a:latin typeface="Arial"/>
+            </a:endParaRPr>
+          </a:p>
+          <a:p>
+            <a:pPr lvl="1" marL="864000" indent="-324000">
+              <a:spcBef>
+                <a:spcPts val="1134"/>
+              </a:spcBef>
+              <a:buClr>
+                <a:srgbClr val="000000"/>
+              </a:buClr>
+              <a:buSzPct val="75000"/>
+              <a:buFont typeface="Symbol" charset="2"/>
+              <a:buChar char=""/>
+            </a:pPr>
+            <a:r>
+              <a:rPr b="0" lang="en-AU" sz="2800" spc="-1" strike="noStrike">
+                <a:latin typeface="Arial"/>
+              </a:rPr>
+              <a:t>Second Outline Level</a:t>
+            </a:r>
+            <a:endParaRPr b="0" lang="en-AU" sz="2800" spc="-1" strike="noStrike">
+              <a:latin typeface="Arial"/>
+            </a:endParaRPr>
+          </a:p>
+          <a:p>
+            <a:pPr lvl="2" marL="1296000" indent="-288000">
+              <a:spcBef>
+                <a:spcPts val="850"/>
+              </a:spcBef>
+              <a:buClr>
+                <a:srgbClr val="000000"/>
+              </a:buClr>
+              <a:buSzPct val="45000"/>
+              <a:buFont typeface="Wingdings" charset="2"/>
+              <a:buChar char=""/>
+            </a:pPr>
+            <a:r>
+              <a:rPr b="0" lang="en-AU" sz="2400" spc="-1" strike="noStrike">
+                <a:latin typeface="Arial"/>
+              </a:rPr>
+              <a:t>Third Outline Level</a:t>
+            </a:r>
+            <a:endParaRPr b="0" lang="en-AU" sz="2400" spc="-1" strike="noStrike">
+              <a:latin typeface="Arial"/>
+            </a:endParaRPr>
+          </a:p>
+          <a:p>
+            <a:pPr lvl="3" marL="1728000" indent="-216000">
+              <a:spcBef>
+                <a:spcPts val="567"/>
+              </a:spcBef>
+              <a:buClr>
+                <a:srgbClr val="000000"/>
+              </a:buClr>
+              <a:buSzPct val="75000"/>
+              <a:buFont typeface="Symbol" charset="2"/>
+              <a:buChar char=""/>
+            </a:pPr>
+            <a:r>
+              <a:rPr b="0" lang="en-AU" sz="2000" spc="-1" strike="noStrike">
+                <a:latin typeface="Arial"/>
+              </a:rPr>
+              <a:t>Fourth Outline Level</a:t>
+            </a:r>
+            <a:endParaRPr b="0" lang="en-AU" sz="2000" spc="-1" strike="noStrike">
+              <a:latin typeface="Arial"/>
+            </a:endParaRPr>
+          </a:p>
+          <a:p>
+            <a:pPr lvl="4" marL="2160000" indent="-216000">
+              <a:spcBef>
+                <a:spcPts val="283"/>
+              </a:spcBef>
+              <a:buClr>
+                <a:srgbClr val="000000"/>
+              </a:buClr>
+              <a:buSzPct val="45000"/>
+              <a:buFont typeface="Wingdings" charset="2"/>
+              <a:buChar char=""/>
+            </a:pPr>
+            <a:r>
+              <a:rPr b="0" lang="en-AU" sz="2000" spc="-1" strike="noStrike">
+                <a:latin typeface="Arial"/>
+              </a:rPr>
+              <a:t>Fifth Outline Level</a:t>
+            </a:r>
+            <a:endParaRPr b="0" lang="en-AU" sz="2000" spc="-1" strike="noStrike">
+              <a:latin typeface="Arial"/>
+            </a:endParaRPr>
+          </a:p>
+          <a:p>
+            <a:pPr lvl="5" marL="2592000" indent="-216000">
+              <a:spcBef>
+                <a:spcPts val="283"/>
+              </a:spcBef>
+              <a:buClr>
+                <a:srgbClr val="000000"/>
+              </a:buClr>
+              <a:buSzPct val="45000"/>
+              <a:buFont typeface="Wingdings" charset="2"/>
+              <a:buChar char=""/>
+            </a:pPr>
+            <a:r>
+              <a:rPr b="0" lang="en-AU" sz="2000" spc="-1" strike="noStrike">
+                <a:latin typeface="Arial"/>
+              </a:rPr>
+              <a:t>Sixth Outline Level</a:t>
+            </a:r>
+            <a:endParaRPr b="0" lang="en-AU" sz="2000" spc="-1" strike="noStrike">
+              <a:latin typeface="Arial"/>
+            </a:endParaRPr>
+          </a:p>
+          <a:p>
+            <a:pPr lvl="6" marL="3024000" indent="-216000">
+              <a:spcBef>
+                <a:spcPts val="283"/>
+              </a:spcBef>
+              <a:buClr>
+                <a:srgbClr val="000000"/>
+              </a:buClr>
+              <a:buSzPct val="45000"/>
+              <a:buFont typeface="Wingdings" charset="2"/>
+              <a:buChar char=""/>
+            </a:pPr>
+            <a:r>
+              <a:rPr b="0" lang="en-AU" sz="2000" spc="-1" strike="noStrike">
+                <a:latin typeface="Arial"/>
+              </a:rPr>
+              <a:t>Seventh Outline Level</a:t>
+            </a:r>
+            <a:endParaRPr b="0" lang="en-AU" sz="2000" spc="-1" strike="noStrike">
+              <a:latin typeface="Arial"/>
+            </a:endParaRPr>
+          </a:p>
+        </p:txBody>
+      </p:sp>
+    </p:spTree>
+  </p:cSld>
+  <p:clrMap bg1="lt1" bg2="lt2" tx1="dk1" tx2="dk2" accent1="accent1" accent2="accent2" accent3="accent3" accent4="accent4" accent5="accent5" accent6="accent6" hlink="hlink" folHlink="folHlink"/>
+  <p:sldLayoutIdLst>
+    <p:sldLayoutId id="2147483675" r:id="rId2"/>
+    <p:sldLayoutId id="2147483676" r:id="rId3"/>
+    <p:sldLayoutId id="2147483677" r:id="rId4"/>
+    <p:sldLayoutId id="2147483678" r:id="rId5"/>
+    <p:sldLayoutId id="2147483679" r:id="rId6"/>
+    <p:sldLayoutId id="2147483680" r:id="rId7"/>
+    <p:sldLayoutId id="2147483681" r:id="rId8"/>
+    <p:sldLayoutId id="2147483682" r:id="rId9"/>
+    <p:sldLayoutId id="2147483683" r:id="rId10"/>
+    <p:sldLayoutId id="2147483684" r:id="rId11"/>
+    <p:sldLayoutId id="2147483685" r:id="rId12"/>
+    <p:sldLayoutId id="2147483686" r:id="rId13"/>
+  </p:sldLayoutIdLst>
+</p:sldMaster>
+</file>
+
 <file path=ppt/slides/slide1.xml><?xml version="1.0" encoding="utf-8"?>
 <p:sld xmlns:a="http://schemas.openxmlformats.org/drawingml/2006/main" xmlns:p="http://schemas.openxmlformats.org/presentationml/2006/main" xmlns:r="http://schemas.openxmlformats.org/officeDocument/2006/relationships" xmlns:p14="http://schemas.microsoft.com/office/powerpoint/2010/main" xmlns:p15="http://schemas.microsoft.com/office/powerpoint/2012/main" xmlns:mc="http://schemas.openxmlformats.org/markup-compatibility/2006">
   <p:cSld>
@@ -3217,14 +4800,14 @@
       </p:grpSpPr>
       <p:sp>
         <p:nvSpPr>
-          <p:cNvPr id="76" name="CustomShape 1"/>
+          <p:cNvPr id="114" name="CustomShape 1"/>
           <p:cNvSpPr/>
           <p:nvPr/>
         </p:nvSpPr>
         <p:spPr>
           <a:xfrm>
             <a:off x="503640" y="225720"/>
-            <a:ext cx="9069120" cy="944640"/>
+            <a:ext cx="9068760" cy="944280"/>
           </a:xfrm>
           <a:prstGeom prst="rect">
             <a:avLst/>
@@ -3266,14 +4849,14 @@
       </p:sp>
       <p:sp>
         <p:nvSpPr>
-          <p:cNvPr id="77" name="CustomShape 2"/>
+          <p:cNvPr id="115" name="CustomShape 2"/>
           <p:cNvSpPr/>
           <p:nvPr/>
         </p:nvSpPr>
         <p:spPr>
           <a:xfrm>
             <a:off x="503640" y="1326240"/>
-            <a:ext cx="9069120" cy="3286080"/>
+            <a:ext cx="9068760" cy="3285720"/>
           </a:xfrm>
           <a:prstGeom prst="rect">
             <a:avLst/>
@@ -3364,14 +4947,14 @@
       </p:grpSpPr>
       <p:sp>
         <p:nvSpPr>
-          <p:cNvPr id="150" name="CustomShape 1"/>
+          <p:cNvPr id="188" name="CustomShape 1"/>
           <p:cNvSpPr/>
           <p:nvPr/>
         </p:nvSpPr>
         <p:spPr>
           <a:xfrm>
             <a:off x="503640" y="4530240"/>
-            <a:ext cx="9069120" cy="3286080"/>
+            <a:ext cx="9068760" cy="3285720"/>
           </a:xfrm>
           <a:prstGeom prst="rect">
             <a:avLst/>
@@ -3390,14 +4973,14 @@
       </p:sp>
       <p:sp>
         <p:nvSpPr>
-          <p:cNvPr id="151" name="CustomShape 2"/>
+          <p:cNvPr id="189" name="CustomShape 2"/>
           <p:cNvSpPr/>
           <p:nvPr/>
         </p:nvSpPr>
         <p:spPr>
           <a:xfrm>
             <a:off x="216000" y="877680"/>
-            <a:ext cx="3382560" cy="600840"/>
+            <a:ext cx="3382200" cy="600480"/>
           </a:xfrm>
           <a:prstGeom prst="rect">
             <a:avLst/>
@@ -3440,14 +5023,14 @@
       </p:sp>
       <p:sp>
         <p:nvSpPr>
-          <p:cNvPr id="152" name="CustomShape 3"/>
+          <p:cNvPr id="190" name="CustomShape 3"/>
           <p:cNvSpPr/>
           <p:nvPr/>
         </p:nvSpPr>
         <p:spPr>
           <a:xfrm>
             <a:off x="503640" y="-170280"/>
-            <a:ext cx="9069120" cy="944640"/>
+            <a:ext cx="9068760" cy="944280"/>
           </a:xfrm>
           <a:prstGeom prst="rect">
             <a:avLst/>
@@ -3489,14 +5072,14 @@
       </p:sp>
       <p:sp>
         <p:nvSpPr>
-          <p:cNvPr id="153" name="CustomShape 4"/>
+          <p:cNvPr id="191" name="CustomShape 4"/>
           <p:cNvSpPr/>
           <p:nvPr/>
         </p:nvSpPr>
         <p:spPr>
           <a:xfrm>
             <a:off x="504000" y="1513800"/>
-            <a:ext cx="8855640" cy="3161520"/>
+            <a:ext cx="8855280" cy="3161160"/>
           </a:xfrm>
           <a:prstGeom prst="rect">
             <a:avLst/>
@@ -3522,7 +5105,11 @@
             </a:pPr>
             <a:r>
               <a:rPr b="0" lang="en-AU" sz="1800" spc="-1" strike="noStrike">
-                <a:latin typeface="Arial"/>
+                <a:solidFill>
+                  <a:srgbClr val="000000"/>
+                </a:solidFill>
+                <a:latin typeface="Arial"/>
+                <a:ea typeface="DejaVu Sans"/>
               </a:rPr>
               <a:t>-Using Hmmmer (</a:t>
             </a:r>
@@ -3533,6 +5120,7 @@
                 </a:solidFill>
                 <a:uFillTx/>
                 <a:latin typeface="Arial"/>
+                <a:ea typeface="DejaVu Sans"/>
                 <a:hlinkClick r:id="rId1"/>
               </a:rPr>
               <a:t>http://hmmer.org</a:t>
@@ -3543,6 +5131,7 @@
                   <a:srgbClr val="0000ff"/>
                 </a:solidFill>
                 <a:latin typeface="Arial"/>
+                <a:ea typeface="DejaVu Sans"/>
               </a:rPr>
               <a:t>/ </a:t>
             </a:r>
@@ -3552,6 +5141,7 @@
                   <a:srgbClr val="000000"/>
                 </a:solidFill>
                 <a:latin typeface="Arial"/>
+                <a:ea typeface="DejaVu Sans"/>
               </a:rPr>
               <a:t>) to scan for protein sequence.</a:t>
             </a:r>
@@ -3581,6 +5171,7 @@
                   <a:srgbClr val="000000"/>
                 </a:solidFill>
                 <a:latin typeface="Arial"/>
+                <a:ea typeface="DejaVu Sans"/>
               </a:rPr>
               <a:t>-Therefore we use the hmmscan function </a:t>
             </a:r>
@@ -3600,6 +5191,7 @@
                   <a:srgbClr val="000000"/>
                 </a:solidFill>
                 <a:latin typeface="Arial"/>
+                <a:ea typeface="DejaVu Sans"/>
               </a:rPr>
               <a:t>(=search protein sequences against a profile HMM database)</a:t>
             </a:r>
@@ -3629,6 +5221,7 @@
                   <a:srgbClr val="000000"/>
                 </a:solidFill>
                 <a:latin typeface="Arial"/>
+                <a:ea typeface="DejaVu Sans"/>
               </a:rPr>
               <a:t>-Before we can scan the genome we however need to index the HMM profile</a:t>
             </a:r>
@@ -3648,6 +5241,7 @@
                   <a:srgbClr val="000000"/>
                 </a:solidFill>
                 <a:latin typeface="Arial"/>
+                <a:ea typeface="DejaVu Sans"/>
               </a:rPr>
               <a:t>Thefore we use the hmmpress function </a:t>
             </a:r>
@@ -3677,6 +5271,7 @@
                   <a:srgbClr val="000000"/>
                 </a:solidFill>
                 <a:latin typeface="Arial"/>
+                <a:ea typeface="DejaVu Sans"/>
               </a:rPr>
               <a:t>-Reminder: You want to scan all your genes and all different genomes (use for- loops)</a:t>
             </a:r>
@@ -3706,6 +5301,7 @@
                   <a:srgbClr val="000000"/>
                 </a:solidFill>
                 <a:latin typeface="Arial"/>
+                <a:ea typeface="DejaVu Sans"/>
               </a:rPr>
               <a:t>-Reminder: Think about outputting the information in order to use it later in R. </a:t>
             </a:r>
@@ -3725,6 +5321,7 @@
                   <a:srgbClr val="000000"/>
                 </a:solidFill>
                 <a:latin typeface="Arial"/>
+                <a:ea typeface="DejaVu Sans"/>
               </a:rPr>
               <a:t>  </a:t>
             </a:r>
@@ -3785,14 +5382,14 @@
       </p:grpSpPr>
       <p:sp>
         <p:nvSpPr>
-          <p:cNvPr id="154" name="CustomShape 1"/>
+          <p:cNvPr id="192" name="CustomShape 1"/>
           <p:cNvSpPr/>
           <p:nvPr/>
         </p:nvSpPr>
         <p:spPr>
           <a:xfrm>
             <a:off x="503640" y="225720"/>
-            <a:ext cx="9069120" cy="944640"/>
+            <a:ext cx="9068760" cy="944280"/>
           </a:xfrm>
           <a:prstGeom prst="rect">
             <a:avLst/>
@@ -3834,14 +5431,14 @@
       </p:sp>
       <p:sp>
         <p:nvSpPr>
-          <p:cNvPr id="155" name="CustomShape 2"/>
+          <p:cNvPr id="193" name="CustomShape 2"/>
           <p:cNvSpPr/>
           <p:nvPr/>
         </p:nvSpPr>
         <p:spPr>
           <a:xfrm>
             <a:off x="503640" y="4530240"/>
-            <a:ext cx="9069120" cy="3286080"/>
+            <a:ext cx="9068760" cy="3285720"/>
           </a:xfrm>
           <a:prstGeom prst="rect">
             <a:avLst/>
@@ -3860,7 +5457,7 @@
       </p:sp>
       <p:pic>
         <p:nvPicPr>
-          <p:cNvPr id="156" name="" descr=""/>
+          <p:cNvPr id="194" name="" descr=""/>
           <p:cNvPicPr/>
           <p:nvPr/>
         </p:nvPicPr>
@@ -3872,7 +5469,7 @@
         <p:spPr>
           <a:xfrm>
             <a:off x="3816720" y="1982520"/>
-            <a:ext cx="2495520" cy="2419200"/>
+            <a:ext cx="2495160" cy="2418840"/>
           </a:xfrm>
           <a:prstGeom prst="rect">
             <a:avLst/>
@@ -3884,14 +5481,14 @@
       </p:pic>
       <p:sp>
         <p:nvSpPr>
-          <p:cNvPr id="157" name="CustomShape 3"/>
+          <p:cNvPr id="195" name="CustomShape 3"/>
           <p:cNvSpPr/>
           <p:nvPr/>
         </p:nvSpPr>
         <p:spPr>
           <a:xfrm>
             <a:off x="2160360" y="1872000"/>
-            <a:ext cx="5759640" cy="345960"/>
+            <a:ext cx="5759280" cy="345600"/>
           </a:xfrm>
           <a:prstGeom prst="rect">
             <a:avLst/>
@@ -3917,7 +5514,11 @@
             </a:pPr>
             <a:r>
               <a:rPr b="1" lang="en-AU" sz="1800" spc="-1" strike="noStrike">
-                <a:latin typeface="Arial"/>
+                <a:solidFill>
+                  <a:srgbClr val="000000"/>
+                </a:solidFill>
+                <a:latin typeface="Arial"/>
+                <a:ea typeface="DejaVu Sans"/>
               </a:rPr>
               <a:t>Look at Rmarkdown CHAPTER 4. for instructions!</a:t>
             </a:r>
@@ -3978,14 +5579,14 @@
       </p:grpSpPr>
       <p:sp>
         <p:nvSpPr>
-          <p:cNvPr id="158" name="CustomShape 1"/>
+          <p:cNvPr id="196" name="CustomShape 1"/>
           <p:cNvSpPr/>
           <p:nvPr/>
         </p:nvSpPr>
         <p:spPr>
           <a:xfrm>
             <a:off x="503640" y="225720"/>
-            <a:ext cx="9069120" cy="944640"/>
+            <a:ext cx="9068760" cy="944280"/>
           </a:xfrm>
           <a:prstGeom prst="rect">
             <a:avLst/>
@@ -4027,14 +5628,14 @@
       </p:sp>
       <p:sp>
         <p:nvSpPr>
-          <p:cNvPr id="159" name="CustomShape 2"/>
+          <p:cNvPr id="197" name="CustomShape 2"/>
           <p:cNvSpPr/>
           <p:nvPr/>
         </p:nvSpPr>
         <p:spPr>
           <a:xfrm>
             <a:off x="503640" y="4530240"/>
-            <a:ext cx="9069120" cy="3286080"/>
+            <a:ext cx="9068760" cy="3285720"/>
           </a:xfrm>
           <a:prstGeom prst="rect">
             <a:avLst/>
@@ -4053,7 +5654,7 @@
       </p:sp>
       <p:pic>
         <p:nvPicPr>
-          <p:cNvPr id="160" name="" descr=""/>
+          <p:cNvPr id="198" name="" descr=""/>
           <p:cNvPicPr/>
           <p:nvPr/>
         </p:nvPicPr>
@@ -4065,7 +5666,7 @@
         <p:spPr>
           <a:xfrm>
             <a:off x="3816720" y="1982520"/>
-            <a:ext cx="2495520" cy="2419200"/>
+            <a:ext cx="2495160" cy="2418840"/>
           </a:xfrm>
           <a:prstGeom prst="rect">
             <a:avLst/>
@@ -4077,14 +5678,14 @@
       </p:pic>
       <p:sp>
         <p:nvSpPr>
-          <p:cNvPr id="161" name="CustomShape 3"/>
+          <p:cNvPr id="199" name="CustomShape 3"/>
           <p:cNvSpPr/>
           <p:nvPr/>
         </p:nvSpPr>
         <p:spPr>
           <a:xfrm>
             <a:off x="2160360" y="1872000"/>
-            <a:ext cx="5759640" cy="345960"/>
+            <a:ext cx="5759280" cy="345600"/>
           </a:xfrm>
           <a:prstGeom prst="rect">
             <a:avLst/>
@@ -4110,7 +5711,11 @@
             </a:pPr>
             <a:r>
               <a:rPr b="1" lang="en-AU" sz="1800" spc="-1" strike="noStrike">
-                <a:latin typeface="Arial"/>
+                <a:solidFill>
+                  <a:srgbClr val="000000"/>
+                </a:solidFill>
+                <a:latin typeface="Arial"/>
+                <a:ea typeface="DejaVu Sans"/>
               </a:rPr>
               <a:t>Look at Rmarkdown CHAPTER 5. for instructions!</a:t>
             </a:r>
@@ -4171,14 +5776,14 @@
       </p:grpSpPr>
       <p:sp>
         <p:nvSpPr>
-          <p:cNvPr id="162" name="CustomShape 1"/>
+          <p:cNvPr id="200" name="CustomShape 1"/>
           <p:cNvSpPr/>
           <p:nvPr/>
         </p:nvSpPr>
         <p:spPr>
           <a:xfrm>
             <a:off x="503640" y="-134280"/>
-            <a:ext cx="9069120" cy="944640"/>
+            <a:ext cx="9068760" cy="944280"/>
           </a:xfrm>
           <a:prstGeom prst="rect">
             <a:avLst/>
@@ -4220,14 +5825,14 @@
       </p:sp>
       <p:sp>
         <p:nvSpPr>
-          <p:cNvPr id="163" name="CustomShape 2"/>
+          <p:cNvPr id="201" name="CustomShape 2"/>
           <p:cNvSpPr/>
           <p:nvPr/>
         </p:nvSpPr>
         <p:spPr>
           <a:xfrm>
             <a:off x="503640" y="4530240"/>
-            <a:ext cx="9069120" cy="3286080"/>
+            <a:ext cx="9068760" cy="3285720"/>
           </a:xfrm>
           <a:prstGeom prst="rect">
             <a:avLst/>
@@ -4246,7 +5851,7 @@
       </p:sp>
       <p:pic>
         <p:nvPicPr>
-          <p:cNvPr id="164" name="" descr=""/>
+          <p:cNvPr id="202" name="" descr=""/>
           <p:cNvPicPr/>
           <p:nvPr/>
         </p:nvPicPr>
@@ -4257,7 +5862,7 @@
         <p:spPr>
           <a:xfrm>
             <a:off x="1899720" y="1323720"/>
-            <a:ext cx="5948280" cy="4220280"/>
+            <a:ext cx="5947920" cy="4219920"/>
           </a:xfrm>
           <a:prstGeom prst="rect">
             <a:avLst/>
@@ -4269,14 +5874,14 @@
       </p:pic>
       <p:sp>
         <p:nvSpPr>
-          <p:cNvPr id="165" name="CustomShape 3"/>
+          <p:cNvPr id="203" name="CustomShape 3"/>
           <p:cNvSpPr/>
           <p:nvPr/>
         </p:nvSpPr>
         <p:spPr>
           <a:xfrm>
             <a:off x="4392000" y="662040"/>
-            <a:ext cx="5759640" cy="345960"/>
+            <a:ext cx="5759280" cy="345600"/>
           </a:xfrm>
           <a:prstGeom prst="rect">
             <a:avLst/>
@@ -4302,7 +5907,11 @@
             </a:pPr>
             <a:r>
               <a:rPr b="1" lang="en-AU" sz="1800" spc="-1" strike="noStrike">
-                <a:latin typeface="Arial"/>
+                <a:solidFill>
+                  <a:srgbClr val="000000"/>
+                </a:solidFill>
+                <a:latin typeface="Arial"/>
+                <a:ea typeface="DejaVu Sans"/>
               </a:rPr>
               <a:t>CRISPR is the only adaptive immunity mechanism</a:t>
             </a:r>
@@ -4318,7 +5927,11 @@
             </a:pPr>
             <a:r>
               <a:rPr b="1" lang="en-AU" sz="1800" spc="-1" strike="noStrike">
-                <a:latin typeface="Arial"/>
+                <a:solidFill>
+                  <a:srgbClr val="000000"/>
+                </a:solidFill>
+                <a:latin typeface="Arial"/>
+                <a:ea typeface="DejaVu Sans"/>
               </a:rPr>
               <a:t>In Bacteria</a:t>
             </a:r>
@@ -4330,7 +5943,7 @@
       </p:sp>
       <p:sp>
         <p:nvSpPr>
-          <p:cNvPr id="166" name="Line 4"/>
+          <p:cNvPr id="204" name="Line 4"/>
           <p:cNvSpPr/>
           <p:nvPr/>
         </p:nvSpPr>
@@ -4407,7 +6020,7 @@
       </p:grpSpPr>
       <p:pic>
         <p:nvPicPr>
-          <p:cNvPr id="167" name="" descr=""/>
+          <p:cNvPr id="205" name="" descr=""/>
           <p:cNvPicPr/>
           <p:nvPr/>
         </p:nvPicPr>
@@ -4418,7 +6031,7 @@
         <p:spPr>
           <a:xfrm>
             <a:off x="944280" y="1296000"/>
-            <a:ext cx="8192160" cy="3357720"/>
+            <a:ext cx="8191800" cy="3357360"/>
           </a:xfrm>
           <a:prstGeom prst="rect">
             <a:avLst/>
@@ -4430,14 +6043,14 @@
       </p:pic>
       <p:sp>
         <p:nvSpPr>
-          <p:cNvPr id="168" name="CustomShape 1"/>
+          <p:cNvPr id="206" name="CustomShape 1"/>
           <p:cNvSpPr/>
           <p:nvPr/>
         </p:nvSpPr>
         <p:spPr>
           <a:xfrm>
             <a:off x="5544000" y="4752000"/>
-            <a:ext cx="4536000" cy="1272960"/>
+            <a:ext cx="4535640" cy="1272600"/>
           </a:xfrm>
           <a:prstGeom prst="rect">
             <a:avLst/>
@@ -4579,14 +6192,14 @@
       </p:sp>
       <p:sp>
         <p:nvSpPr>
-          <p:cNvPr id="169" name="CustomShape 2"/>
+          <p:cNvPr id="207" name="CustomShape 2"/>
           <p:cNvSpPr/>
           <p:nvPr/>
         </p:nvSpPr>
         <p:spPr>
           <a:xfrm>
             <a:off x="503640" y="-134280"/>
-            <a:ext cx="9069120" cy="944640"/>
+            <a:ext cx="9068760" cy="944280"/>
           </a:xfrm>
           <a:prstGeom prst="rect">
             <a:avLst/>
@@ -4677,14 +6290,14 @@
       </p:grpSpPr>
       <p:sp>
         <p:nvSpPr>
-          <p:cNvPr id="170" name="CustomShape 1"/>
+          <p:cNvPr id="208" name="CustomShape 1"/>
           <p:cNvSpPr/>
           <p:nvPr/>
         </p:nvSpPr>
         <p:spPr>
           <a:xfrm>
             <a:off x="503640" y="-134280"/>
-            <a:ext cx="9069120" cy="944640"/>
+            <a:ext cx="9068760" cy="944280"/>
           </a:xfrm>
           <a:prstGeom prst="rect">
             <a:avLst/>
@@ -4726,14 +6339,14 @@
       </p:sp>
       <p:sp>
         <p:nvSpPr>
-          <p:cNvPr id="171" name="CustomShape 2"/>
+          <p:cNvPr id="209" name="CustomShape 2"/>
           <p:cNvSpPr/>
           <p:nvPr/>
         </p:nvSpPr>
         <p:spPr>
           <a:xfrm>
             <a:off x="503640" y="4530240"/>
-            <a:ext cx="9069120" cy="3286080"/>
+            <a:ext cx="9068760" cy="3285720"/>
           </a:xfrm>
           <a:prstGeom prst="rect">
             <a:avLst/>
@@ -4752,14 +6365,14 @@
       </p:sp>
       <p:sp>
         <p:nvSpPr>
-          <p:cNvPr id="172" name="CustomShape 3"/>
+          <p:cNvPr id="210" name="CustomShape 3"/>
           <p:cNvSpPr/>
           <p:nvPr/>
         </p:nvSpPr>
         <p:spPr>
           <a:xfrm>
             <a:off x="2160360" y="648000"/>
-            <a:ext cx="5759640" cy="345960"/>
+            <a:ext cx="5759280" cy="345600"/>
           </a:xfrm>
           <a:prstGeom prst="rect">
             <a:avLst/>
@@ -4785,7 +6398,11 @@
             </a:pPr>
             <a:r>
               <a:rPr b="1" lang="en-AU" sz="1800" spc="-1" strike="noStrike">
-                <a:latin typeface="Arial"/>
+                <a:solidFill>
+                  <a:srgbClr val="000000"/>
+                </a:solidFill>
+                <a:latin typeface="Arial"/>
+                <a:ea typeface="DejaVu Sans"/>
               </a:rPr>
               <a:t>Using CRISPRcasTyper</a:t>
             </a:r>
@@ -4797,14 +6414,14 @@
       </p:sp>
       <p:sp>
         <p:nvSpPr>
-          <p:cNvPr id="173" name="CustomShape 4"/>
+          <p:cNvPr id="211" name="CustomShape 4"/>
           <p:cNvSpPr/>
           <p:nvPr/>
         </p:nvSpPr>
         <p:spPr>
           <a:xfrm>
             <a:off x="504000" y="1578600"/>
-            <a:ext cx="8855640" cy="3161520"/>
+            <a:ext cx="8855280" cy="3161160"/>
           </a:xfrm>
           <a:prstGeom prst="rect">
             <a:avLst/>
@@ -4834,6 +6451,7 @@
                   <a:srgbClr val="000000"/>
                 </a:solidFill>
                 <a:latin typeface="Arial"/>
+                <a:ea typeface="DejaVu Sans"/>
               </a:rPr>
               <a:t>1. Transfer genome locally (needs ~2Gb)</a:t>
             </a:r>
@@ -4853,6 +6471,7 @@
                   <a:srgbClr val="000000"/>
                 </a:solidFill>
                 <a:latin typeface="Arial"/>
+                <a:ea typeface="DejaVu Sans"/>
               </a:rPr>
               <a:t>2. select the genomes you want annotate in google.sheet (~13 genomes) </a:t>
             </a:r>
@@ -4872,6 +6491,7 @@
                   <a:srgbClr val="000000"/>
                 </a:solidFill>
                 <a:latin typeface="Arial"/>
+                <a:ea typeface="DejaVu Sans"/>
               </a:rPr>
               <a:t>3. Run CRISPRcasTyper with the 5 genomes indiviually</a:t>
             </a:r>
@@ -4891,6 +6511,7 @@
                   <a:srgbClr val="000000"/>
                 </a:solidFill>
                 <a:latin typeface="Arial"/>
+                <a:ea typeface="DejaVu Sans"/>
               </a:rPr>
               <a:t>4. copy output information into google.sheet</a:t>
             </a:r>
@@ -4910,6 +6531,7 @@
                   <a:srgbClr val="000000"/>
                 </a:solidFill>
                 <a:latin typeface="Arial"/>
+                <a:ea typeface="DejaVu Sans"/>
               </a:rPr>
               <a:t>5. download .csv data and plotting in R</a:t>
             </a:r>
@@ -4939,6 +6561,7 @@
                   <a:srgbClr val="000000"/>
                 </a:solidFill>
                 <a:latin typeface="Arial"/>
+                <a:ea typeface="DejaVu Sans"/>
               </a:rPr>
               <a:t>  </a:t>
             </a:r>
@@ -4999,14 +6622,14 @@
       </p:grpSpPr>
       <p:sp>
         <p:nvSpPr>
-          <p:cNvPr id="174" name="CustomShape 1"/>
+          <p:cNvPr id="212" name="CustomShape 1"/>
           <p:cNvSpPr/>
           <p:nvPr/>
         </p:nvSpPr>
         <p:spPr>
           <a:xfrm>
             <a:off x="503640" y="-134280"/>
-            <a:ext cx="9069120" cy="944640"/>
+            <a:ext cx="9068760" cy="944280"/>
           </a:xfrm>
           <a:prstGeom prst="rect">
             <a:avLst/>
@@ -5048,14 +6671,14 @@
       </p:sp>
       <p:sp>
         <p:nvSpPr>
-          <p:cNvPr id="175" name="CustomShape 2"/>
+          <p:cNvPr id="213" name="CustomShape 2"/>
           <p:cNvSpPr/>
           <p:nvPr/>
         </p:nvSpPr>
         <p:spPr>
           <a:xfrm>
             <a:off x="503640" y="4530240"/>
-            <a:ext cx="9069120" cy="3286080"/>
+            <a:ext cx="9068760" cy="3285720"/>
           </a:xfrm>
           <a:prstGeom prst="rect">
             <a:avLst/>
@@ -5074,19 +6697,19 @@
       </p:sp>
       <p:pic>
         <p:nvPicPr>
-          <p:cNvPr id="176" name="" descr=""/>
+          <p:cNvPr id="214" name="" descr=""/>
           <p:cNvPicPr/>
           <p:nvPr/>
         </p:nvPicPr>
         <p:blipFill>
           <a:blip r:embed="rId1"/>
-          <a:srcRect l="18526" t="14663" r="17904" b="0"/>
+          <a:srcRect l="18524" t="14660" r="17902" b="0"/>
           <a:stretch/>
         </p:blipFill>
         <p:spPr>
           <a:xfrm>
             <a:off x="2268360" y="1249560"/>
-            <a:ext cx="5544000" cy="4186440"/>
+            <a:ext cx="5543640" cy="4186080"/>
           </a:xfrm>
           <a:prstGeom prst="rect">
             <a:avLst/>
@@ -5098,14 +6721,14 @@
       </p:pic>
       <p:sp>
         <p:nvSpPr>
-          <p:cNvPr id="177" name="CustomShape 3"/>
+          <p:cNvPr id="215" name="CustomShape 3"/>
           <p:cNvSpPr/>
           <p:nvPr/>
         </p:nvSpPr>
         <p:spPr>
           <a:xfrm>
             <a:off x="1584720" y="648000"/>
-            <a:ext cx="6911640" cy="345960"/>
+            <a:ext cx="6911280" cy="345600"/>
           </a:xfrm>
           <a:prstGeom prst="rect">
             <a:avLst/>
@@ -5131,6 +6754,9 @@
             </a:pPr>
             <a:r>
               <a:rPr b="1" lang="en-AU" sz="1800" spc="-1" strike="noStrike">
+                <a:solidFill>
+                  <a:srgbClr val="000000"/>
+                </a:solidFill>
                 <a:latin typeface="Arial"/>
                 <a:ea typeface="AR PL SungtiL GB"/>
               </a:rPr>
@@ -5147,10 +6773,11 @@
               <a:t> (</a:t>
             </a:r>
             <a:r>
-              <a:rPr b="0" lang="en-AU" sz="2400" spc="-1" strike="noStrike">
+              <a:rPr b="0" lang="en-AU" sz="2400" spc="-1" strike="noStrike" u="sng">
                 <a:solidFill>
-                  <a:srgbClr val="000000"/>
+                  <a:srgbClr val="0000ff"/>
                 </a:solidFill>
+                <a:uFillTx/>
                 <a:latin typeface="Arial"/>
                 <a:ea typeface="DejaVu Sans"/>
                 <a:hlinkClick r:id="rId2"/>
@@ -5224,14 +6851,14 @@
       </p:grpSpPr>
       <p:sp>
         <p:nvSpPr>
-          <p:cNvPr id="178" name="CustomShape 1"/>
+          <p:cNvPr id="216" name="CustomShape 1"/>
           <p:cNvSpPr/>
           <p:nvPr/>
         </p:nvSpPr>
         <p:spPr>
           <a:xfrm>
             <a:off x="503640" y="225720"/>
-            <a:ext cx="9069120" cy="944640"/>
+            <a:ext cx="9068760" cy="944280"/>
           </a:xfrm>
           <a:prstGeom prst="rect">
             <a:avLst/>
@@ -5273,14 +6900,14 @@
       </p:sp>
       <p:sp>
         <p:nvSpPr>
-          <p:cNvPr id="179" name="CustomShape 2"/>
+          <p:cNvPr id="217" name="CustomShape 2"/>
           <p:cNvSpPr/>
           <p:nvPr/>
         </p:nvSpPr>
         <p:spPr>
           <a:xfrm>
             <a:off x="503640" y="4530240"/>
-            <a:ext cx="9069120" cy="3286080"/>
+            <a:ext cx="9068760" cy="3285720"/>
           </a:xfrm>
           <a:prstGeom prst="rect">
             <a:avLst/>
@@ -5299,7 +6926,7 @@
       </p:sp>
       <p:pic>
         <p:nvPicPr>
-          <p:cNvPr id="180" name="" descr=""/>
+          <p:cNvPr id="218" name="" descr=""/>
           <p:cNvPicPr/>
           <p:nvPr/>
         </p:nvPicPr>
@@ -5311,7 +6938,7 @@
         <p:spPr>
           <a:xfrm>
             <a:off x="144000" y="1512000"/>
-            <a:ext cx="9988560" cy="2376000"/>
+            <a:ext cx="9988200" cy="2375640"/>
           </a:xfrm>
           <a:prstGeom prst="rect">
             <a:avLst/>
@@ -5372,14 +6999,14 @@
       </p:grpSpPr>
       <p:sp>
         <p:nvSpPr>
-          <p:cNvPr id="181" name="CustomShape 1"/>
+          <p:cNvPr id="219" name="CustomShape 1"/>
           <p:cNvSpPr/>
           <p:nvPr/>
         </p:nvSpPr>
         <p:spPr>
           <a:xfrm>
             <a:off x="4538880" y="-144000"/>
-            <a:ext cx="9069120" cy="944640"/>
+            <a:ext cx="9068760" cy="944280"/>
           </a:xfrm>
           <a:prstGeom prst="rect">
             <a:avLst/>
@@ -5421,14 +7048,14 @@
       </p:sp>
       <p:sp>
         <p:nvSpPr>
-          <p:cNvPr id="182" name="CustomShape 2"/>
+          <p:cNvPr id="220" name="CustomShape 2"/>
           <p:cNvSpPr/>
           <p:nvPr/>
         </p:nvSpPr>
         <p:spPr>
           <a:xfrm>
             <a:off x="503640" y="4530240"/>
-            <a:ext cx="9069120" cy="3286080"/>
+            <a:ext cx="9068760" cy="3285720"/>
           </a:xfrm>
           <a:prstGeom prst="rect">
             <a:avLst/>
@@ -5447,7 +7074,7 @@
       </p:sp>
       <p:pic>
         <p:nvPicPr>
-          <p:cNvPr id="183" name="" descr=""/>
+          <p:cNvPr id="221" name="" descr=""/>
           <p:cNvPicPr/>
           <p:nvPr/>
         </p:nvPicPr>
@@ -5458,7 +7085,7 @@
         <p:spPr>
           <a:xfrm>
             <a:off x="63360" y="72000"/>
-            <a:ext cx="3752640" cy="5670360"/>
+            <a:ext cx="3752280" cy="5670000"/>
           </a:xfrm>
           <a:prstGeom prst="rect">
             <a:avLst/>
@@ -5470,14 +7097,14 @@
       </p:pic>
       <p:sp>
         <p:nvSpPr>
-          <p:cNvPr id="184" name="TextShape 3"/>
-          <p:cNvSpPr txBox="1"/>
+          <p:cNvPr id="222" name="CustomShape 3"/>
+          <p:cNvSpPr/>
           <p:nvPr/>
         </p:nvSpPr>
         <p:spPr>
           <a:xfrm>
             <a:off x="4680000" y="180000"/>
-            <a:ext cx="3528000" cy="858240"/>
+            <a:ext cx="3527640" cy="857880"/>
           </a:xfrm>
           <a:prstGeom prst="rect">
             <a:avLst/>
@@ -5485,144 +7112,6 @@
           <a:noFill/>
           <a:ln>
             <a:noFill/>
-          </a:ln>
-        </p:spPr>
-        <p:txBody>
-          <a:bodyPr lIns="90000" rIns="90000" tIns="45000" bIns="45000"/>
-          <a:p>
-            <a:r>
-              <a:rPr b="0" lang="en-AU" sz="1800" spc="-1" strike="noStrike">
-                <a:latin typeface="Arial"/>
-              </a:rPr>
-              <a:t>Very fast (~20s per genome)</a:t>
-            </a:r>
-            <a:endParaRPr b="0" lang="en-AU" sz="1800" spc="-1" strike="noStrike">
-              <a:latin typeface="Arial"/>
-            </a:endParaRPr>
-          </a:p>
-        </p:txBody>
-      </p:sp>
-      <p:sp>
-        <p:nvSpPr>
-          <p:cNvPr id="185" name="TextShape 4"/>
-          <p:cNvSpPr txBox="1"/>
-          <p:nvPr/>
-        </p:nvSpPr>
-        <p:spPr>
-          <a:xfrm>
-            <a:off x="4680000" y="936000"/>
-            <a:ext cx="3528000" cy="858240"/>
-          </a:xfrm>
-          <a:prstGeom prst="rect">
-            <a:avLst/>
-          </a:prstGeom>
-          <a:noFill/>
-          <a:ln>
-            <a:noFill/>
-          </a:ln>
-        </p:spPr>
-        <p:txBody>
-          <a:bodyPr lIns="90000" rIns="90000" tIns="45000" bIns="45000"/>
-          <a:p>
-            <a:r>
-              <a:rPr b="0" lang="en-AU" sz="1800" spc="-1" strike="noStrike">
-                <a:latin typeface="Arial"/>
-              </a:rPr>
-              <a:t>Cas gene structure</a:t>
-            </a:r>
-            <a:endParaRPr b="0" lang="en-AU" sz="1800" spc="-1" strike="noStrike">
-              <a:latin typeface="Arial"/>
-            </a:endParaRPr>
-          </a:p>
-        </p:txBody>
-      </p:sp>
-      <p:sp>
-        <p:nvSpPr>
-          <p:cNvPr id="186" name="TextShape 5"/>
-          <p:cNvSpPr txBox="1"/>
-          <p:nvPr/>
-        </p:nvSpPr>
-        <p:spPr>
-          <a:xfrm>
-            <a:off x="4680000" y="2124000"/>
-            <a:ext cx="3888000" cy="858240"/>
-          </a:xfrm>
-          <a:prstGeom prst="rect">
-            <a:avLst/>
-          </a:prstGeom>
-          <a:noFill/>
-          <a:ln>
-            <a:noFill/>
-          </a:ln>
-        </p:spPr>
-        <p:txBody>
-          <a:bodyPr lIns="90000" rIns="90000" tIns="45000" bIns="45000"/>
-          <a:p>
-            <a:r>
-              <a:rPr b="0" lang="en-AU" sz="1800" spc="-1" strike="noStrike">
-                <a:latin typeface="Arial"/>
-              </a:rPr>
-              <a:t>CRISPR-cas clusters (interesting!)</a:t>
-            </a:r>
-            <a:endParaRPr b="0" lang="en-AU" sz="1800" spc="-1" strike="noStrike">
-              <a:latin typeface="Arial"/>
-            </a:endParaRPr>
-          </a:p>
-        </p:txBody>
-      </p:sp>
-      <p:sp>
-        <p:nvSpPr>
-          <p:cNvPr id="187" name="TextShape 6"/>
-          <p:cNvSpPr txBox="1"/>
-          <p:nvPr/>
-        </p:nvSpPr>
-        <p:spPr>
-          <a:xfrm>
-            <a:off x="4680000" y="3420000"/>
-            <a:ext cx="3888000" cy="858240"/>
-          </a:xfrm>
-          <a:prstGeom prst="rect">
-            <a:avLst/>
-          </a:prstGeom>
-          <a:noFill/>
-          <a:ln>
-            <a:noFill/>
-          </a:ln>
-        </p:spPr>
-        <p:txBody>
-          <a:bodyPr lIns="90000" rIns="90000" tIns="45000" bIns="45000"/>
-          <a:p>
-            <a:r>
-              <a:rPr b="0" lang="en-AU" sz="1800" spc="-1" strike="noStrike">
-                <a:latin typeface="Arial"/>
-              </a:rPr>
-              <a:t>Additional information</a:t>
-            </a:r>
-            <a:endParaRPr b="0" lang="en-AU" sz="1800" spc="-1" strike="noStrike">
-              <a:latin typeface="Arial"/>
-            </a:endParaRPr>
-          </a:p>
-        </p:txBody>
-      </p:sp>
-      <p:sp>
-        <p:nvSpPr>
-          <p:cNvPr id="188" name="Line 7"/>
-          <p:cNvSpPr/>
-          <p:nvPr/>
-        </p:nvSpPr>
-        <p:spPr>
-          <a:xfrm flipH="1" flipV="1">
-            <a:off x="3672000" y="288000"/>
-            <a:ext cx="1008000" cy="144000"/>
-          </a:xfrm>
-          <a:prstGeom prst="line">
-            <a:avLst/>
-          </a:prstGeom>
-          <a:ln>
-            <a:solidFill>
-              <a:srgbClr val="000000"/>
-            </a:solidFill>
-            <a:tailEnd len="med" type="triangle" w="med"/>
           </a:ln>
         </p:spPr>
         <p:style>
@@ -5631,26 +7120,43 @@
           <a:effectRef idx="0"/>
           <a:fontRef idx="minor"/>
         </p:style>
-      </p:sp>
-      <p:sp>
-        <p:nvSpPr>
-          <p:cNvPr id="189" name="Line 8"/>
+        <p:txBody>
+          <a:bodyPr lIns="90000" rIns="90000" tIns="45000" bIns="45000"/>
+          <a:p>
+            <a:pPr>
+              <a:lnSpc>
+                <a:spcPct val="100000"/>
+              </a:lnSpc>
+            </a:pPr>
+            <a:r>
+              <a:rPr b="0" lang="en-AU" sz="1800" spc="-1" strike="noStrike">
+                <a:latin typeface="Arial"/>
+              </a:rPr>
+              <a:t>Very fast (~20s per genome)</a:t>
+            </a:r>
+            <a:endParaRPr b="0" lang="en-AU" sz="1800" spc="-1" strike="noStrike">
+              <a:latin typeface="Arial"/>
+            </a:endParaRPr>
+          </a:p>
+        </p:txBody>
+      </p:sp>
+      <p:sp>
+        <p:nvSpPr>
+          <p:cNvPr id="223" name="CustomShape 4"/>
           <p:cNvSpPr/>
           <p:nvPr/>
         </p:nvSpPr>
         <p:spPr>
-          <a:xfrm flipH="1">
-            <a:off x="3960000" y="1152000"/>
-            <a:ext cx="792000" cy="72000"/>
-          </a:xfrm>
-          <a:prstGeom prst="line">
-            <a:avLst/>
-          </a:prstGeom>
+          <a:xfrm>
+            <a:off x="4680000" y="936000"/>
+            <a:ext cx="3527640" cy="857880"/>
+          </a:xfrm>
+          <a:prstGeom prst="rect">
+            <a:avLst/>
+          </a:prstGeom>
+          <a:noFill/>
           <a:ln>
-            <a:solidFill>
-              <a:srgbClr val="000000"/>
-            </a:solidFill>
-            <a:tailEnd len="med" type="triangle" w="med"/>
+            <a:noFill/>
           </a:ln>
         </p:spPr>
         <p:style>
@@ -5659,26 +7165,43 @@
           <a:effectRef idx="0"/>
           <a:fontRef idx="minor"/>
         </p:style>
-      </p:sp>
-      <p:sp>
-        <p:nvSpPr>
-          <p:cNvPr id="190" name="Line 9"/>
+        <p:txBody>
+          <a:bodyPr lIns="90000" rIns="90000" tIns="45000" bIns="45000"/>
+          <a:p>
+            <a:pPr>
+              <a:lnSpc>
+                <a:spcPct val="100000"/>
+              </a:lnSpc>
+            </a:pPr>
+            <a:r>
+              <a:rPr b="0" lang="en-AU" sz="1800" spc="-1" strike="noStrike">
+                <a:latin typeface="Arial"/>
+              </a:rPr>
+              <a:t>Cas gene structure</a:t>
+            </a:r>
+            <a:endParaRPr b="0" lang="en-AU" sz="1800" spc="-1" strike="noStrike">
+              <a:latin typeface="Arial"/>
+            </a:endParaRPr>
+          </a:p>
+        </p:txBody>
+      </p:sp>
+      <p:sp>
+        <p:nvSpPr>
+          <p:cNvPr id="224" name="CustomShape 5"/>
           <p:cNvSpPr/>
           <p:nvPr/>
         </p:nvSpPr>
         <p:spPr>
-          <a:xfrm flipH="1">
-            <a:off x="2880000" y="2304000"/>
-            <a:ext cx="1872000" cy="72000"/>
-          </a:xfrm>
-          <a:prstGeom prst="line">
-            <a:avLst/>
-          </a:prstGeom>
+          <a:xfrm>
+            <a:off x="4680000" y="2124000"/>
+            <a:ext cx="3887640" cy="857880"/>
+          </a:xfrm>
+          <a:prstGeom prst="rect">
+            <a:avLst/>
+          </a:prstGeom>
+          <a:noFill/>
           <a:ln>
-            <a:solidFill>
-              <a:srgbClr val="000000"/>
-            </a:solidFill>
-            <a:tailEnd len="med" type="triangle" w="med"/>
+            <a:noFill/>
           </a:ln>
         </p:spPr>
         <p:style>
@@ -5687,26 +7210,43 @@
           <a:effectRef idx="0"/>
           <a:fontRef idx="minor"/>
         </p:style>
-      </p:sp>
-      <p:sp>
-        <p:nvSpPr>
-          <p:cNvPr id="191" name="Line 10"/>
+        <p:txBody>
+          <a:bodyPr lIns="90000" rIns="90000" tIns="45000" bIns="45000"/>
+          <a:p>
+            <a:pPr>
+              <a:lnSpc>
+                <a:spcPct val="100000"/>
+              </a:lnSpc>
+            </a:pPr>
+            <a:r>
+              <a:rPr b="0" lang="en-AU" sz="1800" spc="-1" strike="noStrike">
+                <a:latin typeface="Arial"/>
+              </a:rPr>
+              <a:t>CRISPR-cas clusters (interesting!)</a:t>
+            </a:r>
+            <a:endParaRPr b="0" lang="en-AU" sz="1800" spc="-1" strike="noStrike">
+              <a:latin typeface="Arial"/>
+            </a:endParaRPr>
+          </a:p>
+        </p:txBody>
+      </p:sp>
+      <p:sp>
+        <p:nvSpPr>
+          <p:cNvPr id="225" name="CustomShape 6"/>
           <p:cNvSpPr/>
           <p:nvPr/>
         </p:nvSpPr>
         <p:spPr>
-          <a:xfrm flipH="1">
-            <a:off x="3888000" y="2952000"/>
-            <a:ext cx="720000" cy="144000"/>
-          </a:xfrm>
-          <a:prstGeom prst="line">
-            <a:avLst/>
-          </a:prstGeom>
+          <a:xfrm>
+            <a:off x="4680000" y="3420000"/>
+            <a:ext cx="3887640" cy="857880"/>
+          </a:xfrm>
+          <a:prstGeom prst="rect">
+            <a:avLst/>
+          </a:prstGeom>
+          <a:noFill/>
           <a:ln>
-            <a:solidFill>
-              <a:srgbClr val="000000"/>
-            </a:solidFill>
-            <a:tailEnd len="med" type="triangle" w="med"/>
+            <a:noFill/>
           </a:ln>
         </p:spPr>
         <p:style>
@@ -5715,17 +7255,36 @@
           <a:effectRef idx="0"/>
           <a:fontRef idx="minor"/>
         </p:style>
-      </p:sp>
-      <p:sp>
-        <p:nvSpPr>
-          <p:cNvPr id="192" name="Line 11"/>
+        <p:txBody>
+          <a:bodyPr lIns="90000" rIns="90000" tIns="45000" bIns="45000"/>
+          <a:p>
+            <a:pPr>
+              <a:lnSpc>
+                <a:spcPct val="100000"/>
+              </a:lnSpc>
+            </a:pPr>
+            <a:r>
+              <a:rPr b="0" lang="en-AU" sz="1800" spc="-1" strike="noStrike">
+                <a:latin typeface="Arial"/>
+              </a:rPr>
+              <a:t>Additional information</a:t>
+            </a:r>
+            <a:endParaRPr b="0" lang="en-AU" sz="1800" spc="-1" strike="noStrike">
+              <a:latin typeface="Arial"/>
+            </a:endParaRPr>
+          </a:p>
+        </p:txBody>
+      </p:sp>
+      <p:sp>
+        <p:nvSpPr>
+          <p:cNvPr id="226" name="Line 7"/>
           <p:cNvSpPr/>
           <p:nvPr/>
         </p:nvSpPr>
         <p:spPr>
-          <a:xfrm flipH="1">
-            <a:off x="3816000" y="3600000"/>
-            <a:ext cx="792000" cy="144000"/>
+          <a:xfrm flipH="1" flipV="1">
+            <a:off x="3672000" y="288000"/>
+            <a:ext cx="1008000" cy="144000"/>
           </a:xfrm>
           <a:prstGeom prst="line">
             <a:avLst/>
@@ -5746,14 +7305,14 @@
       </p:sp>
       <p:sp>
         <p:nvSpPr>
-          <p:cNvPr id="193" name="Line 12"/>
+          <p:cNvPr id="227" name="Line 8"/>
           <p:cNvSpPr/>
           <p:nvPr/>
         </p:nvSpPr>
         <p:spPr>
           <a:xfrm flipH="1">
-            <a:off x="3816000" y="3672000"/>
-            <a:ext cx="792000" cy="858240"/>
+            <a:off x="3960000" y="1152000"/>
+            <a:ext cx="792000" cy="72000"/>
           </a:xfrm>
           <a:prstGeom prst="line">
             <a:avLst/>
@@ -5774,14 +7333,126 @@
       </p:sp>
       <p:sp>
         <p:nvSpPr>
-          <p:cNvPr id="194" name="TextShape 13"/>
-          <p:cNvSpPr txBox="1"/>
+          <p:cNvPr id="228" name="Line 9"/>
+          <p:cNvSpPr/>
+          <p:nvPr/>
+        </p:nvSpPr>
+        <p:spPr>
+          <a:xfrm flipH="1">
+            <a:off x="2880000" y="2304000"/>
+            <a:ext cx="1872000" cy="72000"/>
+          </a:xfrm>
+          <a:prstGeom prst="line">
+            <a:avLst/>
+          </a:prstGeom>
+          <a:ln>
+            <a:solidFill>
+              <a:srgbClr val="000000"/>
+            </a:solidFill>
+            <a:tailEnd len="med" type="triangle" w="med"/>
+          </a:ln>
+        </p:spPr>
+        <p:style>
+          <a:lnRef idx="0"/>
+          <a:fillRef idx="0"/>
+          <a:effectRef idx="0"/>
+          <a:fontRef idx="minor"/>
+        </p:style>
+      </p:sp>
+      <p:sp>
+        <p:nvSpPr>
+          <p:cNvPr id="229" name="Line 10"/>
+          <p:cNvSpPr/>
+          <p:nvPr/>
+        </p:nvSpPr>
+        <p:spPr>
+          <a:xfrm flipH="1">
+            <a:off x="3888000" y="2952000"/>
+            <a:ext cx="720000" cy="144000"/>
+          </a:xfrm>
+          <a:prstGeom prst="line">
+            <a:avLst/>
+          </a:prstGeom>
+          <a:ln>
+            <a:solidFill>
+              <a:srgbClr val="000000"/>
+            </a:solidFill>
+            <a:tailEnd len="med" type="triangle" w="med"/>
+          </a:ln>
+        </p:spPr>
+        <p:style>
+          <a:lnRef idx="0"/>
+          <a:fillRef idx="0"/>
+          <a:effectRef idx="0"/>
+          <a:fontRef idx="minor"/>
+        </p:style>
+      </p:sp>
+      <p:sp>
+        <p:nvSpPr>
+          <p:cNvPr id="230" name="Line 11"/>
+          <p:cNvSpPr/>
+          <p:nvPr/>
+        </p:nvSpPr>
+        <p:spPr>
+          <a:xfrm flipH="1">
+            <a:off x="3816000" y="3600000"/>
+            <a:ext cx="792000" cy="144000"/>
+          </a:xfrm>
+          <a:prstGeom prst="line">
+            <a:avLst/>
+          </a:prstGeom>
+          <a:ln>
+            <a:solidFill>
+              <a:srgbClr val="000000"/>
+            </a:solidFill>
+            <a:tailEnd len="med" type="triangle" w="med"/>
+          </a:ln>
+        </p:spPr>
+        <p:style>
+          <a:lnRef idx="0"/>
+          <a:fillRef idx="0"/>
+          <a:effectRef idx="0"/>
+          <a:fontRef idx="minor"/>
+        </p:style>
+      </p:sp>
+      <p:sp>
+        <p:nvSpPr>
+          <p:cNvPr id="231" name="Line 12"/>
+          <p:cNvSpPr/>
+          <p:nvPr/>
+        </p:nvSpPr>
+        <p:spPr>
+          <a:xfrm flipH="1">
+            <a:off x="3816000" y="3672000"/>
+            <a:ext cx="792000" cy="858240"/>
+          </a:xfrm>
+          <a:prstGeom prst="line">
+            <a:avLst/>
+          </a:prstGeom>
+          <a:ln>
+            <a:solidFill>
+              <a:srgbClr val="000000"/>
+            </a:solidFill>
+            <a:tailEnd len="med" type="triangle" w="med"/>
+          </a:ln>
+        </p:spPr>
+        <p:style>
+          <a:lnRef idx="0"/>
+          <a:fillRef idx="0"/>
+          <a:effectRef idx="0"/>
+          <a:fontRef idx="minor"/>
+        </p:style>
+      </p:sp>
+      <p:sp>
+        <p:nvSpPr>
+          <p:cNvPr id="232" name="CustomShape 13"/>
+          <p:cNvSpPr/>
           <p:nvPr/>
         </p:nvSpPr>
         <p:spPr>
           <a:xfrm>
             <a:off x="4680000" y="2808000"/>
-            <a:ext cx="4320000" cy="858240"/>
+            <a:ext cx="4319640" cy="857880"/>
           </a:xfrm>
           <a:prstGeom prst="rect">
             <a:avLst/>
@@ -5791,21 +7462,26 @@
             <a:noFill/>
           </a:ln>
         </p:spPr>
+        <p:style>
+          <a:lnRef idx="0"/>
+          <a:fillRef idx="0"/>
+          <a:effectRef idx="0"/>
+          <a:fontRef idx="minor"/>
+        </p:style>
         <p:txBody>
           <a:bodyPr lIns="90000" rIns="90000" tIns="45000" bIns="45000"/>
           <a:p>
+            <a:pPr>
+              <a:lnSpc>
+                <a:spcPct val="100000"/>
+              </a:lnSpc>
+            </a:pPr>
             <a:r>
               <a:rPr b="0" lang="en-AU" sz="1800" spc="-1" strike="noStrike">
                 <a:latin typeface="Arial"/>
                 <a:ea typeface="AR PL SungtiL GB"/>
               </a:rPr>
-              <a:t>CRISPR array information </a:t>
-            </a:r>
-            <a:r>
-              <a:rPr b="0" lang="en-AU" sz="1800" spc="-1" strike="noStrike">
-                <a:latin typeface="Arial"/>
-              </a:rPr>
-              <a:t>(interesting!)</a:t>
+              <a:t>CRISPR array information (interesting!)</a:t>
             </a:r>
             <a:endParaRPr b="0" lang="en-AU" sz="1800" spc="-1" strike="noStrike">
               <a:latin typeface="Arial"/>
@@ -5815,14 +7491,14 @@
       </p:sp>
       <p:sp>
         <p:nvSpPr>
-          <p:cNvPr id="195" name="TextShape 14"/>
-          <p:cNvSpPr txBox="1"/>
+          <p:cNvPr id="233" name="CustomShape 14"/>
+          <p:cNvSpPr/>
           <p:nvPr/>
         </p:nvSpPr>
         <p:spPr>
           <a:xfrm>
             <a:off x="4680000" y="1404000"/>
-            <a:ext cx="4320000" cy="858240"/>
+            <a:ext cx="4319640" cy="857880"/>
           </a:xfrm>
           <a:prstGeom prst="rect">
             <a:avLst/>
@@ -5832,21 +7508,26 @@
             <a:noFill/>
           </a:ln>
         </p:spPr>
+        <p:style>
+          <a:lnRef idx="0"/>
+          <a:fillRef idx="0"/>
+          <a:effectRef idx="0"/>
+          <a:fontRef idx="minor"/>
+        </p:style>
         <p:txBody>
           <a:bodyPr lIns="90000" rIns="90000" tIns="45000" bIns="45000"/>
           <a:p>
+            <a:pPr>
+              <a:lnSpc>
+                <a:spcPct val="100000"/>
+              </a:lnSpc>
+            </a:pPr>
             <a:r>
               <a:rPr b="0" lang="en-AU" sz="1800" spc="-1" strike="noStrike">
                 <a:latin typeface="Arial"/>
                 <a:ea typeface="AR PL SungtiL GB"/>
               </a:rPr>
-              <a:t>Download all results </a:t>
-            </a:r>
-            <a:r>
-              <a:rPr b="0" lang="en-AU" sz="1800" spc="-1" strike="noStrike">
-                <a:latin typeface="Arial"/>
-              </a:rPr>
-              <a:t>(interesting!)</a:t>
+              <a:t>Download all results (interesting!)</a:t>
             </a:r>
             <a:endParaRPr b="0" lang="en-AU" sz="1800" spc="-1" strike="noStrike">
               <a:latin typeface="Arial"/>
@@ -5856,7 +7537,7 @@
       </p:sp>
       <p:sp>
         <p:nvSpPr>
-          <p:cNvPr id="196" name="Line 15"/>
+          <p:cNvPr id="234" name="Line 15"/>
           <p:cNvSpPr/>
           <p:nvPr/>
         </p:nvSpPr>
@@ -5933,14 +7614,14 @@
       </p:grpSpPr>
       <p:sp>
         <p:nvSpPr>
-          <p:cNvPr id="197" name="CustomShape 1"/>
+          <p:cNvPr id="235" name="CustomShape 1"/>
           <p:cNvSpPr/>
           <p:nvPr/>
         </p:nvSpPr>
         <p:spPr>
           <a:xfrm>
             <a:off x="3926880" y="-144000"/>
-            <a:ext cx="9069120" cy="944640"/>
+            <a:ext cx="9068760" cy="944280"/>
           </a:xfrm>
           <a:prstGeom prst="rect">
             <a:avLst/>
@@ -5972,57 +7653,7 @@
                 <a:latin typeface="Arial"/>
                 <a:ea typeface="DejaVu Sans"/>
               </a:rPr>
-              <a:t>Yo</a:t>
-            </a:r>
-            <a:r>
-              <a:rPr b="0" lang="en-AU" sz="4000" spc="-1" strike="noStrike">
-                <a:solidFill>
-                  <a:srgbClr val="000000"/>
-                </a:solidFill>
-                <a:latin typeface="Arial"/>
-                <a:ea typeface="DejaVu Sans"/>
-              </a:rPr>
-              <a:t>u </a:t>
-            </a:r>
-            <a:r>
-              <a:rPr b="0" lang="en-AU" sz="4000" spc="-1" strike="noStrike">
-                <a:solidFill>
-                  <a:srgbClr val="000000"/>
-                </a:solidFill>
-                <a:latin typeface="Arial"/>
-                <a:ea typeface="DejaVu Sans"/>
-              </a:rPr>
-              <a:t>nee</a:t>
-            </a:r>
-            <a:r>
-              <a:rPr b="0" lang="en-AU" sz="4000" spc="-1" strike="noStrike">
-                <a:solidFill>
-                  <a:srgbClr val="000000"/>
-                </a:solidFill>
-                <a:latin typeface="Arial"/>
-                <a:ea typeface="DejaVu Sans"/>
-              </a:rPr>
-              <a:t>d </a:t>
-            </a:r>
-            <a:r>
-              <a:rPr b="0" lang="en-AU" sz="4000" spc="-1" strike="noStrike">
-                <a:solidFill>
-                  <a:srgbClr val="000000"/>
-                </a:solidFill>
-                <a:latin typeface="Arial"/>
-                <a:ea typeface="DejaVu Sans"/>
-              </a:rPr>
-              <a:t>this</a:t>
-            </a:r>
-            <a:r>
-              <a:rPr b="0" lang="en-AU" sz="4000" spc="-1" strike="noStrike">
-                <a:solidFill>
-                  <a:srgbClr val="000000"/>
-                </a:solidFill>
-                <a:latin typeface="Arial"/>
-                <a:ea typeface="DejaVu Sans"/>
-              </a:rPr>
-              <a:t>:</a:t>
+              <a:t>You need this:</a:t>
             </a:r>
             <a:endParaRPr b="0" lang="en-AU" sz="4000" spc="-1" strike="noStrike">
               <a:latin typeface="Arial"/>
@@ -6032,14 +7663,14 @@
       </p:sp>
       <p:sp>
         <p:nvSpPr>
-          <p:cNvPr id="198" name="CustomShape 2"/>
+          <p:cNvPr id="236" name="CustomShape 2"/>
           <p:cNvSpPr/>
           <p:nvPr/>
         </p:nvSpPr>
         <p:spPr>
           <a:xfrm>
             <a:off x="503640" y="4530240"/>
-            <a:ext cx="9069120" cy="3286080"/>
+            <a:ext cx="9068760" cy="3285720"/>
           </a:xfrm>
           <a:prstGeom prst="rect">
             <a:avLst/>
@@ -6058,7 +7689,7 @@
       </p:sp>
       <p:pic>
         <p:nvPicPr>
-          <p:cNvPr id="199" name="" descr=""/>
+          <p:cNvPr id="237" name="" descr=""/>
           <p:cNvPicPr/>
           <p:nvPr/>
         </p:nvPicPr>
@@ -6069,7 +7700,7 @@
         <p:spPr>
           <a:xfrm>
             <a:off x="63360" y="72000"/>
-            <a:ext cx="3752640" cy="5670360"/>
+            <a:ext cx="3752280" cy="5670000"/>
           </a:xfrm>
           <a:prstGeom prst="rect">
             <a:avLst/>
@@ -6081,14 +7712,14 @@
       </p:pic>
       <p:sp>
         <p:nvSpPr>
-          <p:cNvPr id="200" name="TextShape 3"/>
-          <p:cNvSpPr txBox="1"/>
+          <p:cNvPr id="238" name="CustomShape 3"/>
+          <p:cNvSpPr/>
           <p:nvPr/>
         </p:nvSpPr>
         <p:spPr>
           <a:xfrm>
             <a:off x="4824000" y="1728000"/>
-            <a:ext cx="3888000" cy="858240"/>
+            <a:ext cx="3887640" cy="857880"/>
           </a:xfrm>
           <a:prstGeom prst="rect">
             <a:avLst/>
@@ -6096,42 +7727,6 @@
           <a:noFill/>
           <a:ln>
             <a:noFill/>
-          </a:ln>
-        </p:spPr>
-        <p:txBody>
-          <a:bodyPr lIns="90000" rIns="90000" tIns="45000" bIns="45000"/>
-          <a:p>
-            <a:r>
-              <a:rPr b="0" lang="en-AU" sz="1800" spc="-1" strike="noStrike">
-                <a:latin typeface="Arial"/>
-              </a:rPr>
-              <a:t>CRISPR-cas clusters: fill the first part of the google.sheet (orange part)</a:t>
-            </a:r>
-            <a:endParaRPr b="0" lang="en-AU" sz="1800" spc="-1" strike="noStrike">
-              <a:latin typeface="Arial"/>
-            </a:endParaRPr>
-          </a:p>
-        </p:txBody>
-      </p:sp>
-      <p:sp>
-        <p:nvSpPr>
-          <p:cNvPr id="201" name="Line 4"/>
-          <p:cNvSpPr/>
-          <p:nvPr/>
-        </p:nvSpPr>
-        <p:spPr>
-          <a:xfrm flipH="1">
-            <a:off x="2880000" y="2160000"/>
-            <a:ext cx="1944000" cy="216000"/>
-          </a:xfrm>
-          <a:prstGeom prst="line">
-            <a:avLst/>
-          </a:prstGeom>
-          <a:ln>
-            <a:solidFill>
-              <a:srgbClr val="000000"/>
-            </a:solidFill>
-            <a:tailEnd len="med" type="triangle" w="med"/>
           </a:ln>
         </p:spPr>
         <p:style>
@@ -6140,17 +7735,36 @@
           <a:effectRef idx="0"/>
           <a:fontRef idx="minor"/>
         </p:style>
-      </p:sp>
-      <p:sp>
-        <p:nvSpPr>
-          <p:cNvPr id="202" name="Line 5"/>
+        <p:txBody>
+          <a:bodyPr lIns="90000" rIns="90000" tIns="45000" bIns="45000"/>
+          <a:p>
+            <a:pPr>
+              <a:lnSpc>
+                <a:spcPct val="100000"/>
+              </a:lnSpc>
+            </a:pPr>
+            <a:r>
+              <a:rPr b="0" lang="en-AU" sz="1800" spc="-1" strike="noStrike">
+                <a:latin typeface="Arial"/>
+              </a:rPr>
+              <a:t>CRISPR-cas clusters: fill the first part of the google.sheet (orange part)</a:t>
+            </a:r>
+            <a:endParaRPr b="0" lang="en-AU" sz="1800" spc="-1" strike="noStrike">
+              <a:latin typeface="Arial"/>
+            </a:endParaRPr>
+          </a:p>
+        </p:txBody>
+      </p:sp>
+      <p:sp>
+        <p:nvSpPr>
+          <p:cNvPr id="239" name="Line 4"/>
           <p:cNvSpPr/>
           <p:nvPr/>
         </p:nvSpPr>
         <p:spPr>
-          <a:xfrm flipH="1" flipV="1">
-            <a:off x="3888000" y="3096000"/>
-            <a:ext cx="792000" cy="504000"/>
+          <a:xfrm flipH="1">
+            <a:off x="2880000" y="2160000"/>
+            <a:ext cx="1944000" cy="216000"/>
           </a:xfrm>
           <a:prstGeom prst="line">
             <a:avLst/>
@@ -6171,84 +7785,14 @@
       </p:sp>
       <p:sp>
         <p:nvSpPr>
-          <p:cNvPr id="203" name="TextShape 6"/>
-          <p:cNvSpPr txBox="1"/>
-          <p:nvPr/>
-        </p:nvSpPr>
-        <p:spPr>
-          <a:xfrm>
-            <a:off x="4680000" y="3096000"/>
-            <a:ext cx="4320000" cy="858240"/>
-          </a:xfrm>
-          <a:prstGeom prst="rect">
-            <a:avLst/>
-          </a:prstGeom>
-          <a:noFill/>
-          <a:ln>
-            <a:noFill/>
-          </a:ln>
-        </p:spPr>
-        <p:txBody>
-          <a:bodyPr lIns="90000" rIns="90000" tIns="45000" bIns="45000"/>
-          <a:p>
-            <a:r>
-              <a:rPr b="0" lang="en-AU" sz="1800" spc="-1" strike="noStrike">
-                <a:latin typeface="Arial"/>
-                <a:ea typeface="AR PL SungtiL GB"/>
-              </a:rPr>
-              <a:t>CRISPR array information: fill the second part of the google.sheet (blue part)</a:t>
-            </a:r>
-            <a:endParaRPr b="0" lang="en-AU" sz="1800" spc="-1" strike="noStrike">
-              <a:latin typeface="Arial"/>
-            </a:endParaRPr>
-          </a:p>
-        </p:txBody>
-      </p:sp>
-      <p:sp>
-        <p:nvSpPr>
-          <p:cNvPr id="204" name="TextShape 7"/>
-          <p:cNvSpPr txBox="1"/>
-          <p:nvPr/>
-        </p:nvSpPr>
-        <p:spPr>
-          <a:xfrm>
-            <a:off x="4680000" y="756000"/>
-            <a:ext cx="4320000" cy="858240"/>
-          </a:xfrm>
-          <a:prstGeom prst="rect">
-            <a:avLst/>
-          </a:prstGeom>
-          <a:noFill/>
-          <a:ln>
-            <a:noFill/>
-          </a:ln>
-        </p:spPr>
-        <p:txBody>
-          <a:bodyPr lIns="90000" rIns="90000" tIns="45000" bIns="45000"/>
-          <a:p>
-            <a:r>
-              <a:rPr b="0" lang="en-AU" sz="1800" spc="-1" strike="noStrike">
-                <a:latin typeface="Arial"/>
-                <a:ea typeface="AR PL SungtiL GB"/>
-              </a:rPr>
-              <a:t>Download all results + relabel according to you strain name</a:t>
-            </a:r>
-            <a:endParaRPr b="0" lang="en-AU" sz="1800" spc="-1" strike="noStrike">
-              <a:latin typeface="Arial"/>
-            </a:endParaRPr>
-          </a:p>
-        </p:txBody>
-      </p:sp>
-      <p:sp>
-        <p:nvSpPr>
-          <p:cNvPr id="205" name="Line 8"/>
+          <p:cNvPr id="240" name="Line 5"/>
           <p:cNvSpPr/>
           <p:nvPr/>
         </p:nvSpPr>
         <p:spPr>
-          <a:xfrm flipH="1">
-            <a:off x="3744000" y="1152000"/>
-            <a:ext cx="936000" cy="792000"/>
+          <a:xfrm flipH="1" flipV="1">
+            <a:off x="3888000" y="3096000"/>
+            <a:ext cx="792000" cy="504000"/>
           </a:xfrm>
           <a:prstGeom prst="line">
             <a:avLst/>
@@ -6269,14 +7813,14 @@
       </p:sp>
       <p:sp>
         <p:nvSpPr>
-          <p:cNvPr id="206" name="TextShape 9"/>
-          <p:cNvSpPr txBox="1"/>
-          <p:nvPr/>
-        </p:nvSpPr>
-        <p:spPr>
-          <a:xfrm>
-            <a:off x="4176720" y="4749840"/>
-            <a:ext cx="5904000" cy="1370160"/>
+          <p:cNvPr id="241" name="CustomShape 6"/>
+          <p:cNvSpPr/>
+          <p:nvPr/>
+        </p:nvSpPr>
+        <p:spPr>
+          <a:xfrm>
+            <a:off x="4680000" y="3096000"/>
+            <a:ext cx="4319640" cy="857880"/>
           </a:xfrm>
           <a:prstGeom prst="rect">
             <a:avLst/>
@@ -6286,18 +7830,156 @@
             <a:noFill/>
           </a:ln>
         </p:spPr>
+        <p:style>
+          <a:lnRef idx="0"/>
+          <a:fillRef idx="0"/>
+          <a:effectRef idx="0"/>
+          <a:fontRef idx="minor"/>
+        </p:style>
         <p:txBody>
           <a:bodyPr lIns="90000" rIns="90000" tIns="45000" bIns="45000"/>
           <a:p>
+            <a:pPr>
+              <a:lnSpc>
+                <a:spcPct val="100000"/>
+              </a:lnSpc>
+            </a:pPr>
             <a:r>
               <a:rPr b="0" lang="en-AU" sz="1800" spc="-1" strike="noStrike">
                 <a:latin typeface="Arial"/>
+                <a:ea typeface="AR PL SungtiL GB"/>
+              </a:rPr>
+              <a:t>CRISPR array information: fill the second part of the google.sheet (blue part)</a:t>
+            </a:r>
+            <a:endParaRPr b="0" lang="en-AU" sz="1800" spc="-1" strike="noStrike">
+              <a:latin typeface="Arial"/>
+            </a:endParaRPr>
+          </a:p>
+        </p:txBody>
+      </p:sp>
+      <p:sp>
+        <p:nvSpPr>
+          <p:cNvPr id="242" name="CustomShape 7"/>
+          <p:cNvSpPr/>
+          <p:nvPr/>
+        </p:nvSpPr>
+        <p:spPr>
+          <a:xfrm>
+            <a:off x="4680000" y="756000"/>
+            <a:ext cx="4319640" cy="857880"/>
+          </a:xfrm>
+          <a:prstGeom prst="rect">
+            <a:avLst/>
+          </a:prstGeom>
+          <a:noFill/>
+          <a:ln>
+            <a:noFill/>
+          </a:ln>
+        </p:spPr>
+        <p:style>
+          <a:lnRef idx="0"/>
+          <a:fillRef idx="0"/>
+          <a:effectRef idx="0"/>
+          <a:fontRef idx="minor"/>
+        </p:style>
+        <p:txBody>
+          <a:bodyPr lIns="90000" rIns="90000" tIns="45000" bIns="45000"/>
+          <a:p>
+            <a:pPr>
+              <a:lnSpc>
+                <a:spcPct val="100000"/>
+              </a:lnSpc>
+            </a:pPr>
+            <a:r>
+              <a:rPr b="0" lang="en-AU" sz="1800" spc="-1" strike="noStrike">
+                <a:latin typeface="Arial"/>
+                <a:ea typeface="AR PL SungtiL GB"/>
+              </a:rPr>
+              <a:t>Download all results + relabel according to you strain name</a:t>
+            </a:r>
+            <a:endParaRPr b="0" lang="en-AU" sz="1800" spc="-1" strike="noStrike">
+              <a:latin typeface="Arial"/>
+            </a:endParaRPr>
+          </a:p>
+        </p:txBody>
+      </p:sp>
+      <p:sp>
+        <p:nvSpPr>
+          <p:cNvPr id="243" name="Line 8"/>
+          <p:cNvSpPr/>
+          <p:nvPr/>
+        </p:nvSpPr>
+        <p:spPr>
+          <a:xfrm flipH="1">
+            <a:off x="3744000" y="1152000"/>
+            <a:ext cx="936000" cy="792000"/>
+          </a:xfrm>
+          <a:prstGeom prst="line">
+            <a:avLst/>
+          </a:prstGeom>
+          <a:ln>
+            <a:solidFill>
+              <a:srgbClr val="000000"/>
+            </a:solidFill>
+            <a:tailEnd len="med" type="triangle" w="med"/>
+          </a:ln>
+        </p:spPr>
+        <p:style>
+          <a:lnRef idx="0"/>
+          <a:fillRef idx="0"/>
+          <a:effectRef idx="0"/>
+          <a:fontRef idx="minor"/>
+        </p:style>
+      </p:sp>
+      <p:sp>
+        <p:nvSpPr>
+          <p:cNvPr id="244" name="CustomShape 9"/>
+          <p:cNvSpPr/>
+          <p:nvPr/>
+        </p:nvSpPr>
+        <p:spPr>
+          <a:xfrm>
+            <a:off x="4176720" y="4749840"/>
+            <a:ext cx="5903640" cy="1369800"/>
+          </a:xfrm>
+          <a:prstGeom prst="rect">
+            <a:avLst/>
+          </a:prstGeom>
+          <a:noFill/>
+          <a:ln>
+            <a:noFill/>
+          </a:ln>
+        </p:spPr>
+        <p:style>
+          <a:lnRef idx="0"/>
+          <a:fillRef idx="0"/>
+          <a:effectRef idx="0"/>
+          <a:fontRef idx="minor"/>
+        </p:style>
+        <p:txBody>
+          <a:bodyPr lIns="90000" rIns="90000" tIns="45000" bIns="45000"/>
+          <a:p>
+            <a:pPr>
+              <a:lnSpc>
+                <a:spcPct val="100000"/>
+              </a:lnSpc>
+            </a:pPr>
+            <a:r>
+              <a:rPr b="0" lang="en-AU" sz="1800" spc="-1" strike="noStrike" u="sng">
+                <a:solidFill>
+                  <a:srgbClr val="0000ff"/>
+                </a:solidFill>
+                <a:uFillTx/>
+                <a:latin typeface="Arial"/>
                 <a:hlinkClick r:id="rId2"/>
               </a:rPr>
               <a:t>https://docs.google.com/spreadsheets/d/1Gp4cqbiYJ34fB7wbcqJBKsGxwgaMyPRrETnVK9PS_4M/edit#gid=732249118</a:t>
             </a:r>
             <a:r>
               <a:rPr b="0" lang="en-AU" sz="1800" spc="-1" strike="noStrike">
+                <a:solidFill>
+                  <a:srgbClr val="0000ff"/>
+                </a:solidFill>
                 <a:latin typeface="Arial"/>
               </a:rPr>
               <a:t> </a:t>
@@ -6359,14 +8041,14 @@
       </p:grpSpPr>
       <p:sp>
         <p:nvSpPr>
-          <p:cNvPr id="78" name="CustomShape 1"/>
+          <p:cNvPr id="116" name="CustomShape 1"/>
           <p:cNvSpPr/>
           <p:nvPr/>
         </p:nvSpPr>
         <p:spPr>
           <a:xfrm>
             <a:off x="503640" y="81720"/>
-            <a:ext cx="9069120" cy="944640"/>
+            <a:ext cx="9068760" cy="944280"/>
           </a:xfrm>
           <a:prstGeom prst="rect">
             <a:avLst/>
@@ -6408,14 +8090,14 @@
       </p:sp>
       <p:sp>
         <p:nvSpPr>
-          <p:cNvPr id="79" name="CustomShape 2"/>
+          <p:cNvPr id="117" name="CustomShape 2"/>
           <p:cNvSpPr/>
           <p:nvPr/>
         </p:nvSpPr>
         <p:spPr>
           <a:xfrm>
             <a:off x="251640" y="1182240"/>
-            <a:ext cx="10150920" cy="3286080"/>
+            <a:ext cx="10150560" cy="3285720"/>
           </a:xfrm>
           <a:prstGeom prst="rect">
             <a:avLst/>
@@ -6436,7 +8118,7 @@
             <a:normAutofit/>
           </a:bodyPr>
           <a:p>
-            <a:pPr marL="432000" indent="-322200">
+            <a:pPr marL="432000" indent="-321840">
               <a:lnSpc>
                 <a:spcPct val="100000"/>
               </a:lnSpc>
@@ -6481,7 +8163,7 @@
       </p:sp>
       <p:pic>
         <p:nvPicPr>
-          <p:cNvPr id="80" name="" descr=""/>
+          <p:cNvPr id="118" name="" descr=""/>
           <p:cNvPicPr/>
           <p:nvPr/>
         </p:nvPicPr>
@@ -6492,7 +8174,7 @@
         <p:spPr>
           <a:xfrm>
             <a:off x="810360" y="2203920"/>
-            <a:ext cx="7684200" cy="3185640"/>
+            <a:ext cx="7683840" cy="3185280"/>
           </a:xfrm>
           <a:prstGeom prst="rect">
             <a:avLst/>
@@ -6504,14 +8186,14 @@
       </p:pic>
       <p:sp>
         <p:nvSpPr>
-          <p:cNvPr id="81" name="CustomShape 3"/>
+          <p:cNvPr id="119" name="CustomShape 3"/>
           <p:cNvSpPr/>
           <p:nvPr/>
         </p:nvSpPr>
         <p:spPr>
           <a:xfrm>
             <a:off x="252000" y="2655000"/>
-            <a:ext cx="1726560" cy="3004560"/>
+            <a:ext cx="1726200" cy="3004200"/>
           </a:xfrm>
           <a:prstGeom prst="rect">
             <a:avLst/>
@@ -6534,14 +8216,14 @@
       </p:sp>
       <p:sp>
         <p:nvSpPr>
-          <p:cNvPr id="82" name="CustomShape 4"/>
+          <p:cNvPr id="120" name="CustomShape 4"/>
           <p:cNvSpPr/>
           <p:nvPr/>
         </p:nvSpPr>
         <p:spPr>
           <a:xfrm>
             <a:off x="8748000" y="5400000"/>
-            <a:ext cx="1438560" cy="259560"/>
+            <a:ext cx="1438200" cy="259200"/>
           </a:xfrm>
           <a:prstGeom prst="rect">
             <a:avLst/>
@@ -6583,14 +8265,14 @@
       </p:sp>
       <p:sp>
         <p:nvSpPr>
-          <p:cNvPr id="83" name="CustomShape 5"/>
+          <p:cNvPr id="121" name="CustomShape 5"/>
           <p:cNvSpPr/>
           <p:nvPr/>
         </p:nvSpPr>
         <p:spPr>
           <a:xfrm rot="18900000">
             <a:off x="596880" y="4009320"/>
-            <a:ext cx="1438560" cy="430200"/>
+            <a:ext cx="1438200" cy="429840"/>
           </a:xfrm>
           <a:prstGeom prst="rect">
             <a:avLst/>
@@ -6642,14 +8324,14 @@
       </p:sp>
       <p:sp>
         <p:nvSpPr>
-          <p:cNvPr id="84" name="CustomShape 6"/>
+          <p:cNvPr id="122" name="CustomShape 6"/>
           <p:cNvSpPr/>
           <p:nvPr/>
         </p:nvSpPr>
         <p:spPr>
           <a:xfrm>
             <a:off x="1944000" y="2304000"/>
-            <a:ext cx="1582560" cy="3085560"/>
+            <a:ext cx="1582200" cy="3085200"/>
           </a:xfrm>
           <a:prstGeom prst="rect">
             <a:avLst/>
@@ -6671,14 +8353,14 @@
       </p:sp>
       <p:sp>
         <p:nvSpPr>
-          <p:cNvPr id="85" name="CustomShape 7"/>
+          <p:cNvPr id="123" name="CustomShape 7"/>
           <p:cNvSpPr/>
           <p:nvPr/>
         </p:nvSpPr>
         <p:spPr>
           <a:xfrm>
             <a:off x="4140000" y="2304000"/>
-            <a:ext cx="718560" cy="3085560"/>
+            <a:ext cx="718200" cy="3085200"/>
           </a:xfrm>
           <a:prstGeom prst="rect">
             <a:avLst/>
@@ -6700,14 +8382,14 @@
       </p:sp>
       <p:sp>
         <p:nvSpPr>
-          <p:cNvPr id="86" name="CustomShape 8"/>
+          <p:cNvPr id="124" name="CustomShape 8"/>
           <p:cNvSpPr/>
           <p:nvPr/>
         </p:nvSpPr>
         <p:spPr>
           <a:xfrm>
             <a:off x="6984000" y="2304000"/>
-            <a:ext cx="718560" cy="3085560"/>
+            <a:ext cx="718200" cy="3085200"/>
           </a:xfrm>
           <a:prstGeom prst="rect">
             <a:avLst/>
@@ -6729,14 +8411,14 @@
       </p:sp>
       <p:sp>
         <p:nvSpPr>
-          <p:cNvPr id="87" name="CustomShape 9"/>
+          <p:cNvPr id="125" name="CustomShape 9"/>
           <p:cNvSpPr/>
           <p:nvPr/>
         </p:nvSpPr>
         <p:spPr>
           <a:xfrm>
             <a:off x="7992000" y="2304000"/>
-            <a:ext cx="610560" cy="3085560"/>
+            <a:ext cx="610200" cy="3085200"/>
           </a:xfrm>
           <a:prstGeom prst="rect">
             <a:avLst/>
@@ -6758,14 +8440,14 @@
       </p:sp>
       <p:sp>
         <p:nvSpPr>
-          <p:cNvPr id="88" name="CustomShape 10"/>
+          <p:cNvPr id="126" name="CustomShape 10"/>
           <p:cNvSpPr/>
           <p:nvPr/>
         </p:nvSpPr>
         <p:spPr>
           <a:xfrm rot="18900000">
-            <a:off x="7872120" y="2630520"/>
-            <a:ext cx="1438560" cy="259560"/>
+            <a:off x="7871760" y="2630520"/>
+            <a:ext cx="1438200" cy="259200"/>
           </a:xfrm>
           <a:prstGeom prst="rect">
             <a:avLst/>
@@ -6807,14 +8489,14 @@
       </p:sp>
       <p:sp>
         <p:nvSpPr>
-          <p:cNvPr id="89" name="CustomShape 11"/>
+          <p:cNvPr id="127" name="CustomShape 11"/>
           <p:cNvSpPr/>
           <p:nvPr/>
         </p:nvSpPr>
         <p:spPr>
           <a:xfrm>
             <a:off x="2052000" y="2016000"/>
-            <a:ext cx="1438560" cy="288720"/>
+            <a:ext cx="1438200" cy="288360"/>
           </a:xfrm>
           <a:prstGeom prst="rect">
             <a:avLst/>
@@ -6856,14 +8538,14 @@
       </p:sp>
       <p:sp>
         <p:nvSpPr>
-          <p:cNvPr id="90" name="CustomShape 12"/>
+          <p:cNvPr id="128" name="CustomShape 12"/>
           <p:cNvSpPr/>
           <p:nvPr/>
         </p:nvSpPr>
         <p:spPr>
           <a:xfrm>
             <a:off x="4068000" y="2013840"/>
-            <a:ext cx="1438560" cy="288720"/>
+            <a:ext cx="1438200" cy="288360"/>
           </a:xfrm>
           <a:prstGeom prst="rect">
             <a:avLst/>
@@ -6905,14 +8587,14 @@
       </p:sp>
       <p:sp>
         <p:nvSpPr>
-          <p:cNvPr id="91" name="CustomShape 13"/>
+          <p:cNvPr id="129" name="CustomShape 13"/>
           <p:cNvSpPr/>
           <p:nvPr/>
         </p:nvSpPr>
         <p:spPr>
           <a:xfrm>
             <a:off x="6804000" y="2013840"/>
-            <a:ext cx="1438560" cy="288720"/>
+            <a:ext cx="1438200" cy="288360"/>
           </a:xfrm>
           <a:prstGeom prst="rect">
             <a:avLst/>
@@ -6954,14 +8636,14 @@
       </p:sp>
       <p:sp>
         <p:nvSpPr>
-          <p:cNvPr id="92" name="CustomShape 14"/>
+          <p:cNvPr id="130" name="CustomShape 14"/>
           <p:cNvSpPr/>
           <p:nvPr/>
         </p:nvSpPr>
         <p:spPr>
           <a:xfrm>
             <a:off x="7956000" y="2016000"/>
-            <a:ext cx="1438560" cy="288720"/>
+            <a:ext cx="1438200" cy="288360"/>
           </a:xfrm>
           <a:prstGeom prst="rect">
             <a:avLst/>
@@ -7003,14 +8685,14 @@
       </p:sp>
       <p:sp>
         <p:nvSpPr>
-          <p:cNvPr id="93" name="CustomShape 15"/>
+          <p:cNvPr id="131" name="CustomShape 15"/>
           <p:cNvSpPr/>
           <p:nvPr/>
         </p:nvSpPr>
         <p:spPr>
           <a:xfrm>
             <a:off x="5544000" y="2013840"/>
-            <a:ext cx="1438560" cy="288720"/>
+            <a:ext cx="1438200" cy="288360"/>
           </a:xfrm>
           <a:prstGeom prst="rect">
             <a:avLst/>
@@ -7052,14 +8734,14 @@
       </p:sp>
       <p:sp>
         <p:nvSpPr>
-          <p:cNvPr id="94" name="CustomShape 16"/>
+          <p:cNvPr id="132" name="CustomShape 16"/>
           <p:cNvSpPr/>
           <p:nvPr/>
         </p:nvSpPr>
         <p:spPr>
           <a:xfrm>
             <a:off x="4932000" y="2304000"/>
-            <a:ext cx="1906560" cy="3085560"/>
+            <a:ext cx="1906200" cy="3085200"/>
           </a:xfrm>
           <a:prstGeom prst="rect">
             <a:avLst/>
@@ -7130,14 +8812,14 @@
       </p:grpSpPr>
       <p:sp>
         <p:nvSpPr>
-          <p:cNvPr id="207" name="CustomShape 1"/>
+          <p:cNvPr id="245" name="CustomShape 1"/>
           <p:cNvSpPr/>
           <p:nvPr/>
         </p:nvSpPr>
         <p:spPr>
           <a:xfrm>
             <a:off x="503640" y="225720"/>
-            <a:ext cx="9069120" cy="944640"/>
+            <a:ext cx="9068760" cy="944280"/>
           </a:xfrm>
           <a:prstGeom prst="rect">
             <a:avLst/>
@@ -7179,14 +8861,14 @@
       </p:sp>
       <p:sp>
         <p:nvSpPr>
-          <p:cNvPr id="208" name="CustomShape 2"/>
+          <p:cNvPr id="246" name="CustomShape 2"/>
           <p:cNvSpPr/>
           <p:nvPr/>
         </p:nvSpPr>
         <p:spPr>
           <a:xfrm>
             <a:off x="503640" y="4530240"/>
-            <a:ext cx="9069120" cy="3286080"/>
+            <a:ext cx="9068760" cy="3285720"/>
           </a:xfrm>
           <a:prstGeom prst="rect">
             <a:avLst/>
@@ -7205,7 +8887,7 @@
       </p:sp>
       <p:pic>
         <p:nvPicPr>
-          <p:cNvPr id="209" name="" descr=""/>
+          <p:cNvPr id="247" name="" descr=""/>
           <p:cNvPicPr/>
           <p:nvPr/>
         </p:nvPicPr>
@@ -7217,7 +8899,7 @@
         <p:spPr>
           <a:xfrm>
             <a:off x="3816720" y="1982520"/>
-            <a:ext cx="2495520" cy="2419200"/>
+            <a:ext cx="2495160" cy="2418840"/>
           </a:xfrm>
           <a:prstGeom prst="rect">
             <a:avLst/>
@@ -7229,14 +8911,14 @@
       </p:pic>
       <p:sp>
         <p:nvSpPr>
-          <p:cNvPr id="210" name="CustomShape 3"/>
+          <p:cNvPr id="248" name="CustomShape 3"/>
           <p:cNvSpPr/>
           <p:nvPr/>
         </p:nvSpPr>
         <p:spPr>
           <a:xfrm>
             <a:off x="2160360" y="1872000"/>
-            <a:ext cx="5759640" cy="345960"/>
+            <a:ext cx="5759280" cy="345600"/>
           </a:xfrm>
           <a:prstGeom prst="rect">
             <a:avLst/>
@@ -7262,7 +8944,11 @@
             </a:pPr>
             <a:r>
               <a:rPr b="1" lang="en-AU" sz="1800" spc="-1" strike="noStrike">
-                <a:latin typeface="Arial"/>
+                <a:solidFill>
+                  <a:srgbClr val="000000"/>
+                </a:solidFill>
+                <a:latin typeface="Arial"/>
+                <a:ea typeface="DejaVu Sans"/>
               </a:rPr>
               <a:t>Look at Rmarkdown CHAPTER 6. for instructions!</a:t>
             </a:r>
@@ -7323,14 +9009,14 @@
       </p:grpSpPr>
       <p:sp>
         <p:nvSpPr>
-          <p:cNvPr id="95" name="CustomShape 1"/>
+          <p:cNvPr id="133" name="CustomShape 1"/>
           <p:cNvSpPr/>
           <p:nvPr/>
         </p:nvSpPr>
         <p:spPr>
           <a:xfrm>
             <a:off x="503640" y="-98280"/>
-            <a:ext cx="9069120" cy="944640"/>
+            <a:ext cx="9068760" cy="944280"/>
           </a:xfrm>
           <a:prstGeom prst="rect">
             <a:avLst/>
@@ -7372,14 +9058,14 @@
       </p:sp>
       <p:sp>
         <p:nvSpPr>
-          <p:cNvPr id="96" name="CustomShape 2"/>
+          <p:cNvPr id="134" name="CustomShape 2"/>
           <p:cNvSpPr/>
           <p:nvPr/>
         </p:nvSpPr>
         <p:spPr>
           <a:xfrm>
             <a:off x="503640" y="1002240"/>
-            <a:ext cx="9069120" cy="3286080"/>
+            <a:ext cx="9068760" cy="3285720"/>
           </a:xfrm>
           <a:prstGeom prst="rect">
             <a:avLst/>
@@ -7400,7 +9086,7 @@
             <a:normAutofit/>
           </a:bodyPr>
           <a:p>
-            <a:pPr marL="432000" indent="-322200">
+            <a:pPr marL="432000" indent="-321840">
               <a:lnSpc>
                 <a:spcPct val="100000"/>
               </a:lnSpc>
@@ -7429,7 +9115,7 @@
             </a:endParaRPr>
           </a:p>
           <a:p>
-            <a:pPr marL="432000" indent="-322200">
+            <a:pPr marL="432000" indent="-321840">
               <a:lnSpc>
                 <a:spcPct val="100000"/>
               </a:lnSpc>
@@ -7458,7 +9144,7 @@
             </a:endParaRPr>
           </a:p>
           <a:p>
-            <a:pPr marL="432000" indent="-322200">
+            <a:pPr marL="432000" indent="-321840">
               <a:lnSpc>
                 <a:spcPct val="100000"/>
               </a:lnSpc>
@@ -7510,7 +9196,7 @@
             </a:endParaRPr>
           </a:p>
           <a:p>
-            <a:pPr marL="432000" indent="-322200">
+            <a:pPr marL="432000" indent="-321840">
               <a:lnSpc>
                 <a:spcPct val="100000"/>
               </a:lnSpc>
@@ -7539,7 +9225,7 @@
             </a:endParaRPr>
           </a:p>
           <a:p>
-            <a:pPr marL="432000" indent="-322200">
+            <a:pPr marL="432000" indent="-321840">
               <a:lnSpc>
                 <a:spcPct val="100000"/>
               </a:lnSpc>
@@ -7584,14 +9270,14 @@
       </p:sp>
       <p:sp>
         <p:nvSpPr>
-          <p:cNvPr id="97" name="CustomShape 3"/>
+          <p:cNvPr id="135" name="CustomShape 3"/>
           <p:cNvSpPr/>
           <p:nvPr/>
         </p:nvSpPr>
         <p:spPr>
           <a:xfrm>
             <a:off x="503640" y="3898080"/>
-            <a:ext cx="9069120" cy="944640"/>
+            <a:ext cx="9068760" cy="944280"/>
           </a:xfrm>
           <a:prstGeom prst="rect">
             <a:avLst/>
@@ -7633,14 +9319,14 @@
       </p:sp>
       <p:sp>
         <p:nvSpPr>
-          <p:cNvPr id="98" name="CustomShape 4"/>
+          <p:cNvPr id="136" name="CustomShape 4"/>
           <p:cNvSpPr/>
           <p:nvPr/>
         </p:nvSpPr>
         <p:spPr>
           <a:xfrm>
             <a:off x="503640" y="4782600"/>
-            <a:ext cx="9069120" cy="3286080"/>
+            <a:ext cx="9068760" cy="3285720"/>
           </a:xfrm>
           <a:prstGeom prst="rect">
             <a:avLst/>
@@ -7759,14 +9445,14 @@
       </p:grpSpPr>
       <p:sp>
         <p:nvSpPr>
-          <p:cNvPr id="99" name="CustomShape 1"/>
+          <p:cNvPr id="137" name="CustomShape 1"/>
           <p:cNvSpPr/>
           <p:nvPr/>
         </p:nvSpPr>
         <p:spPr>
           <a:xfrm>
             <a:off x="503640" y="-98280"/>
-            <a:ext cx="9069120" cy="944640"/>
+            <a:ext cx="9068760" cy="944280"/>
           </a:xfrm>
           <a:prstGeom prst="rect">
             <a:avLst/>
@@ -7808,14 +9494,14 @@
       </p:sp>
       <p:sp>
         <p:nvSpPr>
-          <p:cNvPr id="100" name="CustomShape 2"/>
+          <p:cNvPr id="138" name="CustomShape 2"/>
           <p:cNvSpPr/>
           <p:nvPr/>
         </p:nvSpPr>
         <p:spPr>
           <a:xfrm>
             <a:off x="504000" y="1728000"/>
-            <a:ext cx="2016000" cy="1080000"/>
+            <a:ext cx="2015640" cy="1079640"/>
           </a:xfrm>
           <a:prstGeom prst="rect">
             <a:avLst/>
@@ -7838,10 +9524,18 @@
         <p:txBody>
           <a:bodyPr wrap="none" lIns="90000" rIns="90000" tIns="45000" bIns="45000" anchor="ctr"/>
           <a:p>
-            <a:pPr algn="ctr"/>
+            <a:pPr algn="ctr">
+              <a:lnSpc>
+                <a:spcPct val="100000"/>
+              </a:lnSpc>
+            </a:pPr>
             <a:r>
               <a:rPr b="0" lang="en-AU" sz="1800" spc="-1" strike="noStrike">
-                <a:latin typeface="Arial"/>
+                <a:solidFill>
+                  <a:srgbClr val="000000"/>
+                </a:solidFill>
+                <a:latin typeface="Arial"/>
+                <a:ea typeface="DejaVu Sans"/>
               </a:rPr>
               <a:t>Identify genes in </a:t>
             </a:r>
@@ -7850,10 +9544,18 @@
             </a:endParaRPr>
           </a:p>
           <a:p>
-            <a:pPr algn="ctr"/>
+            <a:pPr algn="ctr">
+              <a:lnSpc>
+                <a:spcPct val="100000"/>
+              </a:lnSpc>
+            </a:pPr>
             <a:r>
               <a:rPr b="0" lang="en-AU" sz="1800" spc="-1" strike="noStrike">
-                <a:latin typeface="Arial"/>
+                <a:solidFill>
+                  <a:srgbClr val="000000"/>
+                </a:solidFill>
+                <a:latin typeface="Arial"/>
+                <a:ea typeface="DejaVu Sans"/>
               </a:rPr>
               <a:t>mechanism</a:t>
             </a:r>
@@ -7865,14 +9567,14 @@
       </p:sp>
       <p:sp>
         <p:nvSpPr>
-          <p:cNvPr id="101" name="CustomShape 3"/>
+          <p:cNvPr id="139" name="CustomShape 3"/>
           <p:cNvSpPr/>
           <p:nvPr/>
         </p:nvSpPr>
         <p:spPr>
           <a:xfrm>
             <a:off x="3096000" y="1728000"/>
-            <a:ext cx="2016000" cy="1080000"/>
+            <a:ext cx="2015640" cy="1079640"/>
           </a:xfrm>
           <a:prstGeom prst="rect">
             <a:avLst/>
@@ -7895,10 +9597,18 @@
         <p:txBody>
           <a:bodyPr wrap="none" lIns="90000" rIns="90000" tIns="45000" bIns="45000" anchor="ctr"/>
           <a:p>
-            <a:pPr algn="ctr"/>
+            <a:pPr algn="ctr">
+              <a:lnSpc>
+                <a:spcPct val="100000"/>
+              </a:lnSpc>
+            </a:pPr>
             <a:r>
               <a:rPr b="0" lang="en-AU" sz="1800" spc="-1" strike="noStrike">
-                <a:latin typeface="Arial"/>
+                <a:solidFill>
+                  <a:srgbClr val="000000"/>
+                </a:solidFill>
+                <a:latin typeface="Arial"/>
+                <a:ea typeface="DejaVu Sans"/>
               </a:rPr>
               <a:t>Find </a:t>
             </a:r>
@@ -7907,10 +9617,18 @@
             </a:endParaRPr>
           </a:p>
           <a:p>
-            <a:pPr algn="ctr"/>
+            <a:pPr algn="ctr">
+              <a:lnSpc>
+                <a:spcPct val="100000"/>
+              </a:lnSpc>
+            </a:pPr>
             <a:r>
               <a:rPr b="0" lang="en-AU" sz="1800" spc="-1" strike="noStrike">
-                <a:latin typeface="Arial"/>
+                <a:solidFill>
+                  <a:srgbClr val="000000"/>
+                </a:solidFill>
+                <a:latin typeface="Arial"/>
+                <a:ea typeface="DejaVu Sans"/>
               </a:rPr>
               <a:t>gene sequence</a:t>
             </a:r>
@@ -7922,14 +9640,14 @@
       </p:sp>
       <p:sp>
         <p:nvSpPr>
-          <p:cNvPr id="102" name="CustomShape 4"/>
+          <p:cNvPr id="140" name="CustomShape 4"/>
           <p:cNvSpPr/>
           <p:nvPr/>
         </p:nvSpPr>
         <p:spPr>
           <a:xfrm>
             <a:off x="5508000" y="1728000"/>
-            <a:ext cx="2016000" cy="1080000"/>
+            <a:ext cx="2015640" cy="1079640"/>
           </a:xfrm>
           <a:prstGeom prst="rect">
             <a:avLst/>
@@ -7952,10 +9670,18 @@
         <p:txBody>
           <a:bodyPr wrap="none" lIns="90000" rIns="90000" tIns="45000" bIns="45000" anchor="ctr"/>
           <a:p>
-            <a:pPr algn="ctr"/>
+            <a:pPr algn="ctr">
+              <a:lnSpc>
+                <a:spcPct val="100000"/>
+              </a:lnSpc>
+            </a:pPr>
             <a:r>
               <a:rPr b="0" lang="en-AU" sz="1800" spc="-1" strike="noStrike">
-                <a:latin typeface="Arial"/>
+                <a:solidFill>
+                  <a:srgbClr val="000000"/>
+                </a:solidFill>
+                <a:latin typeface="Arial"/>
+                <a:ea typeface="DejaVu Sans"/>
               </a:rPr>
               <a:t>Find </a:t>
             </a:r>
@@ -7964,10 +9690,18 @@
             </a:endParaRPr>
           </a:p>
           <a:p>
-            <a:pPr algn="ctr"/>
+            <a:pPr algn="ctr">
+              <a:lnSpc>
+                <a:spcPct val="100000"/>
+              </a:lnSpc>
+            </a:pPr>
             <a:r>
               <a:rPr b="0" lang="en-AU" sz="1800" spc="-1" strike="noStrike">
-                <a:latin typeface="Arial"/>
+                <a:solidFill>
+                  <a:srgbClr val="000000"/>
+                </a:solidFill>
+                <a:latin typeface="Arial"/>
+                <a:ea typeface="DejaVu Sans"/>
               </a:rPr>
               <a:t>gene family</a:t>
             </a:r>
@@ -7979,14 +9713,14 @@
       </p:sp>
       <p:sp>
         <p:nvSpPr>
-          <p:cNvPr id="103" name="CustomShape 5"/>
+          <p:cNvPr id="141" name="CustomShape 5"/>
           <p:cNvSpPr/>
           <p:nvPr/>
         </p:nvSpPr>
         <p:spPr>
           <a:xfrm>
             <a:off x="7812000" y="1728000"/>
-            <a:ext cx="2016000" cy="1080000"/>
+            <a:ext cx="2015640" cy="1079640"/>
           </a:xfrm>
           <a:prstGeom prst="rect">
             <a:avLst/>
@@ -8009,125 +9743,57 @@
         <p:txBody>
           <a:bodyPr wrap="none" lIns="90000" rIns="90000" tIns="45000" bIns="45000" anchor="ctr"/>
           <a:p>
-            <a:pPr algn="ctr"/>
+            <a:pPr algn="ctr">
+              <a:lnSpc>
+                <a:spcPct val="100000"/>
+              </a:lnSpc>
+            </a:pPr>
             <a:r>
               <a:rPr b="0" lang="en-AU" sz="1800" spc="-1" strike="noStrike">
-                <a:latin typeface="Arial"/>
-              </a:rPr>
-              <a:t>B</a:t>
-            </a:r>
+                <a:solidFill>
+                  <a:srgbClr val="000000"/>
+                </a:solidFill>
+                <a:latin typeface="Arial"/>
+                <a:ea typeface="DejaVu Sans"/>
+              </a:rPr>
+              <a:t>Build HMM </a:t>
+            </a:r>
+            <a:endParaRPr b="0" lang="en-AU" sz="1800" spc="-1" strike="noStrike">
+              <a:latin typeface="Arial"/>
+            </a:endParaRPr>
+          </a:p>
+          <a:p>
+            <a:pPr algn="ctr">
+              <a:lnSpc>
+                <a:spcPct val="100000"/>
+              </a:lnSpc>
+            </a:pPr>
             <a:r>
               <a:rPr b="0" lang="en-AU" sz="1800" spc="-1" strike="noStrike">
-                <a:latin typeface="Arial"/>
-              </a:rPr>
-              <a:t>ui</a:t>
-            </a:r>
-            <a:r>
-              <a:rPr b="0" lang="en-AU" sz="1800" spc="-1" strike="noStrike">
-                <a:latin typeface="Arial"/>
-              </a:rPr>
-              <a:t>ld </a:t>
-            </a:r>
-            <a:r>
-              <a:rPr b="0" lang="en-AU" sz="1800" spc="-1" strike="noStrike">
-                <a:latin typeface="Arial"/>
-              </a:rPr>
-              <a:t>H</a:t>
-            </a:r>
-            <a:r>
-              <a:rPr b="0" lang="en-AU" sz="1800" spc="-1" strike="noStrike">
-                <a:latin typeface="Arial"/>
-              </a:rPr>
-              <a:t>M</a:t>
-            </a:r>
-            <a:r>
-              <a:rPr b="0" lang="en-AU" sz="1800" spc="-1" strike="noStrike">
-                <a:latin typeface="Arial"/>
-              </a:rPr>
-              <a:t>M </a:t>
+                <a:solidFill>
+                  <a:srgbClr val="000000"/>
+                </a:solidFill>
+                <a:latin typeface="Arial"/>
+                <a:ea typeface="DejaVu Sans"/>
+              </a:rPr>
+              <a:t>Of gene family</a:t>
             </a:r>
             <a:endParaRPr b="0" lang="en-AU" sz="1800" spc="-1" strike="noStrike">
               <a:latin typeface="Arial"/>
             </a:endParaRPr>
           </a:p>
-          <a:p>
-            <a:pPr algn="ctr"/>
-            <a:r>
-              <a:rPr b="0" lang="en-AU" sz="1800" spc="-1" strike="noStrike">
-                <a:latin typeface="Arial"/>
-              </a:rPr>
-              <a:t>O</a:t>
-            </a:r>
-            <a:r>
-              <a:rPr b="0" lang="en-AU" sz="1800" spc="-1" strike="noStrike">
-                <a:latin typeface="Arial"/>
-              </a:rPr>
-              <a:t>f </a:t>
-            </a:r>
-            <a:r>
-              <a:rPr b="0" lang="en-AU" sz="1800" spc="-1" strike="noStrike">
-                <a:latin typeface="Arial"/>
-              </a:rPr>
-              <a:t>g</a:t>
-            </a:r>
-            <a:r>
-              <a:rPr b="0" lang="en-AU" sz="1800" spc="-1" strike="noStrike">
-                <a:latin typeface="Arial"/>
-              </a:rPr>
-              <a:t>e</a:t>
-            </a:r>
-            <a:r>
-              <a:rPr b="0" lang="en-AU" sz="1800" spc="-1" strike="noStrike">
-                <a:latin typeface="Arial"/>
-              </a:rPr>
-              <a:t>n</a:t>
-            </a:r>
-            <a:r>
-              <a:rPr b="0" lang="en-AU" sz="1800" spc="-1" strike="noStrike">
-                <a:latin typeface="Arial"/>
-              </a:rPr>
-              <a:t>e </a:t>
-            </a:r>
-            <a:r>
-              <a:rPr b="0" lang="en-AU" sz="1800" spc="-1" strike="noStrike">
-                <a:latin typeface="Arial"/>
-              </a:rPr>
-              <a:t>fa</a:t>
-            </a:r>
-            <a:r>
-              <a:rPr b="0" lang="en-AU" sz="1800" spc="-1" strike="noStrike">
-                <a:latin typeface="Arial"/>
-              </a:rPr>
-              <a:t>m</a:t>
-            </a:r>
-            <a:r>
-              <a:rPr b="0" lang="en-AU" sz="1800" spc="-1" strike="noStrike">
-                <a:latin typeface="Arial"/>
-              </a:rPr>
-              <a:t>il</a:t>
-            </a:r>
-            <a:r>
-              <a:rPr b="0" lang="en-AU" sz="1800" spc="-1" strike="noStrike">
-                <a:latin typeface="Arial"/>
-              </a:rPr>
-              <a:t>y</a:t>
-            </a:r>
-            <a:endParaRPr b="0" lang="en-AU" sz="1800" spc="-1" strike="noStrike">
-              <a:latin typeface="Arial"/>
-            </a:endParaRPr>
-          </a:p>
-        </p:txBody>
-      </p:sp>
-      <p:sp>
-        <p:nvSpPr>
-          <p:cNvPr id="104" name="CustomShape 6"/>
+        </p:txBody>
+      </p:sp>
+      <p:sp>
+        <p:nvSpPr>
+          <p:cNvPr id="142" name="CustomShape 6"/>
           <p:cNvSpPr/>
           <p:nvPr/>
         </p:nvSpPr>
         <p:spPr>
           <a:xfrm>
             <a:off x="7812000" y="3420000"/>
-            <a:ext cx="2016000" cy="1080000"/>
+            <a:ext cx="2015640" cy="1079640"/>
           </a:xfrm>
           <a:prstGeom prst="rect">
             <a:avLst/>
@@ -8150,10 +9816,18 @@
         <p:txBody>
           <a:bodyPr wrap="none" lIns="90000" rIns="90000" tIns="45000" bIns="45000" anchor="ctr"/>
           <a:p>
-            <a:pPr algn="ctr"/>
+            <a:pPr algn="ctr">
+              <a:lnSpc>
+                <a:spcPct val="100000"/>
+              </a:lnSpc>
+            </a:pPr>
             <a:r>
               <a:rPr b="0" lang="en-AU" sz="1800" spc="-1" strike="noStrike">
-                <a:latin typeface="Arial"/>
+                <a:solidFill>
+                  <a:srgbClr val="000000"/>
+                </a:solidFill>
+                <a:latin typeface="Arial"/>
+                <a:ea typeface="DejaVu Sans"/>
               </a:rPr>
               <a:t>Scan genomes </a:t>
             </a:r>
@@ -8162,10 +9836,18 @@
             </a:endParaRPr>
           </a:p>
           <a:p>
-            <a:pPr algn="ctr"/>
+            <a:pPr algn="ctr">
+              <a:lnSpc>
+                <a:spcPct val="100000"/>
+              </a:lnSpc>
+            </a:pPr>
             <a:r>
               <a:rPr b="0" lang="en-AU" sz="1800" spc="-1" strike="noStrike">
-                <a:latin typeface="Arial"/>
+                <a:solidFill>
+                  <a:srgbClr val="000000"/>
+                </a:solidFill>
+                <a:latin typeface="Arial"/>
+                <a:ea typeface="DejaVu Sans"/>
               </a:rPr>
               <a:t>With HMMs</a:t>
             </a:r>
@@ -8177,14 +9859,14 @@
       </p:sp>
       <p:sp>
         <p:nvSpPr>
-          <p:cNvPr id="105" name="CustomShape 7"/>
+          <p:cNvPr id="143" name="CustomShape 7"/>
           <p:cNvSpPr/>
           <p:nvPr/>
         </p:nvSpPr>
         <p:spPr>
           <a:xfrm>
             <a:off x="5508000" y="3420000"/>
-            <a:ext cx="2016000" cy="1080000"/>
+            <a:ext cx="2015640" cy="1079640"/>
           </a:xfrm>
           <a:prstGeom prst="rect">
             <a:avLst/>
@@ -8207,10 +9889,18 @@
         <p:txBody>
           <a:bodyPr wrap="none" lIns="90000" rIns="90000" tIns="45000" bIns="45000" anchor="ctr"/>
           <a:p>
-            <a:pPr algn="ctr"/>
+            <a:pPr algn="ctr">
+              <a:lnSpc>
+                <a:spcPct val="100000"/>
+              </a:lnSpc>
+            </a:pPr>
             <a:r>
               <a:rPr b="0" lang="en-AU" sz="1800" spc="-1" strike="noStrike">
-                <a:latin typeface="Arial"/>
+                <a:solidFill>
+                  <a:srgbClr val="000000"/>
+                </a:solidFill>
+                <a:latin typeface="Arial"/>
+                <a:ea typeface="DejaVu Sans"/>
               </a:rPr>
               <a:t>Identify pathway </a:t>
             </a:r>
@@ -8219,10 +9909,18 @@
             </a:endParaRPr>
           </a:p>
           <a:p>
-            <a:pPr algn="ctr"/>
+            <a:pPr algn="ctr">
+              <a:lnSpc>
+                <a:spcPct val="100000"/>
+              </a:lnSpc>
+            </a:pPr>
             <a:r>
               <a:rPr b="0" lang="en-AU" sz="1800" spc="-1" strike="noStrike">
-                <a:latin typeface="Arial"/>
+                <a:solidFill>
+                  <a:srgbClr val="000000"/>
+                </a:solidFill>
+                <a:latin typeface="Arial"/>
+                <a:ea typeface="DejaVu Sans"/>
               </a:rPr>
               <a:t>completness</a:t>
             </a:r>
@@ -8234,14 +9932,14 @@
       </p:sp>
       <p:sp>
         <p:nvSpPr>
-          <p:cNvPr id="106" name="CustomShape 8"/>
+          <p:cNvPr id="144" name="CustomShape 8"/>
           <p:cNvSpPr/>
           <p:nvPr/>
         </p:nvSpPr>
         <p:spPr>
           <a:xfrm>
             <a:off x="3132000" y="3420000"/>
-            <a:ext cx="2016000" cy="1080000"/>
+            <a:ext cx="2015640" cy="1079640"/>
           </a:xfrm>
           <a:prstGeom prst="rect">
             <a:avLst/>
@@ -8264,10 +9962,18 @@
         <p:txBody>
           <a:bodyPr wrap="none" lIns="90000" rIns="90000" tIns="45000" bIns="45000" anchor="ctr"/>
           <a:p>
-            <a:pPr algn="ctr"/>
+            <a:pPr algn="ctr">
+              <a:lnSpc>
+                <a:spcPct val="100000"/>
+              </a:lnSpc>
+            </a:pPr>
             <a:r>
               <a:rPr b="0" lang="en-AU" sz="1800" spc="-1" strike="noStrike">
-                <a:latin typeface="Arial"/>
+                <a:solidFill>
+                  <a:srgbClr val="000000"/>
+                </a:solidFill>
+                <a:latin typeface="Arial"/>
+                <a:ea typeface="DejaVu Sans"/>
               </a:rPr>
               <a:t>plot</a:t>
             </a:r>
@@ -8279,14 +9985,14 @@
       </p:sp>
       <p:sp>
         <p:nvSpPr>
-          <p:cNvPr id="107" name="Line 9"/>
+          <p:cNvPr id="145" name="Line 9"/>
           <p:cNvSpPr/>
           <p:nvPr/>
         </p:nvSpPr>
         <p:spPr>
           <a:xfrm>
             <a:off x="2664000" y="2232000"/>
-            <a:ext cx="432000" cy="0"/>
+            <a:ext cx="432000" cy="360"/>
           </a:xfrm>
           <a:prstGeom prst="line">
             <a:avLst/>
@@ -8307,14 +10013,14 @@
       </p:sp>
       <p:sp>
         <p:nvSpPr>
-          <p:cNvPr id="108" name="Line 10"/>
+          <p:cNvPr id="146" name="Line 10"/>
           <p:cNvSpPr/>
           <p:nvPr/>
         </p:nvSpPr>
         <p:spPr>
           <a:xfrm>
             <a:off x="5184000" y="2232000"/>
-            <a:ext cx="432000" cy="0"/>
+            <a:ext cx="432000" cy="360"/>
           </a:xfrm>
           <a:prstGeom prst="line">
             <a:avLst/>
@@ -8335,14 +10041,14 @@
       </p:sp>
       <p:sp>
         <p:nvSpPr>
-          <p:cNvPr id="109" name="Line 11"/>
+          <p:cNvPr id="147" name="Line 11"/>
           <p:cNvSpPr/>
           <p:nvPr/>
         </p:nvSpPr>
         <p:spPr>
           <a:xfrm>
             <a:off x="7488000" y="2232000"/>
-            <a:ext cx="432000" cy="0"/>
+            <a:ext cx="432000" cy="360"/>
           </a:xfrm>
           <a:prstGeom prst="line">
             <a:avLst/>
@@ -8363,14 +10069,14 @@
       </p:sp>
       <p:sp>
         <p:nvSpPr>
-          <p:cNvPr id="110" name="Line 12"/>
+          <p:cNvPr id="148" name="Line 12"/>
           <p:cNvSpPr/>
           <p:nvPr/>
         </p:nvSpPr>
         <p:spPr>
           <a:xfrm>
             <a:off x="8748000" y="2952000"/>
-            <a:ext cx="0" cy="324000"/>
+            <a:ext cx="360" cy="324000"/>
           </a:xfrm>
           <a:prstGeom prst="line">
             <a:avLst/>
@@ -8391,14 +10097,14 @@
       </p:sp>
       <p:sp>
         <p:nvSpPr>
-          <p:cNvPr id="111" name="Line 13"/>
+          <p:cNvPr id="149" name="Line 13"/>
           <p:cNvSpPr/>
           <p:nvPr/>
         </p:nvSpPr>
         <p:spPr>
           <a:xfrm flipH="1">
             <a:off x="7524000" y="3888000"/>
-            <a:ext cx="288000" cy="0"/>
+            <a:ext cx="288000" cy="360"/>
           </a:xfrm>
           <a:prstGeom prst="line">
             <a:avLst/>
@@ -8419,14 +10125,14 @@
       </p:sp>
       <p:sp>
         <p:nvSpPr>
-          <p:cNvPr id="112" name="Line 14"/>
+          <p:cNvPr id="150" name="Line 14"/>
           <p:cNvSpPr/>
           <p:nvPr/>
         </p:nvSpPr>
         <p:spPr>
           <a:xfrm flipH="1">
             <a:off x="5184360" y="3888000"/>
-            <a:ext cx="288000" cy="0"/>
+            <a:ext cx="288000" cy="360"/>
           </a:xfrm>
           <a:prstGeom prst="line">
             <a:avLst/>
@@ -8496,14 +10202,14 @@
       </p:grpSpPr>
       <p:sp>
         <p:nvSpPr>
-          <p:cNvPr id="113" name="CustomShape 1"/>
+          <p:cNvPr id="151" name="CustomShape 1"/>
           <p:cNvSpPr/>
           <p:nvPr/>
         </p:nvSpPr>
         <p:spPr>
           <a:xfrm>
             <a:off x="503640" y="225720"/>
-            <a:ext cx="9069120" cy="944640"/>
+            <a:ext cx="9068760" cy="944280"/>
           </a:xfrm>
           <a:prstGeom prst="rect">
             <a:avLst/>
@@ -8545,14 +10251,14 @@
       </p:sp>
       <p:sp>
         <p:nvSpPr>
-          <p:cNvPr id="114" name="CustomShape 2"/>
+          <p:cNvPr id="152" name="CustomShape 2"/>
           <p:cNvSpPr/>
           <p:nvPr/>
         </p:nvSpPr>
         <p:spPr>
           <a:xfrm>
             <a:off x="503640" y="1326240"/>
-            <a:ext cx="9069120" cy="3286080"/>
+            <a:ext cx="9068760" cy="3285720"/>
           </a:xfrm>
           <a:prstGeom prst="rect">
             <a:avLst/>
@@ -8589,8 +10295,21 @@
                 <a:latin typeface="Arial"/>
                 <a:ea typeface="DejaVu Sans"/>
               </a:rPr>
-              <a:t>1.</a:t>
-            </a:r>
+              <a:t>1. scan the genomes with HMMs</a:t>
+            </a:r>
+            <a:endParaRPr b="0" lang="en-AU" sz="2400" spc="-1" strike="noStrike">
+              <a:latin typeface="Arial"/>
+            </a:endParaRPr>
+          </a:p>
+          <a:p>
+            <a:pPr>
+              <a:lnSpc>
+                <a:spcPct val="100000"/>
+              </a:lnSpc>
+              <a:spcBef>
+                <a:spcPts val="1417"/>
+              </a:spcBef>
+            </a:pPr>
             <a:r>
               <a:rPr b="0" lang="en-AU" sz="2400" spc="-1" strike="noStrike">
                 <a:solidFill>
@@ -8599,7 +10318,7 @@
                 <a:latin typeface="Arial"/>
                 <a:ea typeface="DejaVu Sans"/>
               </a:rPr>
-              <a:t> scan the genomes with HMMs</a:t>
+              <a:t>2. analyse and plot data</a:t>
             </a:r>
             <a:endParaRPr b="0" lang="en-AU" sz="2400" spc="-1" strike="noStrike">
               <a:latin typeface="Arial"/>
@@ -8622,36 +10341,14 @@
                 <a:latin typeface="Arial"/>
                 <a:ea typeface="DejaVu Sans"/>
               </a:rPr>
-              <a:t>2. analyse and plot data</a:t>
-            </a:r>
-            <a:endParaRPr b="0" lang="en-AU" sz="2400" spc="-1" strike="noStrike">
-              <a:latin typeface="Arial"/>
-            </a:endParaRPr>
-          </a:p>
-          <a:p>
-            <a:pPr>
-              <a:lnSpc>
-                <a:spcPct val="100000"/>
-              </a:lnSpc>
-              <a:spcBef>
-                <a:spcPts val="1417"/>
-              </a:spcBef>
-            </a:pPr>
-            <a:r>
-              <a:rPr b="0" lang="en-AU" sz="2400" spc="-1" strike="noStrike">
+              <a:t>3. run CRISPRcasTyper (</a:t>
+            </a:r>
+            <a:r>
+              <a:rPr b="0" lang="en-AU" sz="2400" spc="-1" strike="noStrike" u="sng">
                 <a:solidFill>
-                  <a:srgbClr val="000000"/>
+                  <a:srgbClr val="0000ff"/>
                 </a:solidFill>
-                <a:latin typeface="Arial"/>
-                <a:ea typeface="DejaVu Sans"/>
-              </a:rPr>
-              <a:t>3. run CRISPRcasTyper (</a:t>
-            </a:r>
-            <a:r>
-              <a:rPr b="0" lang="en-AU" sz="2400" spc="-1" strike="noStrike">
-                <a:solidFill>
-                  <a:srgbClr val="000000"/>
-                </a:solidFill>
+                <a:uFillTx/>
                 <a:latin typeface="Arial"/>
                 <a:ea typeface="DejaVu Sans"/>
                 <a:hlinkClick r:id="rId1"/>
@@ -8738,14 +10435,14 @@
       </p:grpSpPr>
       <p:sp>
         <p:nvSpPr>
-          <p:cNvPr id="115" name="CustomShape 1"/>
+          <p:cNvPr id="153" name="CustomShape 1"/>
           <p:cNvSpPr/>
           <p:nvPr/>
         </p:nvSpPr>
         <p:spPr>
           <a:xfrm>
             <a:off x="503640" y="981720"/>
-            <a:ext cx="9069120" cy="944640"/>
+            <a:ext cx="9068760" cy="944280"/>
           </a:xfrm>
           <a:prstGeom prst="rect">
             <a:avLst/>
@@ -8787,14 +10484,14 @@
       </p:sp>
       <p:sp>
         <p:nvSpPr>
-          <p:cNvPr id="116" name="CustomShape 2"/>
+          <p:cNvPr id="154" name="CustomShape 2"/>
           <p:cNvSpPr/>
           <p:nvPr/>
         </p:nvSpPr>
         <p:spPr>
           <a:xfrm>
             <a:off x="503640" y="1326240"/>
-            <a:ext cx="9069120" cy="3286080"/>
+            <a:ext cx="9068760" cy="3285720"/>
           </a:xfrm>
           <a:prstGeom prst="rect">
             <a:avLst/>
@@ -8862,14 +10559,14 @@
       </p:grpSpPr>
       <p:sp>
         <p:nvSpPr>
-          <p:cNvPr id="117" name="CustomShape 1"/>
+          <p:cNvPr id="155" name="CustomShape 1"/>
           <p:cNvSpPr/>
           <p:nvPr/>
         </p:nvSpPr>
         <p:spPr>
           <a:xfrm>
             <a:off x="503640" y="225720"/>
-            <a:ext cx="9069120" cy="944640"/>
+            <a:ext cx="9068760" cy="944280"/>
           </a:xfrm>
           <a:prstGeom prst="rect">
             <a:avLst/>
@@ -8921,14 +10618,14 @@
       </p:sp>
       <p:sp>
         <p:nvSpPr>
-          <p:cNvPr id="118" name="CustomShape 2"/>
+          <p:cNvPr id="156" name="CustomShape 2"/>
           <p:cNvSpPr/>
           <p:nvPr/>
         </p:nvSpPr>
         <p:spPr>
           <a:xfrm>
             <a:off x="503640" y="1326240"/>
-            <a:ext cx="9069120" cy="3286080"/>
+            <a:ext cx="9068760" cy="3285720"/>
           </a:xfrm>
           <a:prstGeom prst="rect">
             <a:avLst/>
@@ -8996,14 +10693,14 @@
       </p:grpSpPr>
       <p:sp>
         <p:nvSpPr>
-          <p:cNvPr id="119" name="CustomShape 1"/>
+          <p:cNvPr id="157" name="CustomShape 1"/>
           <p:cNvSpPr/>
           <p:nvPr/>
         </p:nvSpPr>
         <p:spPr>
           <a:xfrm>
             <a:off x="503640" y="4530240"/>
-            <a:ext cx="9069120" cy="3286080"/>
+            <a:ext cx="9068760" cy="3285720"/>
           </a:xfrm>
           <a:prstGeom prst="rect">
             <a:avLst/>
@@ -9022,14 +10719,14 @@
       </p:sp>
       <p:sp>
         <p:nvSpPr>
-          <p:cNvPr id="120" name="CustomShape 2"/>
+          <p:cNvPr id="158" name="CustomShape 2"/>
           <p:cNvSpPr/>
           <p:nvPr/>
         </p:nvSpPr>
         <p:spPr>
           <a:xfrm>
             <a:off x="216000" y="877680"/>
-            <a:ext cx="9287640" cy="600840"/>
+            <a:ext cx="9287280" cy="600480"/>
           </a:xfrm>
           <a:prstGeom prst="rect">
             <a:avLst/>
@@ -9072,14 +10769,14 @@
       </p:sp>
       <p:sp>
         <p:nvSpPr>
-          <p:cNvPr id="121" name="CustomShape 3"/>
+          <p:cNvPr id="159" name="CustomShape 3"/>
           <p:cNvSpPr/>
           <p:nvPr/>
         </p:nvSpPr>
         <p:spPr>
           <a:xfrm>
             <a:off x="432000" y="5041800"/>
-            <a:ext cx="8855640" cy="1113840"/>
+            <a:ext cx="8855280" cy="1113480"/>
           </a:xfrm>
           <a:prstGeom prst="rect">
             <a:avLst/>
@@ -9105,7 +10802,11 @@
             </a:pPr>
             <a:r>
               <a:rPr b="0" lang="en-AU" sz="1800" spc="-1" strike="noStrike">
-                <a:latin typeface="Arial"/>
+                <a:solidFill>
+                  <a:srgbClr val="000000"/>
+                </a:solidFill>
+                <a:latin typeface="Arial"/>
+                <a:ea typeface="DejaVu Sans"/>
               </a:rPr>
               <a:t>-Absence/Presence/Abundance of gene-of-interest in all genomes</a:t>
             </a:r>
@@ -9121,7 +10822,11 @@
             </a:pPr>
             <a:r>
               <a:rPr b="0" lang="en-AU" sz="1800" spc="-1" strike="noStrike">
-                <a:latin typeface="Arial"/>
+                <a:solidFill>
+                  <a:srgbClr val="000000"/>
+                </a:solidFill>
+                <a:latin typeface="Arial"/>
+                <a:ea typeface="DejaVu Sans"/>
               </a:rPr>
               <a:t>-(Name of matching gene/genes in genomes)</a:t>
             </a:r>
@@ -9137,7 +10842,11 @@
             </a:pPr>
             <a:r>
               <a:rPr b="0" lang="en-AU" sz="1800" spc="-1" strike="noStrike">
-                <a:latin typeface="Arial"/>
+                <a:solidFill>
+                  <a:srgbClr val="000000"/>
+                </a:solidFill>
+                <a:latin typeface="Arial"/>
+                <a:ea typeface="DejaVu Sans"/>
               </a:rPr>
               <a:t> </a:t>
             </a:r>
@@ -9159,7 +10868,7 @@
       </p:sp>
       <p:pic>
         <p:nvPicPr>
-          <p:cNvPr id="122" name="" descr=""/>
+          <p:cNvPr id="160" name="" descr=""/>
           <p:cNvPicPr/>
           <p:nvPr/>
         </p:nvPicPr>
@@ -9170,7 +10879,7 @@
         <p:spPr>
           <a:xfrm>
             <a:off x="450360" y="1564920"/>
-            <a:ext cx="7684200" cy="3185640"/>
+            <a:ext cx="7683840" cy="3185280"/>
           </a:xfrm>
           <a:prstGeom prst="rect">
             <a:avLst/>
@@ -9182,14 +10891,14 @@
       </p:pic>
       <p:sp>
         <p:nvSpPr>
-          <p:cNvPr id="123" name="CustomShape 4"/>
+          <p:cNvPr id="161" name="CustomShape 4"/>
           <p:cNvSpPr/>
           <p:nvPr/>
         </p:nvSpPr>
         <p:spPr>
           <a:xfrm>
             <a:off x="1584000" y="1665000"/>
-            <a:ext cx="1582560" cy="3085560"/>
+            <a:ext cx="1582200" cy="3085200"/>
           </a:xfrm>
           <a:prstGeom prst="rect">
             <a:avLst/>
@@ -9211,14 +10920,14 @@
       </p:sp>
       <p:sp>
         <p:nvSpPr>
-          <p:cNvPr id="124" name="CustomShape 5"/>
+          <p:cNvPr id="162" name="CustomShape 5"/>
           <p:cNvSpPr/>
           <p:nvPr/>
         </p:nvSpPr>
         <p:spPr>
           <a:xfrm>
             <a:off x="3780000" y="1665000"/>
-            <a:ext cx="718560" cy="3085560"/>
+            <a:ext cx="718200" cy="3085200"/>
           </a:xfrm>
           <a:prstGeom prst="rect">
             <a:avLst/>
@@ -9240,14 +10949,14 @@
       </p:sp>
       <p:sp>
         <p:nvSpPr>
-          <p:cNvPr id="125" name="CustomShape 6"/>
+          <p:cNvPr id="163" name="CustomShape 6"/>
           <p:cNvSpPr/>
           <p:nvPr/>
         </p:nvSpPr>
         <p:spPr>
           <a:xfrm>
             <a:off x="6624000" y="1665000"/>
-            <a:ext cx="718560" cy="3085560"/>
+            <a:ext cx="718200" cy="3085200"/>
           </a:xfrm>
           <a:prstGeom prst="rect">
             <a:avLst/>
@@ -9269,14 +10978,14 @@
       </p:sp>
       <p:sp>
         <p:nvSpPr>
-          <p:cNvPr id="126" name="CustomShape 7"/>
+          <p:cNvPr id="164" name="CustomShape 7"/>
           <p:cNvSpPr/>
           <p:nvPr/>
         </p:nvSpPr>
         <p:spPr>
           <a:xfrm>
             <a:off x="7632000" y="1665000"/>
-            <a:ext cx="610560" cy="3085560"/>
+            <a:ext cx="610200" cy="3085200"/>
           </a:xfrm>
           <a:prstGeom prst="rect">
             <a:avLst/>
@@ -9298,14 +11007,14 @@
       </p:sp>
       <p:sp>
         <p:nvSpPr>
-          <p:cNvPr id="127" name="CustomShape 8"/>
+          <p:cNvPr id="165" name="CustomShape 8"/>
           <p:cNvSpPr/>
           <p:nvPr/>
         </p:nvSpPr>
         <p:spPr>
           <a:xfrm rot="18900000">
-            <a:off x="7512120" y="1991520"/>
-            <a:ext cx="1438560" cy="259560"/>
+            <a:off x="7511760" y="1991520"/>
+            <a:ext cx="1438200" cy="259200"/>
           </a:xfrm>
           <a:prstGeom prst="rect">
             <a:avLst/>
@@ -9347,14 +11056,14 @@
       </p:sp>
       <p:sp>
         <p:nvSpPr>
-          <p:cNvPr id="128" name="CustomShape 9"/>
+          <p:cNvPr id="166" name="CustomShape 9"/>
           <p:cNvSpPr/>
           <p:nvPr/>
         </p:nvSpPr>
         <p:spPr>
           <a:xfrm>
             <a:off x="1692000" y="1377000"/>
-            <a:ext cx="1438560" cy="288720"/>
+            <a:ext cx="1438200" cy="288360"/>
           </a:xfrm>
           <a:prstGeom prst="rect">
             <a:avLst/>
@@ -9396,14 +11105,14 @@
       </p:sp>
       <p:sp>
         <p:nvSpPr>
-          <p:cNvPr id="129" name="CustomShape 10"/>
+          <p:cNvPr id="167" name="CustomShape 10"/>
           <p:cNvSpPr/>
           <p:nvPr/>
         </p:nvSpPr>
         <p:spPr>
           <a:xfrm>
             <a:off x="3708000" y="1374840"/>
-            <a:ext cx="1438560" cy="288720"/>
+            <a:ext cx="1438200" cy="288360"/>
           </a:xfrm>
           <a:prstGeom prst="rect">
             <a:avLst/>
@@ -9445,14 +11154,14 @@
       </p:sp>
       <p:sp>
         <p:nvSpPr>
-          <p:cNvPr id="130" name="CustomShape 11"/>
+          <p:cNvPr id="168" name="CustomShape 11"/>
           <p:cNvSpPr/>
           <p:nvPr/>
         </p:nvSpPr>
         <p:spPr>
           <a:xfrm>
             <a:off x="6444000" y="1374840"/>
-            <a:ext cx="1438560" cy="288720"/>
+            <a:ext cx="1438200" cy="288360"/>
           </a:xfrm>
           <a:prstGeom prst="rect">
             <a:avLst/>
@@ -9494,14 +11203,14 @@
       </p:sp>
       <p:sp>
         <p:nvSpPr>
-          <p:cNvPr id="131" name="CustomShape 12"/>
+          <p:cNvPr id="169" name="CustomShape 12"/>
           <p:cNvSpPr/>
           <p:nvPr/>
         </p:nvSpPr>
         <p:spPr>
           <a:xfrm>
             <a:off x="7596000" y="1377000"/>
-            <a:ext cx="1438560" cy="288720"/>
+            <a:ext cx="1438200" cy="288360"/>
           </a:xfrm>
           <a:prstGeom prst="rect">
             <a:avLst/>
@@ -9543,14 +11252,14 @@
       </p:sp>
       <p:sp>
         <p:nvSpPr>
-          <p:cNvPr id="132" name="CustomShape 13"/>
+          <p:cNvPr id="170" name="CustomShape 13"/>
           <p:cNvSpPr/>
           <p:nvPr/>
         </p:nvSpPr>
         <p:spPr>
           <a:xfrm>
             <a:off x="5184000" y="1374840"/>
-            <a:ext cx="1438560" cy="288720"/>
+            <a:ext cx="1438200" cy="288360"/>
           </a:xfrm>
           <a:prstGeom prst="rect">
             <a:avLst/>
@@ -9592,14 +11301,14 @@
       </p:sp>
       <p:sp>
         <p:nvSpPr>
-          <p:cNvPr id="133" name="CustomShape 14"/>
+          <p:cNvPr id="171" name="CustomShape 14"/>
           <p:cNvSpPr/>
           <p:nvPr/>
         </p:nvSpPr>
         <p:spPr>
           <a:xfrm>
             <a:off x="4572000" y="1665000"/>
-            <a:ext cx="1906560" cy="3085560"/>
+            <a:ext cx="1906200" cy="3085200"/>
           </a:xfrm>
           <a:prstGeom prst="rect">
             <a:avLst/>
@@ -9621,14 +11330,14 @@
       </p:sp>
       <p:sp>
         <p:nvSpPr>
-          <p:cNvPr id="134" name="CustomShape 15"/>
+          <p:cNvPr id="172" name="CustomShape 15"/>
           <p:cNvSpPr/>
           <p:nvPr/>
         </p:nvSpPr>
         <p:spPr>
           <a:xfrm>
             <a:off x="-360000" y="1368000"/>
-            <a:ext cx="1943640" cy="3599640"/>
+            <a:ext cx="1943280" cy="3599280"/>
           </a:xfrm>
           <a:prstGeom prst="rect">
             <a:avLst/>
@@ -9649,14 +11358,14 @@
       </p:sp>
       <p:sp>
         <p:nvSpPr>
-          <p:cNvPr id="135" name="CustomShape 16"/>
+          <p:cNvPr id="173" name="CustomShape 16"/>
           <p:cNvSpPr/>
           <p:nvPr/>
         </p:nvSpPr>
         <p:spPr>
           <a:xfrm rot="18900000">
             <a:off x="236880" y="3370320"/>
-            <a:ext cx="1438560" cy="430200"/>
+            <a:ext cx="1438200" cy="429840"/>
           </a:xfrm>
           <a:prstGeom prst="rect">
             <a:avLst/>
@@ -9708,14 +11417,14 @@
       </p:sp>
       <p:sp>
         <p:nvSpPr>
-          <p:cNvPr id="136" name="CustomShape 17"/>
+          <p:cNvPr id="174" name="CustomShape 17"/>
           <p:cNvSpPr/>
           <p:nvPr/>
         </p:nvSpPr>
         <p:spPr>
           <a:xfrm>
             <a:off x="503640" y="-170280"/>
-            <a:ext cx="9069120" cy="944640"/>
+            <a:ext cx="9068760" cy="944280"/>
           </a:xfrm>
           <a:prstGeom prst="rect">
             <a:avLst/>
@@ -9806,14 +11515,14 @@
       </p:grpSpPr>
       <p:sp>
         <p:nvSpPr>
-          <p:cNvPr id="137" name="CustomShape 1"/>
+          <p:cNvPr id="175" name="CustomShape 1"/>
           <p:cNvSpPr/>
           <p:nvPr/>
         </p:nvSpPr>
         <p:spPr>
           <a:xfrm>
             <a:off x="503640" y="225720"/>
-            <a:ext cx="9069120" cy="944640"/>
+            <a:ext cx="9068760" cy="944280"/>
           </a:xfrm>
           <a:prstGeom prst="rect">
             <a:avLst/>
@@ -9855,14 +11564,14 @@
       </p:sp>
       <p:sp>
         <p:nvSpPr>
-          <p:cNvPr id="138" name="CustomShape 2"/>
+          <p:cNvPr id="176" name="CustomShape 2"/>
           <p:cNvSpPr/>
           <p:nvPr/>
         </p:nvSpPr>
         <p:spPr>
           <a:xfrm>
             <a:off x="287640" y="1362240"/>
-            <a:ext cx="9069120" cy="3286080"/>
+            <a:ext cx="9068760" cy="3285720"/>
           </a:xfrm>
           <a:prstGeom prst="rect">
             <a:avLst/>
@@ -9912,14 +11621,14 @@
       </p:sp>
       <p:sp>
         <p:nvSpPr>
-          <p:cNvPr id="139" name="CustomShape 3"/>
+          <p:cNvPr id="177" name="CustomShape 3"/>
           <p:cNvSpPr/>
           <p:nvPr/>
         </p:nvSpPr>
         <p:spPr>
           <a:xfrm>
             <a:off x="503640" y="4530240"/>
-            <a:ext cx="9069120" cy="3286080"/>
+            <a:ext cx="9068760" cy="3285720"/>
           </a:xfrm>
           <a:prstGeom prst="rect">
             <a:avLst/>
@@ -9938,14 +11647,14 @@
       </p:sp>
       <p:sp>
         <p:nvSpPr>
-          <p:cNvPr id="140" name="CustomShape 4"/>
+          <p:cNvPr id="178" name="CustomShape 4"/>
           <p:cNvSpPr/>
           <p:nvPr/>
         </p:nvSpPr>
         <p:spPr>
           <a:xfrm>
             <a:off x="432000" y="1728000"/>
-            <a:ext cx="4678560" cy="2392560"/>
+            <a:ext cx="4678200" cy="2392200"/>
           </a:xfrm>
           <a:prstGeom prst="rect">
             <a:avLst/>
@@ -10108,14 +11817,14 @@
       </p:sp>
       <p:sp>
         <p:nvSpPr>
-          <p:cNvPr id="141" name="CustomShape 5"/>
+          <p:cNvPr id="179" name="CustomShape 5"/>
           <p:cNvSpPr/>
           <p:nvPr/>
         </p:nvSpPr>
         <p:spPr>
           <a:xfrm>
             <a:off x="6192000" y="1705320"/>
-            <a:ext cx="4678560" cy="2392560"/>
+            <a:ext cx="4678200" cy="2392200"/>
           </a:xfrm>
           <a:prstGeom prst="rect">
             <a:avLst/>
@@ -10218,14 +11927,14 @@
       </p:sp>
       <p:sp>
         <p:nvSpPr>
-          <p:cNvPr id="142" name="CustomShape 6"/>
+          <p:cNvPr id="180" name="CustomShape 6"/>
           <p:cNvSpPr/>
           <p:nvPr/>
         </p:nvSpPr>
         <p:spPr>
           <a:xfrm>
             <a:off x="287640" y="2160000"/>
-            <a:ext cx="4752000" cy="1960560"/>
+            <a:ext cx="4751640" cy="1960200"/>
           </a:xfrm>
           <a:prstGeom prst="rect">
             <a:avLst/>
@@ -10247,14 +11956,14 @@
       </p:sp>
       <p:sp>
         <p:nvSpPr>
-          <p:cNvPr id="143" name="CustomShape 7"/>
+          <p:cNvPr id="181" name="CustomShape 7"/>
           <p:cNvSpPr/>
           <p:nvPr/>
         </p:nvSpPr>
         <p:spPr>
           <a:xfrm>
             <a:off x="3528000" y="2232000"/>
-            <a:ext cx="935640" cy="601920"/>
+            <a:ext cx="935280" cy="601560"/>
           </a:xfrm>
           <a:prstGeom prst="rect">
             <a:avLst/>
@@ -10284,6 +11993,7 @@
                   <a:srgbClr val="72bf44"/>
                 </a:solidFill>
                 <a:latin typeface="Arial"/>
+                <a:ea typeface="DejaVu Sans"/>
               </a:rPr>
               <a:t>Done!</a:t>
             </a:r>
@@ -10295,7 +12005,7 @@
       </p:sp>
       <p:sp>
         <p:nvSpPr>
-          <p:cNvPr id="144" name="Line 8"/>
+          <p:cNvPr id="182" name="Line 8"/>
           <p:cNvSpPr/>
           <p:nvPr/>
         </p:nvSpPr>
@@ -10323,7 +12033,7 @@
       </p:sp>
       <p:sp>
         <p:nvSpPr>
-          <p:cNvPr id="145" name="Line 9"/>
+          <p:cNvPr id="183" name="Line 9"/>
           <p:cNvSpPr/>
           <p:nvPr/>
         </p:nvSpPr>
@@ -10351,14 +12061,14 @@
       </p:sp>
       <p:sp>
         <p:nvSpPr>
-          <p:cNvPr id="146" name="CustomShape 10"/>
+          <p:cNvPr id="184" name="CustomShape 10"/>
           <p:cNvSpPr/>
           <p:nvPr/>
         </p:nvSpPr>
         <p:spPr>
           <a:xfrm>
             <a:off x="7488000" y="4389840"/>
-            <a:ext cx="2592360" cy="1369800"/>
+            <a:ext cx="2592000" cy="1369440"/>
           </a:xfrm>
           <a:prstGeom prst="rect">
             <a:avLst/>
@@ -10384,7 +12094,11 @@
             </a:pPr>
             <a:r>
               <a:rPr b="0" lang="en-AU" sz="1800" spc="-1" strike="noStrike">
-                <a:latin typeface="Arial"/>
+                <a:solidFill>
+                  <a:srgbClr val="000000"/>
+                </a:solidFill>
+                <a:latin typeface="Arial"/>
+                <a:ea typeface="DejaVu Sans"/>
               </a:rPr>
               <a:t>We already know how we can search multiple genes &amp; multiple genomes (for-loop)</a:t>
             </a:r>
@@ -10396,14 +12110,14 @@
       </p:sp>
       <p:sp>
         <p:nvSpPr>
-          <p:cNvPr id="147" name="CustomShape 11"/>
+          <p:cNvPr id="185" name="CustomShape 11"/>
           <p:cNvSpPr/>
           <p:nvPr/>
         </p:nvSpPr>
         <p:spPr>
           <a:xfrm>
             <a:off x="6696000" y="5229720"/>
-            <a:ext cx="935640" cy="601920"/>
+            <a:ext cx="935280" cy="601560"/>
           </a:xfrm>
           <a:prstGeom prst="rect">
             <a:avLst/>
@@ -10433,6 +12147,7 @@
                   <a:srgbClr val="72bf44"/>
                 </a:solidFill>
                 <a:latin typeface="Arial"/>
+                <a:ea typeface="DejaVu Sans"/>
               </a:rPr>
               <a:t>Done!</a:t>
             </a:r>
@@ -10444,14 +12159,14 @@
       </p:sp>
       <p:sp>
         <p:nvSpPr>
-          <p:cNvPr id="148" name="CustomShape 12"/>
+          <p:cNvPr id="186" name="CustomShape 12"/>
           <p:cNvSpPr/>
           <p:nvPr/>
         </p:nvSpPr>
         <p:spPr>
           <a:xfrm>
             <a:off x="6048000" y="3600000"/>
-            <a:ext cx="1223640" cy="857880"/>
+            <a:ext cx="1223280" cy="857520"/>
           </a:xfrm>
           <a:prstGeom prst="rect">
             <a:avLst/>
@@ -10481,6 +12196,7 @@
                   <a:srgbClr val="72bf44"/>
                 </a:solidFill>
                 <a:latin typeface="Arial"/>
+                <a:ea typeface="DejaVu Sans"/>
               </a:rPr>
               <a:t>Let’s do this next!</a:t>
             </a:r>
@@ -10492,7 +12208,7 @@
       </p:sp>
       <p:sp>
         <p:nvSpPr>
-          <p:cNvPr id="149" name="Line 13"/>
+          <p:cNvPr id="187" name="Line 13"/>
           <p:cNvSpPr/>
           <p:nvPr/>
         </p:nvSpPr>
@@ -10994,4 +12710,227 @@
     </a:fmtScheme>
   </a:themeElements>
 </a:theme>
+</file>
+
+<file path=ppt/theme/theme3.xml><?xml version="1.0" encoding="utf-8"?>
+<a:theme xmlns:a="http://schemas.openxmlformats.org/drawingml/2006/main" name="Office Theme">
+  <a:themeElements>
+    <a:clrScheme name="Office">
+      <a:dk1>
+        <a:sysClr val="windowText" lastClr="000000"/>
+      </a:dk1>
+      <a:lt1>
+        <a:sysClr val="window" lastClr="FFFFFF"/>
+      </a:lt1>
+      <a:dk2>
+        <a:srgbClr val="1f497d"/>
+      </a:dk2>
+      <a:lt2>
+        <a:srgbClr val="eeece1"/>
+      </a:lt2>
+      <a:accent1>
+        <a:srgbClr val="4f81bd"/>
+      </a:accent1>
+      <a:accent2>
+        <a:srgbClr val="c0504d"/>
+      </a:accent2>
+      <a:accent3>
+        <a:srgbClr val="9bbb59"/>
+      </a:accent3>
+      <a:accent4>
+        <a:srgbClr val="8064a2"/>
+      </a:accent4>
+      <a:accent5>
+        <a:srgbClr val="4bacc6"/>
+      </a:accent5>
+      <a:accent6>
+        <a:srgbClr val="f79646"/>
+      </a:accent6>
+      <a:hlink>
+        <a:srgbClr val="0000ff"/>
+      </a:hlink>
+      <a:folHlink>
+        <a:srgbClr val="800080"/>
+      </a:folHlink>
+    </a:clrScheme>
+    <a:fontScheme name="Office">
+      <a:majorFont>
+        <a:latin typeface="Arial"/>
+        <a:ea typeface="DejaVu Sans"/>
+        <a:cs typeface="DejaVu Sans"/>
+      </a:majorFont>
+      <a:minorFont>
+        <a:latin typeface="Arial"/>
+        <a:ea typeface="DejaVu Sans"/>
+        <a:cs typeface="DejaVu Sans"/>
+      </a:minorFont>
+    </a:fontScheme>
+    <a:fmtScheme name="Office">
+      <a:fillStyleLst>
+        <a:solidFill>
+          <a:schemeClr val="phClr"/>
+        </a:solidFill>
+        <a:gradFill rotWithShape="1">
+          <a:gsLst>
+            <a:gs pos="0">
+              <a:schemeClr val="phClr">
+                <a:tint val="50000"/>
+                <a:satMod val="300000"/>
+              </a:schemeClr>
+            </a:gs>
+            <a:gs pos="35000">
+              <a:schemeClr val="phClr">
+                <a:tint val="37000"/>
+                <a:satMod val="300000"/>
+              </a:schemeClr>
+            </a:gs>
+            <a:gs pos="100000">
+              <a:schemeClr val="phClr">
+                <a:tint val="15000"/>
+                <a:satMod val="350000"/>
+              </a:schemeClr>
+            </a:gs>
+          </a:gsLst>
+          <a:lin ang="16200000" scaled="1"/>
+        </a:gradFill>
+        <a:gradFill rotWithShape="1">
+          <a:gsLst>
+            <a:gs pos="0">
+              <a:schemeClr val="phClr">
+                <a:shade val="51000"/>
+                <a:satMod val="130000"/>
+              </a:schemeClr>
+            </a:gs>
+            <a:gs pos="80000">
+              <a:schemeClr val="phClr">
+                <a:shade val="93000"/>
+                <a:satMod val="130000"/>
+              </a:schemeClr>
+            </a:gs>
+            <a:gs pos="100000">
+              <a:schemeClr val="phClr">
+                <a:shade val="94000"/>
+                <a:satMod val="135000"/>
+              </a:schemeClr>
+            </a:gs>
+          </a:gsLst>
+          <a:lin ang="16200000" scaled="0"/>
+        </a:gradFill>
+      </a:fillStyleLst>
+      <a:lnStyleLst>
+        <a:ln w="9525" cap="flat" cmpd="sng" algn="ctr">
+          <a:solidFill>
+            <a:schemeClr val="phClr">
+              <a:shade val="95000"/>
+              <a:satMod val="105000"/>
+            </a:schemeClr>
+          </a:solidFill>
+          <a:prstDash val="solid"/>
+        </a:ln>
+        <a:ln w="25400" cap="flat" cmpd="sng" algn="ctr">
+          <a:solidFill>
+            <a:schemeClr val="phClr"/>
+          </a:solidFill>
+          <a:prstDash val="solid"/>
+        </a:ln>
+        <a:ln w="38100" cap="flat" cmpd="sng" algn="ctr">
+          <a:solidFill>
+            <a:schemeClr val="phClr"/>
+          </a:solidFill>
+          <a:prstDash val="solid"/>
+        </a:ln>
+      </a:lnStyleLst>
+      <a:effectStyleLst>
+        <a:effectStyle>
+          <a:effectLst>
+            <a:outerShdw blurRad="40000" dist="20000" dir="5400000" rotWithShape="0">
+              <a:srgbClr val="000000">
+                <a:alpha val="38000"/>
+              </a:srgbClr>
+            </a:outerShdw>
+          </a:effectLst>
+        </a:effectStyle>
+        <a:effectStyle>
+          <a:effectLst>
+            <a:outerShdw blurRad="40000" dist="23000" dir="5400000" rotWithShape="0">
+              <a:srgbClr val="000000">
+                <a:alpha val="35000"/>
+              </a:srgbClr>
+            </a:outerShdw>
+          </a:effectLst>
+        </a:effectStyle>
+        <a:effectStyle>
+          <a:effectLst>
+            <a:outerShdw blurRad="40000" dist="23000" dir="5400000" rotWithShape="0">
+              <a:srgbClr val="000000">
+                <a:alpha val="35000"/>
+              </a:srgbClr>
+            </a:outerShdw>
+          </a:effectLst>
+          <a:scene3d>
+            <a:camera prst="orthographicFront">
+              <a:rot lat="0" lon="0" rev="0"/>
+            </a:camera>
+            <a:lightRig rig="threePt" dir="t">
+              <a:rot lat="0" lon="0" rev="1200000"/>
+            </a:lightRig>
+          </a:scene3d>
+          <a:sp3d>
+            <a:bevelT w="63500" h="25400"/>
+          </a:sp3d>
+        </a:effectStyle>
+      </a:effectStyleLst>
+      <a:bgFillStyleLst>
+        <a:solidFill>
+          <a:schemeClr val="phClr"/>
+        </a:solidFill>
+        <a:gradFill rotWithShape="1">
+          <a:gsLst>
+            <a:gs pos="0">
+              <a:schemeClr val="phClr">
+                <a:tint val="40000"/>
+                <a:satMod val="350000"/>
+              </a:schemeClr>
+            </a:gs>
+            <a:gs pos="40000">
+              <a:schemeClr val="phClr">
+                <a:tint val="45000"/>
+                <a:shade val="99000"/>
+                <a:satMod val="350000"/>
+              </a:schemeClr>
+            </a:gs>
+            <a:gs pos="100000">
+              <a:schemeClr val="phClr">
+                <a:shade val="20000"/>
+                <a:satMod val="255000"/>
+              </a:schemeClr>
+            </a:gs>
+          </a:gsLst>
+          <a:path path="circle">
+            <a:fillToRect l="50000" t="-80000" r="50000" b="180000"/>
+          </a:path>
+        </a:gradFill>
+        <a:gradFill rotWithShape="1">
+          <a:gsLst>
+            <a:gs pos="0">
+              <a:schemeClr val="phClr">
+                <a:tint val="80000"/>
+                <a:satMod val="300000"/>
+              </a:schemeClr>
+            </a:gs>
+            <a:gs pos="100000">
+              <a:schemeClr val="phClr">
+                <a:shade val="30000"/>
+                <a:satMod val="200000"/>
+              </a:schemeClr>
+            </a:gs>
+          </a:gsLst>
+          <a:path path="circle">
+            <a:fillToRect l="50000" t="50000" r="50000" b="50000"/>
+          </a:path>
+        </a:gradFill>
+      </a:bgFillStyleLst>
+    </a:fmtScheme>
+  </a:themeElements>
+</a:theme>
 </file>